--- a/IMDB Analysis PP.pptx
+++ b/IMDB Analysis PP.pptx
@@ -2,16 +2,22 @@
 <file path=ppt/presentation.xml><?xml version="1.0" encoding="utf-8"?>
 <p:presentation xmlns:a="http://schemas.openxmlformats.org/drawingml/2006/main" xmlns:r="http://schemas.openxmlformats.org/officeDocument/2006/relationships" xmlns:p="http://schemas.openxmlformats.org/presentationml/2006/main" saveSubsetFonts="1">
   <p:sldMasterIdLst>
-    <p:sldMasterId id="2147483648" r:id="rId1"/>
+    <p:sldMasterId id="2147483660" r:id="rId1"/>
   </p:sldMasterIdLst>
   <p:sldIdLst>
     <p:sldId id="256" r:id="rId2"/>
     <p:sldId id="257" r:id="rId3"/>
     <p:sldId id="259" r:id="rId4"/>
-    <p:sldId id="260" r:id="rId5"/>
-    <p:sldId id="261" r:id="rId6"/>
-    <p:sldId id="262" r:id="rId7"/>
-    <p:sldId id="263" r:id="rId8"/>
+    <p:sldId id="264" r:id="rId5"/>
+    <p:sldId id="267" r:id="rId6"/>
+    <p:sldId id="265" r:id="rId7"/>
+    <p:sldId id="261" r:id="rId8"/>
+    <p:sldId id="262" r:id="rId9"/>
+    <p:sldId id="263" r:id="rId10"/>
+    <p:sldId id="268" r:id="rId11"/>
+    <p:sldId id="270" r:id="rId12"/>
+    <p:sldId id="269" r:id="rId13"/>
+    <p:sldId id="271" r:id="rId14"/>
   </p:sldIdLst>
   <p:sldSz cx="12192000" cy="6858000"/>
   <p:notesSz cx="6858000" cy="9144000"/>
@@ -19,7 +25,7 @@
     <a:defPPr>
       <a:defRPr lang="en-US"/>
     </a:defPPr>
-    <a:lvl1pPr marL="0" algn="l" defTabSz="914400" rtl="0" eaLnBrk="1" latinLnBrk="0" hangingPunct="1">
+    <a:lvl1pPr marL="0" algn="l" defTabSz="457200" rtl="0" eaLnBrk="1" latinLnBrk="0" hangingPunct="1">
       <a:defRPr sz="1800" kern="1200">
         <a:solidFill>
           <a:schemeClr val="tx1"/>
@@ -29,7 +35,7 @@
         <a:cs typeface="+mn-cs"/>
       </a:defRPr>
     </a:lvl1pPr>
-    <a:lvl2pPr marL="457200" algn="l" defTabSz="914400" rtl="0" eaLnBrk="1" latinLnBrk="0" hangingPunct="1">
+    <a:lvl2pPr marL="457200" algn="l" defTabSz="457200" rtl="0" eaLnBrk="1" latinLnBrk="0" hangingPunct="1">
       <a:defRPr sz="1800" kern="1200">
         <a:solidFill>
           <a:schemeClr val="tx1"/>
@@ -39,7 +45,7 @@
         <a:cs typeface="+mn-cs"/>
       </a:defRPr>
     </a:lvl2pPr>
-    <a:lvl3pPr marL="914400" algn="l" defTabSz="914400" rtl="0" eaLnBrk="1" latinLnBrk="0" hangingPunct="1">
+    <a:lvl3pPr marL="914400" algn="l" defTabSz="457200" rtl="0" eaLnBrk="1" latinLnBrk="0" hangingPunct="1">
       <a:defRPr sz="1800" kern="1200">
         <a:solidFill>
           <a:schemeClr val="tx1"/>
@@ -49,7 +55,7 @@
         <a:cs typeface="+mn-cs"/>
       </a:defRPr>
     </a:lvl3pPr>
-    <a:lvl4pPr marL="1371600" algn="l" defTabSz="914400" rtl="0" eaLnBrk="1" latinLnBrk="0" hangingPunct="1">
+    <a:lvl4pPr marL="1371600" algn="l" defTabSz="457200" rtl="0" eaLnBrk="1" latinLnBrk="0" hangingPunct="1">
       <a:defRPr sz="1800" kern="1200">
         <a:solidFill>
           <a:schemeClr val="tx1"/>
@@ -59,7 +65,7 @@
         <a:cs typeface="+mn-cs"/>
       </a:defRPr>
     </a:lvl4pPr>
-    <a:lvl5pPr marL="1828800" algn="l" defTabSz="914400" rtl="0" eaLnBrk="1" latinLnBrk="0" hangingPunct="1">
+    <a:lvl5pPr marL="1828800" algn="l" defTabSz="457200" rtl="0" eaLnBrk="1" latinLnBrk="0" hangingPunct="1">
       <a:defRPr sz="1800" kern="1200">
         <a:solidFill>
           <a:schemeClr val="tx1"/>
@@ -69,7 +75,7 @@
         <a:cs typeface="+mn-cs"/>
       </a:defRPr>
     </a:lvl5pPr>
-    <a:lvl6pPr marL="2286000" algn="l" defTabSz="914400" rtl="0" eaLnBrk="1" latinLnBrk="0" hangingPunct="1">
+    <a:lvl6pPr marL="2286000" algn="l" defTabSz="457200" rtl="0" eaLnBrk="1" latinLnBrk="0" hangingPunct="1">
       <a:defRPr sz="1800" kern="1200">
         <a:solidFill>
           <a:schemeClr val="tx1"/>
@@ -79,7 +85,7 @@
         <a:cs typeface="+mn-cs"/>
       </a:defRPr>
     </a:lvl6pPr>
-    <a:lvl7pPr marL="2743200" algn="l" defTabSz="914400" rtl="0" eaLnBrk="1" latinLnBrk="0" hangingPunct="1">
+    <a:lvl7pPr marL="2743200" algn="l" defTabSz="457200" rtl="0" eaLnBrk="1" latinLnBrk="0" hangingPunct="1">
       <a:defRPr sz="1800" kern="1200">
         <a:solidFill>
           <a:schemeClr val="tx1"/>
@@ -89,7 +95,7 @@
         <a:cs typeface="+mn-cs"/>
       </a:defRPr>
     </a:lvl7pPr>
-    <a:lvl8pPr marL="3200400" algn="l" defTabSz="914400" rtl="0" eaLnBrk="1" latinLnBrk="0" hangingPunct="1">
+    <a:lvl8pPr marL="3200400" algn="l" defTabSz="457200" rtl="0" eaLnBrk="1" latinLnBrk="0" hangingPunct="1">
       <a:defRPr sz="1800" kern="1200">
         <a:solidFill>
           <a:schemeClr val="tx1"/>
@@ -99,7 +105,7 @@
         <a:cs typeface="+mn-cs"/>
       </a:defRPr>
     </a:lvl8pPr>
-    <a:lvl9pPr marL="3657600" algn="l" defTabSz="914400" rtl="0" eaLnBrk="1" latinLnBrk="0" hangingPunct="1">
+    <a:lvl9pPr marL="3657600" algn="l" defTabSz="457200" rtl="0" eaLnBrk="1" latinLnBrk="0" hangingPunct="1">
       <a:defRPr sz="1800" kern="1200">
         <a:solidFill>
           <a:schemeClr val="tx1"/>
@@ -1469,7 +1475,7 @@
   <dgm:whole/>
   <dgm:extLst>
     <a:ext uri="http://schemas.microsoft.com/office/drawing/2008/diagram">
-      <dsp:dataModelExt xmlns:dsp="http://schemas.microsoft.com/office/drawing/2008/diagram" relId="rId7" minVer="http://schemas.openxmlformats.org/drawingml/2006/diagram"/>
+      <dsp:dataModelExt xmlns:dsp="http://schemas.microsoft.com/office/drawing/2008/diagram" relId="rId6" minVer="http://schemas.openxmlformats.org/drawingml/2006/diagram"/>
     </a:ext>
   </dgm:extLst>
 </dgm:dataModel>
@@ -3348,13 +3354,7 @@
       </p:grpSpPr>
       <p:sp>
         <p:nvSpPr>
-          <p:cNvPr id="2" name="Title 1">
-            <a:extLst>
-              <a:ext uri="{FF2B5EF4-FFF2-40B4-BE49-F238E27FC236}">
-                <a16:creationId xmlns:a16="http://schemas.microsoft.com/office/drawing/2014/main" id="{859EEDD2-8448-4F1E-A78C-CB5C6F6457CA}"/>
-              </a:ext>
-            </a:extLst>
-          </p:cNvPr>
+          <p:cNvPr id="2" name="Title 1"/>
           <p:cNvSpPr>
             <a:spLocks noGrp="1"/>
           </p:cNvSpPr>
@@ -3380,18 +3380,13 @@
               <a:rPr lang="en-US"/>
               <a:t>Click to edit Master title style</a:t>
             </a:r>
+            <a:endParaRPr lang="en-US" dirty="0"/>
           </a:p>
         </p:txBody>
       </p:sp>
       <p:sp>
         <p:nvSpPr>
-          <p:cNvPr id="3" name="Subtitle 2">
-            <a:extLst>
-              <a:ext uri="{FF2B5EF4-FFF2-40B4-BE49-F238E27FC236}">
-                <a16:creationId xmlns:a16="http://schemas.microsoft.com/office/drawing/2014/main" id="{F1ED7376-1ECF-4F43-8B8E-F83C5FE6C1C5}"/>
-              </a:ext>
-            </a:extLst>
-          </p:cNvPr>
+          <p:cNvPr id="3" name="Subtitle 2"/>
           <p:cNvSpPr>
             <a:spLocks noGrp="1"/>
           </p:cNvSpPr>
@@ -3450,18 +3445,13 @@
               <a:rPr lang="en-US"/>
               <a:t>Click to edit Master subtitle style</a:t>
             </a:r>
+            <a:endParaRPr lang="en-US" dirty="0"/>
           </a:p>
         </p:txBody>
       </p:sp>
       <p:sp>
         <p:nvSpPr>
-          <p:cNvPr id="4" name="Date Placeholder 3">
-            <a:extLst>
-              <a:ext uri="{FF2B5EF4-FFF2-40B4-BE49-F238E27FC236}">
-                <a16:creationId xmlns:a16="http://schemas.microsoft.com/office/drawing/2014/main" id="{87AEF76B-BDE9-4DDE-B127-4A3D68D1B8D7}"/>
-              </a:ext>
-            </a:extLst>
-          </p:cNvPr>
+          <p:cNvPr id="4" name="Date Placeholder 3"/>
           <p:cNvSpPr>
             <a:spLocks noGrp="1"/>
           </p:cNvSpPr>
@@ -3484,13 +3474,7 @@
       </p:sp>
       <p:sp>
         <p:nvSpPr>
-          <p:cNvPr id="5" name="Footer Placeholder 4">
-            <a:extLst>
-              <a:ext uri="{FF2B5EF4-FFF2-40B4-BE49-F238E27FC236}">
-                <a16:creationId xmlns:a16="http://schemas.microsoft.com/office/drawing/2014/main" id="{A6376E1C-B07C-473A-85AB-0D06D97ADDF8}"/>
-              </a:ext>
-            </a:extLst>
-          </p:cNvPr>
+          <p:cNvPr id="5" name="Footer Placeholder 4"/>
           <p:cNvSpPr>
             <a:spLocks noGrp="1"/>
           </p:cNvSpPr>
@@ -3509,13 +3493,7 @@
       </p:sp>
       <p:sp>
         <p:nvSpPr>
-          <p:cNvPr id="6" name="Slide Number Placeholder 5">
-            <a:extLst>
-              <a:ext uri="{FF2B5EF4-FFF2-40B4-BE49-F238E27FC236}">
-                <a16:creationId xmlns:a16="http://schemas.microsoft.com/office/drawing/2014/main" id="{CAFC976E-22DC-43AF-B736-2679379A2A18}"/>
-              </a:ext>
-            </a:extLst>
-          </p:cNvPr>
+          <p:cNvPr id="6" name="Slide Number Placeholder 5"/>
           <p:cNvSpPr>
             <a:spLocks noGrp="1"/>
           </p:cNvSpPr>
@@ -3539,7 +3517,7 @@
     </p:spTree>
     <p:extLst>
       <p:ext uri="{BB962C8B-B14F-4D97-AF65-F5344CB8AC3E}">
-        <p14:creationId xmlns:p14="http://schemas.microsoft.com/office/powerpoint/2010/main" val="2003283924"/>
+        <p14:creationId xmlns:p14="http://schemas.microsoft.com/office/powerpoint/2010/main" val="2398612446"/>
       </p:ext>
     </p:extLst>
   </p:cSld>
@@ -3568,13 +3546,7 @@
       </p:grpSpPr>
       <p:sp>
         <p:nvSpPr>
-          <p:cNvPr id="2" name="Title 1">
-            <a:extLst>
-              <a:ext uri="{FF2B5EF4-FFF2-40B4-BE49-F238E27FC236}">
-                <a16:creationId xmlns:a16="http://schemas.microsoft.com/office/drawing/2014/main" id="{F241F4C8-7B83-488B-B09A-5E3E3165B70E}"/>
-              </a:ext>
-            </a:extLst>
-          </p:cNvPr>
+          <p:cNvPr id="2" name="Title 1"/>
           <p:cNvSpPr>
             <a:spLocks noGrp="1"/>
           </p:cNvSpPr>
@@ -3591,18 +3563,13 @@
               <a:rPr lang="en-US"/>
               <a:t>Click to edit Master title style</a:t>
             </a:r>
+            <a:endParaRPr lang="en-US" dirty="0"/>
           </a:p>
         </p:txBody>
       </p:sp>
       <p:sp>
         <p:nvSpPr>
-          <p:cNvPr id="3" name="Vertical Text Placeholder 2">
-            <a:extLst>
-              <a:ext uri="{FF2B5EF4-FFF2-40B4-BE49-F238E27FC236}">
-                <a16:creationId xmlns:a16="http://schemas.microsoft.com/office/drawing/2014/main" id="{68D8F3F5-9589-4A35-82D0-AF3CCA95A1AB}"/>
-              </a:ext>
-            </a:extLst>
-          </p:cNvPr>
+          <p:cNvPr id="3" name="Vertical Text Placeholder 2"/>
           <p:cNvSpPr>
             <a:spLocks noGrp="1"/>
           </p:cNvSpPr>
@@ -3648,18 +3615,13 @@
               <a:rPr lang="en-US"/>
               <a:t>Fifth level</a:t>
             </a:r>
+            <a:endParaRPr lang="en-US" dirty="0"/>
           </a:p>
         </p:txBody>
       </p:sp>
       <p:sp>
         <p:nvSpPr>
-          <p:cNvPr id="4" name="Date Placeholder 3">
-            <a:extLst>
-              <a:ext uri="{FF2B5EF4-FFF2-40B4-BE49-F238E27FC236}">
-                <a16:creationId xmlns:a16="http://schemas.microsoft.com/office/drawing/2014/main" id="{B5CA638F-AE4C-46F0-A65D-92841EFD3788}"/>
-              </a:ext>
-            </a:extLst>
-          </p:cNvPr>
+          <p:cNvPr id="4" name="Date Placeholder 3"/>
           <p:cNvSpPr>
             <a:spLocks noGrp="1"/>
           </p:cNvSpPr>
@@ -3682,13 +3644,7 @@
       </p:sp>
       <p:sp>
         <p:nvSpPr>
-          <p:cNvPr id="5" name="Footer Placeholder 4">
-            <a:extLst>
-              <a:ext uri="{FF2B5EF4-FFF2-40B4-BE49-F238E27FC236}">
-                <a16:creationId xmlns:a16="http://schemas.microsoft.com/office/drawing/2014/main" id="{E0AEE5AB-DF22-4283-9D1C-196C5A1F2234}"/>
-              </a:ext>
-            </a:extLst>
-          </p:cNvPr>
+          <p:cNvPr id="5" name="Footer Placeholder 4"/>
           <p:cNvSpPr>
             <a:spLocks noGrp="1"/>
           </p:cNvSpPr>
@@ -3707,13 +3663,7 @@
       </p:sp>
       <p:sp>
         <p:nvSpPr>
-          <p:cNvPr id="6" name="Slide Number Placeholder 5">
-            <a:extLst>
-              <a:ext uri="{FF2B5EF4-FFF2-40B4-BE49-F238E27FC236}">
-                <a16:creationId xmlns:a16="http://schemas.microsoft.com/office/drawing/2014/main" id="{8A406E58-62C4-46A2-984B-885EAFCBCAA9}"/>
-              </a:ext>
-            </a:extLst>
-          </p:cNvPr>
+          <p:cNvPr id="6" name="Slide Number Placeholder 5"/>
           <p:cNvSpPr>
             <a:spLocks noGrp="1"/>
           </p:cNvSpPr>
@@ -3737,7 +3687,7 @@
     </p:spTree>
     <p:extLst>
       <p:ext uri="{BB962C8B-B14F-4D97-AF65-F5344CB8AC3E}">
-        <p14:creationId xmlns:p14="http://schemas.microsoft.com/office/powerpoint/2010/main" val="3834133167"/>
+        <p14:creationId xmlns:p14="http://schemas.microsoft.com/office/powerpoint/2010/main" val="553974156"/>
       </p:ext>
     </p:extLst>
   </p:cSld>
@@ -3766,13 +3716,7 @@
       </p:grpSpPr>
       <p:sp>
         <p:nvSpPr>
-          <p:cNvPr id="2" name="Vertical Title 1">
-            <a:extLst>
-              <a:ext uri="{FF2B5EF4-FFF2-40B4-BE49-F238E27FC236}">
-                <a16:creationId xmlns:a16="http://schemas.microsoft.com/office/drawing/2014/main" id="{E5DB0DEA-D02F-4285-BEBE-FFAC4D1D644B}"/>
-              </a:ext>
-            </a:extLst>
-          </p:cNvPr>
+          <p:cNvPr id="2" name="Vertical Title 1"/>
           <p:cNvSpPr>
             <a:spLocks noGrp="1"/>
           </p:cNvSpPr>
@@ -3794,18 +3738,13 @@
               <a:rPr lang="en-US"/>
               <a:t>Click to edit Master title style</a:t>
             </a:r>
+            <a:endParaRPr lang="en-US" dirty="0"/>
           </a:p>
         </p:txBody>
       </p:sp>
       <p:sp>
         <p:nvSpPr>
-          <p:cNvPr id="3" name="Vertical Text Placeholder 2">
-            <a:extLst>
-              <a:ext uri="{FF2B5EF4-FFF2-40B4-BE49-F238E27FC236}">
-                <a16:creationId xmlns:a16="http://schemas.microsoft.com/office/drawing/2014/main" id="{C3AE6760-D659-410E-A7C7-C3A3CC0033E0}"/>
-              </a:ext>
-            </a:extLst>
-          </p:cNvPr>
+          <p:cNvPr id="3" name="Vertical Text Placeholder 2"/>
           <p:cNvSpPr>
             <a:spLocks noGrp="1"/>
           </p:cNvSpPr>
@@ -3856,18 +3795,13 @@
               <a:rPr lang="en-US"/>
               <a:t>Fifth level</a:t>
             </a:r>
+            <a:endParaRPr lang="en-US" dirty="0"/>
           </a:p>
         </p:txBody>
       </p:sp>
       <p:sp>
         <p:nvSpPr>
-          <p:cNvPr id="4" name="Date Placeholder 3">
-            <a:extLst>
-              <a:ext uri="{FF2B5EF4-FFF2-40B4-BE49-F238E27FC236}">
-                <a16:creationId xmlns:a16="http://schemas.microsoft.com/office/drawing/2014/main" id="{8D0442E7-E25A-40BA-8E2A-E681A9A739C4}"/>
-              </a:ext>
-            </a:extLst>
-          </p:cNvPr>
+          <p:cNvPr id="4" name="Date Placeholder 3"/>
           <p:cNvSpPr>
             <a:spLocks noGrp="1"/>
           </p:cNvSpPr>
@@ -3890,13 +3824,7 @@
       </p:sp>
       <p:sp>
         <p:nvSpPr>
-          <p:cNvPr id="5" name="Footer Placeholder 4">
-            <a:extLst>
-              <a:ext uri="{FF2B5EF4-FFF2-40B4-BE49-F238E27FC236}">
-                <a16:creationId xmlns:a16="http://schemas.microsoft.com/office/drawing/2014/main" id="{FF42728A-7687-45E3-AB90-C9DB620BD326}"/>
-              </a:ext>
-            </a:extLst>
-          </p:cNvPr>
+          <p:cNvPr id="5" name="Footer Placeholder 4"/>
           <p:cNvSpPr>
             <a:spLocks noGrp="1"/>
           </p:cNvSpPr>
@@ -3915,13 +3843,7 @@
       </p:sp>
       <p:sp>
         <p:nvSpPr>
-          <p:cNvPr id="6" name="Slide Number Placeholder 5">
-            <a:extLst>
-              <a:ext uri="{FF2B5EF4-FFF2-40B4-BE49-F238E27FC236}">
-                <a16:creationId xmlns:a16="http://schemas.microsoft.com/office/drawing/2014/main" id="{D6EA0EA9-29C4-4197-A17F-073B081F817B}"/>
-              </a:ext>
-            </a:extLst>
-          </p:cNvPr>
+          <p:cNvPr id="6" name="Slide Number Placeholder 5"/>
           <p:cNvSpPr>
             <a:spLocks noGrp="1"/>
           </p:cNvSpPr>
@@ -3945,7 +3867,7 @@
     </p:spTree>
     <p:extLst>
       <p:ext uri="{BB962C8B-B14F-4D97-AF65-F5344CB8AC3E}">
-        <p14:creationId xmlns:p14="http://schemas.microsoft.com/office/powerpoint/2010/main" val="2354199046"/>
+        <p14:creationId xmlns:p14="http://schemas.microsoft.com/office/powerpoint/2010/main" val="1040127625"/>
       </p:ext>
     </p:extLst>
   </p:cSld>
@@ -3974,13 +3896,7 @@
       </p:grpSpPr>
       <p:sp>
         <p:nvSpPr>
-          <p:cNvPr id="2" name="Title 1">
-            <a:extLst>
-              <a:ext uri="{FF2B5EF4-FFF2-40B4-BE49-F238E27FC236}">
-                <a16:creationId xmlns:a16="http://schemas.microsoft.com/office/drawing/2014/main" id="{805423EC-7FBA-4ED8-BDE0-7C543B43F636}"/>
-              </a:ext>
-            </a:extLst>
-          </p:cNvPr>
+          <p:cNvPr id="2" name="Title 1"/>
           <p:cNvSpPr>
             <a:spLocks noGrp="1"/>
           </p:cNvSpPr>
@@ -3997,18 +3913,13 @@
               <a:rPr lang="en-US"/>
               <a:t>Click to edit Master title style</a:t>
             </a:r>
+            <a:endParaRPr lang="en-US" dirty="0"/>
           </a:p>
         </p:txBody>
       </p:sp>
       <p:sp>
         <p:nvSpPr>
-          <p:cNvPr id="3" name="Content Placeholder 2">
-            <a:extLst>
-              <a:ext uri="{FF2B5EF4-FFF2-40B4-BE49-F238E27FC236}">
-                <a16:creationId xmlns:a16="http://schemas.microsoft.com/office/drawing/2014/main" id="{8B9079D8-7FCA-4B2D-ADBA-3220387B98A4}"/>
-              </a:ext>
-            </a:extLst>
-          </p:cNvPr>
+          <p:cNvPr id="3" name="Content Placeholder 2"/>
           <p:cNvSpPr>
             <a:spLocks noGrp="1"/>
           </p:cNvSpPr>
@@ -4054,18 +3965,13 @@
               <a:rPr lang="en-US"/>
               <a:t>Fifth level</a:t>
             </a:r>
+            <a:endParaRPr lang="en-US" dirty="0"/>
           </a:p>
         </p:txBody>
       </p:sp>
       <p:sp>
         <p:nvSpPr>
-          <p:cNvPr id="4" name="Date Placeholder 3">
-            <a:extLst>
-              <a:ext uri="{FF2B5EF4-FFF2-40B4-BE49-F238E27FC236}">
-                <a16:creationId xmlns:a16="http://schemas.microsoft.com/office/drawing/2014/main" id="{3B348FAB-F7C1-4DBB-8B80-F03B9CCE3F4C}"/>
-              </a:ext>
-            </a:extLst>
-          </p:cNvPr>
+          <p:cNvPr id="4" name="Date Placeholder 3"/>
           <p:cNvSpPr>
             <a:spLocks noGrp="1"/>
           </p:cNvSpPr>
@@ -4088,13 +3994,7 @@
       </p:sp>
       <p:sp>
         <p:nvSpPr>
-          <p:cNvPr id="5" name="Footer Placeholder 4">
-            <a:extLst>
-              <a:ext uri="{FF2B5EF4-FFF2-40B4-BE49-F238E27FC236}">
-                <a16:creationId xmlns:a16="http://schemas.microsoft.com/office/drawing/2014/main" id="{DBE3C6BF-DA45-48D6-9BAD-6E9AFF24C604}"/>
-              </a:ext>
-            </a:extLst>
-          </p:cNvPr>
+          <p:cNvPr id="5" name="Footer Placeholder 4"/>
           <p:cNvSpPr>
             <a:spLocks noGrp="1"/>
           </p:cNvSpPr>
@@ -4113,13 +4013,7 @@
       </p:sp>
       <p:sp>
         <p:nvSpPr>
-          <p:cNvPr id="6" name="Slide Number Placeholder 5">
-            <a:extLst>
-              <a:ext uri="{FF2B5EF4-FFF2-40B4-BE49-F238E27FC236}">
-                <a16:creationId xmlns:a16="http://schemas.microsoft.com/office/drawing/2014/main" id="{851E3A52-6AFE-4E9A-AC99-56E5F7D6C6CC}"/>
-              </a:ext>
-            </a:extLst>
-          </p:cNvPr>
+          <p:cNvPr id="6" name="Slide Number Placeholder 5"/>
           <p:cNvSpPr>
             <a:spLocks noGrp="1"/>
           </p:cNvSpPr>
@@ -4143,7 +4037,7 @@
     </p:spTree>
     <p:extLst>
       <p:ext uri="{BB962C8B-B14F-4D97-AF65-F5344CB8AC3E}">
-        <p14:creationId xmlns:p14="http://schemas.microsoft.com/office/powerpoint/2010/main" val="3417661474"/>
+        <p14:creationId xmlns:p14="http://schemas.microsoft.com/office/powerpoint/2010/main" val="3378014678"/>
       </p:ext>
     </p:extLst>
   </p:cSld>
@@ -4172,13 +4066,7 @@
       </p:grpSpPr>
       <p:sp>
         <p:nvSpPr>
-          <p:cNvPr id="2" name="Title 1">
-            <a:extLst>
-              <a:ext uri="{FF2B5EF4-FFF2-40B4-BE49-F238E27FC236}">
-                <a16:creationId xmlns:a16="http://schemas.microsoft.com/office/drawing/2014/main" id="{CD5CD976-75B1-4049-89A8-237B3711FDB9}"/>
-              </a:ext>
-            </a:extLst>
-          </p:cNvPr>
+          <p:cNvPr id="2" name="Title 1"/>
           <p:cNvSpPr>
             <a:spLocks noGrp="1"/>
           </p:cNvSpPr>
@@ -4204,18 +4092,13 @@
               <a:rPr lang="en-US"/>
               <a:t>Click to edit Master title style</a:t>
             </a:r>
+            <a:endParaRPr lang="en-US" dirty="0"/>
           </a:p>
         </p:txBody>
       </p:sp>
       <p:sp>
         <p:nvSpPr>
-          <p:cNvPr id="3" name="Text Placeholder 2">
-            <a:extLst>
-              <a:ext uri="{FF2B5EF4-FFF2-40B4-BE49-F238E27FC236}">
-                <a16:creationId xmlns:a16="http://schemas.microsoft.com/office/drawing/2014/main" id="{AAFEB5BA-7F6E-49A6-8467-6DF9B6766F6B}"/>
-              </a:ext>
-            </a:extLst>
-          </p:cNvPr>
+          <p:cNvPr id="3" name="Text Placeholder 2"/>
           <p:cNvSpPr>
             <a:spLocks noGrp="1"/>
           </p:cNvSpPr>
@@ -4334,13 +4217,7 @@
       </p:sp>
       <p:sp>
         <p:nvSpPr>
-          <p:cNvPr id="4" name="Date Placeholder 3">
-            <a:extLst>
-              <a:ext uri="{FF2B5EF4-FFF2-40B4-BE49-F238E27FC236}">
-                <a16:creationId xmlns:a16="http://schemas.microsoft.com/office/drawing/2014/main" id="{406FE4BB-75F3-46C4-8817-B7C3FFA23B3B}"/>
-              </a:ext>
-            </a:extLst>
-          </p:cNvPr>
+          <p:cNvPr id="4" name="Date Placeholder 3"/>
           <p:cNvSpPr>
             <a:spLocks noGrp="1"/>
           </p:cNvSpPr>
@@ -4363,13 +4240,7 @@
       </p:sp>
       <p:sp>
         <p:nvSpPr>
-          <p:cNvPr id="5" name="Footer Placeholder 4">
-            <a:extLst>
-              <a:ext uri="{FF2B5EF4-FFF2-40B4-BE49-F238E27FC236}">
-                <a16:creationId xmlns:a16="http://schemas.microsoft.com/office/drawing/2014/main" id="{25639E4E-2573-418E-96FF-D3F3231A4E9E}"/>
-              </a:ext>
-            </a:extLst>
-          </p:cNvPr>
+          <p:cNvPr id="5" name="Footer Placeholder 4"/>
           <p:cNvSpPr>
             <a:spLocks noGrp="1"/>
           </p:cNvSpPr>
@@ -4388,13 +4259,7 @@
       </p:sp>
       <p:sp>
         <p:nvSpPr>
-          <p:cNvPr id="6" name="Slide Number Placeholder 5">
-            <a:extLst>
-              <a:ext uri="{FF2B5EF4-FFF2-40B4-BE49-F238E27FC236}">
-                <a16:creationId xmlns:a16="http://schemas.microsoft.com/office/drawing/2014/main" id="{B86758FD-CC48-4F0D-83AC-3C3D0CD8B101}"/>
-              </a:ext>
-            </a:extLst>
-          </p:cNvPr>
+          <p:cNvPr id="6" name="Slide Number Placeholder 5"/>
           <p:cNvSpPr>
             <a:spLocks noGrp="1"/>
           </p:cNvSpPr>
@@ -4418,7 +4283,7 @@
     </p:spTree>
     <p:extLst>
       <p:ext uri="{BB962C8B-B14F-4D97-AF65-F5344CB8AC3E}">
-        <p14:creationId xmlns:p14="http://schemas.microsoft.com/office/powerpoint/2010/main" val="3559979399"/>
+        <p14:creationId xmlns:p14="http://schemas.microsoft.com/office/powerpoint/2010/main" val="4221445677"/>
       </p:ext>
     </p:extLst>
   </p:cSld>
@@ -4447,13 +4312,7 @@
       </p:grpSpPr>
       <p:sp>
         <p:nvSpPr>
-          <p:cNvPr id="2" name="Title 1">
-            <a:extLst>
-              <a:ext uri="{FF2B5EF4-FFF2-40B4-BE49-F238E27FC236}">
-                <a16:creationId xmlns:a16="http://schemas.microsoft.com/office/drawing/2014/main" id="{8BDE1F17-0C6E-4BF2-9EB9-957F04E7BC4D}"/>
-              </a:ext>
-            </a:extLst>
-          </p:cNvPr>
+          <p:cNvPr id="2" name="Title 1"/>
           <p:cNvSpPr>
             <a:spLocks noGrp="1"/>
           </p:cNvSpPr>
@@ -4470,18 +4329,13 @@
               <a:rPr lang="en-US"/>
               <a:t>Click to edit Master title style</a:t>
             </a:r>
+            <a:endParaRPr lang="en-US" dirty="0"/>
           </a:p>
         </p:txBody>
       </p:sp>
       <p:sp>
         <p:nvSpPr>
-          <p:cNvPr id="3" name="Content Placeholder 2">
-            <a:extLst>
-              <a:ext uri="{FF2B5EF4-FFF2-40B4-BE49-F238E27FC236}">
-                <a16:creationId xmlns:a16="http://schemas.microsoft.com/office/drawing/2014/main" id="{D0BEEB52-C479-4821-9135-2AC565B5EF29}"/>
-              </a:ext>
-            </a:extLst>
-          </p:cNvPr>
+          <p:cNvPr id="3" name="Content Placeholder 2"/>
           <p:cNvSpPr>
             <a:spLocks noGrp="1"/>
           </p:cNvSpPr>
@@ -4532,18 +4386,13 @@
               <a:rPr lang="en-US"/>
               <a:t>Fifth level</a:t>
             </a:r>
+            <a:endParaRPr lang="en-US" dirty="0"/>
           </a:p>
         </p:txBody>
       </p:sp>
       <p:sp>
         <p:nvSpPr>
-          <p:cNvPr id="4" name="Content Placeholder 3">
-            <a:extLst>
-              <a:ext uri="{FF2B5EF4-FFF2-40B4-BE49-F238E27FC236}">
-                <a16:creationId xmlns:a16="http://schemas.microsoft.com/office/drawing/2014/main" id="{D97AA83A-C545-45ED-BD4B-3FAF08BB04D7}"/>
-              </a:ext>
-            </a:extLst>
-          </p:cNvPr>
+          <p:cNvPr id="4" name="Content Placeholder 3"/>
           <p:cNvSpPr>
             <a:spLocks noGrp="1"/>
           </p:cNvSpPr>
@@ -4594,18 +4443,13 @@
               <a:rPr lang="en-US"/>
               <a:t>Fifth level</a:t>
             </a:r>
+            <a:endParaRPr lang="en-US" dirty="0"/>
           </a:p>
         </p:txBody>
       </p:sp>
       <p:sp>
         <p:nvSpPr>
-          <p:cNvPr id="5" name="Date Placeholder 4">
-            <a:extLst>
-              <a:ext uri="{FF2B5EF4-FFF2-40B4-BE49-F238E27FC236}">
-                <a16:creationId xmlns:a16="http://schemas.microsoft.com/office/drawing/2014/main" id="{1969A644-87F1-4E25-9D2C-B1C4BB2E2E7C}"/>
-              </a:ext>
-            </a:extLst>
-          </p:cNvPr>
+          <p:cNvPr id="5" name="Date Placeholder 4"/>
           <p:cNvSpPr>
             <a:spLocks noGrp="1"/>
           </p:cNvSpPr>
@@ -4628,13 +4472,7 @@
       </p:sp>
       <p:sp>
         <p:nvSpPr>
-          <p:cNvPr id="6" name="Footer Placeholder 5">
-            <a:extLst>
-              <a:ext uri="{FF2B5EF4-FFF2-40B4-BE49-F238E27FC236}">
-                <a16:creationId xmlns:a16="http://schemas.microsoft.com/office/drawing/2014/main" id="{F4416500-C9E5-4B14-9B17-12B5EBCB1449}"/>
-              </a:ext>
-            </a:extLst>
-          </p:cNvPr>
+          <p:cNvPr id="6" name="Footer Placeholder 5"/>
           <p:cNvSpPr>
             <a:spLocks noGrp="1"/>
           </p:cNvSpPr>
@@ -4653,13 +4491,7 @@
       </p:sp>
       <p:sp>
         <p:nvSpPr>
-          <p:cNvPr id="7" name="Slide Number Placeholder 6">
-            <a:extLst>
-              <a:ext uri="{FF2B5EF4-FFF2-40B4-BE49-F238E27FC236}">
-                <a16:creationId xmlns:a16="http://schemas.microsoft.com/office/drawing/2014/main" id="{034DC68E-9E32-4DE2-9F4C-EA346EE7E426}"/>
-              </a:ext>
-            </a:extLst>
-          </p:cNvPr>
+          <p:cNvPr id="7" name="Slide Number Placeholder 6"/>
           <p:cNvSpPr>
             <a:spLocks noGrp="1"/>
           </p:cNvSpPr>
@@ -4683,7 +4515,7 @@
     </p:spTree>
     <p:extLst>
       <p:ext uri="{BB962C8B-B14F-4D97-AF65-F5344CB8AC3E}">
-        <p14:creationId xmlns:p14="http://schemas.microsoft.com/office/powerpoint/2010/main" val="3141627017"/>
+        <p14:creationId xmlns:p14="http://schemas.microsoft.com/office/powerpoint/2010/main" val="1281948736"/>
       </p:ext>
     </p:extLst>
   </p:cSld>
@@ -4712,13 +4544,7 @@
       </p:grpSpPr>
       <p:sp>
         <p:nvSpPr>
-          <p:cNvPr id="2" name="Title 1">
-            <a:extLst>
-              <a:ext uri="{FF2B5EF4-FFF2-40B4-BE49-F238E27FC236}">
-                <a16:creationId xmlns:a16="http://schemas.microsoft.com/office/drawing/2014/main" id="{E1BA0D44-FEE0-4722-8A57-0AE44A6F4E9B}"/>
-              </a:ext>
-            </a:extLst>
-          </p:cNvPr>
+          <p:cNvPr id="2" name="Title 1"/>
           <p:cNvSpPr>
             <a:spLocks noGrp="1"/>
           </p:cNvSpPr>
@@ -4740,18 +4566,13 @@
               <a:rPr lang="en-US"/>
               <a:t>Click to edit Master title style</a:t>
             </a:r>
+            <a:endParaRPr lang="en-US" dirty="0"/>
           </a:p>
         </p:txBody>
       </p:sp>
       <p:sp>
         <p:nvSpPr>
-          <p:cNvPr id="3" name="Text Placeholder 2">
-            <a:extLst>
-              <a:ext uri="{FF2B5EF4-FFF2-40B4-BE49-F238E27FC236}">
-                <a16:creationId xmlns:a16="http://schemas.microsoft.com/office/drawing/2014/main" id="{641E7861-6FD9-4F30-91D4-C655FD47136D}"/>
-              </a:ext>
-            </a:extLst>
-          </p:cNvPr>
+          <p:cNvPr id="3" name="Text Placeholder 2"/>
           <p:cNvSpPr>
             <a:spLocks noGrp="1"/>
           </p:cNvSpPr>
@@ -4816,13 +4637,7 @@
       </p:sp>
       <p:sp>
         <p:nvSpPr>
-          <p:cNvPr id="4" name="Content Placeholder 3">
-            <a:extLst>
-              <a:ext uri="{FF2B5EF4-FFF2-40B4-BE49-F238E27FC236}">
-                <a16:creationId xmlns:a16="http://schemas.microsoft.com/office/drawing/2014/main" id="{4E48FA66-F55E-463C-8176-6094FC79FFDD}"/>
-              </a:ext>
-            </a:extLst>
-          </p:cNvPr>
+          <p:cNvPr id="4" name="Content Placeholder 3"/>
           <p:cNvSpPr>
             <a:spLocks noGrp="1"/>
           </p:cNvSpPr>
@@ -4873,18 +4688,13 @@
               <a:rPr lang="en-US"/>
               <a:t>Fifth level</a:t>
             </a:r>
+            <a:endParaRPr lang="en-US" dirty="0"/>
           </a:p>
         </p:txBody>
       </p:sp>
       <p:sp>
         <p:nvSpPr>
-          <p:cNvPr id="5" name="Text Placeholder 4">
-            <a:extLst>
-              <a:ext uri="{FF2B5EF4-FFF2-40B4-BE49-F238E27FC236}">
-                <a16:creationId xmlns:a16="http://schemas.microsoft.com/office/drawing/2014/main" id="{B7350EA7-53DE-4F91-975E-F5B2B7985A01}"/>
-              </a:ext>
-            </a:extLst>
-          </p:cNvPr>
+          <p:cNvPr id="5" name="Text Placeholder 4"/>
           <p:cNvSpPr>
             <a:spLocks noGrp="1"/>
           </p:cNvSpPr>
@@ -4949,13 +4759,7 @@
       </p:sp>
       <p:sp>
         <p:nvSpPr>
-          <p:cNvPr id="6" name="Content Placeholder 5">
-            <a:extLst>
-              <a:ext uri="{FF2B5EF4-FFF2-40B4-BE49-F238E27FC236}">
-                <a16:creationId xmlns:a16="http://schemas.microsoft.com/office/drawing/2014/main" id="{9B8DB857-DF1C-4FD8-9E5F-4BBB883532FF}"/>
-              </a:ext>
-            </a:extLst>
-          </p:cNvPr>
+          <p:cNvPr id="6" name="Content Placeholder 5"/>
           <p:cNvSpPr>
             <a:spLocks noGrp="1"/>
           </p:cNvSpPr>
@@ -5006,18 +4810,13 @@
               <a:rPr lang="en-US"/>
               <a:t>Fifth level</a:t>
             </a:r>
+            <a:endParaRPr lang="en-US" dirty="0"/>
           </a:p>
         </p:txBody>
       </p:sp>
       <p:sp>
         <p:nvSpPr>
-          <p:cNvPr id="7" name="Date Placeholder 6">
-            <a:extLst>
-              <a:ext uri="{FF2B5EF4-FFF2-40B4-BE49-F238E27FC236}">
-                <a16:creationId xmlns:a16="http://schemas.microsoft.com/office/drawing/2014/main" id="{3EA4270B-647B-416E-AF42-BF4579ECBC58}"/>
-              </a:ext>
-            </a:extLst>
-          </p:cNvPr>
+          <p:cNvPr id="7" name="Date Placeholder 6"/>
           <p:cNvSpPr>
             <a:spLocks noGrp="1"/>
           </p:cNvSpPr>
@@ -5040,13 +4839,7 @@
       </p:sp>
       <p:sp>
         <p:nvSpPr>
-          <p:cNvPr id="8" name="Footer Placeholder 7">
-            <a:extLst>
-              <a:ext uri="{FF2B5EF4-FFF2-40B4-BE49-F238E27FC236}">
-                <a16:creationId xmlns:a16="http://schemas.microsoft.com/office/drawing/2014/main" id="{EE116966-4101-4487-84AC-E5E801C548A2}"/>
-              </a:ext>
-            </a:extLst>
-          </p:cNvPr>
+          <p:cNvPr id="8" name="Footer Placeholder 7"/>
           <p:cNvSpPr>
             <a:spLocks noGrp="1"/>
           </p:cNvSpPr>
@@ -5065,13 +4858,7 @@
       </p:sp>
       <p:sp>
         <p:nvSpPr>
-          <p:cNvPr id="9" name="Slide Number Placeholder 8">
-            <a:extLst>
-              <a:ext uri="{FF2B5EF4-FFF2-40B4-BE49-F238E27FC236}">
-                <a16:creationId xmlns:a16="http://schemas.microsoft.com/office/drawing/2014/main" id="{F174BAF9-96E3-47FD-B6A5-E2AE976EF614}"/>
-              </a:ext>
-            </a:extLst>
-          </p:cNvPr>
+          <p:cNvPr id="9" name="Slide Number Placeholder 8"/>
           <p:cNvSpPr>
             <a:spLocks noGrp="1"/>
           </p:cNvSpPr>
@@ -5095,7 +4882,7 @@
     </p:spTree>
     <p:extLst>
       <p:ext uri="{BB962C8B-B14F-4D97-AF65-F5344CB8AC3E}">
-        <p14:creationId xmlns:p14="http://schemas.microsoft.com/office/powerpoint/2010/main" val="1756095278"/>
+        <p14:creationId xmlns:p14="http://schemas.microsoft.com/office/powerpoint/2010/main" val="3918844147"/>
       </p:ext>
     </p:extLst>
   </p:cSld>
@@ -5124,13 +4911,7 @@
       </p:grpSpPr>
       <p:sp>
         <p:nvSpPr>
-          <p:cNvPr id="2" name="Title 1">
-            <a:extLst>
-              <a:ext uri="{FF2B5EF4-FFF2-40B4-BE49-F238E27FC236}">
-                <a16:creationId xmlns:a16="http://schemas.microsoft.com/office/drawing/2014/main" id="{AAC6591E-D118-4C37-9EEF-62BBFEE1BDD9}"/>
-              </a:ext>
-            </a:extLst>
-          </p:cNvPr>
+          <p:cNvPr id="2" name="Title 1"/>
           <p:cNvSpPr>
             <a:spLocks noGrp="1"/>
           </p:cNvSpPr>
@@ -5147,18 +4928,13 @@
               <a:rPr lang="en-US"/>
               <a:t>Click to edit Master title style</a:t>
             </a:r>
+            <a:endParaRPr lang="en-US" dirty="0"/>
           </a:p>
         </p:txBody>
       </p:sp>
       <p:sp>
         <p:nvSpPr>
-          <p:cNvPr id="3" name="Date Placeholder 2">
-            <a:extLst>
-              <a:ext uri="{FF2B5EF4-FFF2-40B4-BE49-F238E27FC236}">
-                <a16:creationId xmlns:a16="http://schemas.microsoft.com/office/drawing/2014/main" id="{5F671367-FF51-47A0-9FB3-3DEBA9A91AC1}"/>
-              </a:ext>
-            </a:extLst>
-          </p:cNvPr>
+          <p:cNvPr id="3" name="Date Placeholder 2"/>
           <p:cNvSpPr>
             <a:spLocks noGrp="1"/>
           </p:cNvSpPr>
@@ -5181,13 +4957,7 @@
       </p:sp>
       <p:sp>
         <p:nvSpPr>
-          <p:cNvPr id="4" name="Footer Placeholder 3">
-            <a:extLst>
-              <a:ext uri="{FF2B5EF4-FFF2-40B4-BE49-F238E27FC236}">
-                <a16:creationId xmlns:a16="http://schemas.microsoft.com/office/drawing/2014/main" id="{5CD70F02-464D-4CDE-8B65-C69DCE7D3ED6}"/>
-              </a:ext>
-            </a:extLst>
-          </p:cNvPr>
+          <p:cNvPr id="4" name="Footer Placeholder 3"/>
           <p:cNvSpPr>
             <a:spLocks noGrp="1"/>
           </p:cNvSpPr>
@@ -5206,13 +4976,7 @@
       </p:sp>
       <p:sp>
         <p:nvSpPr>
-          <p:cNvPr id="5" name="Slide Number Placeholder 4">
-            <a:extLst>
-              <a:ext uri="{FF2B5EF4-FFF2-40B4-BE49-F238E27FC236}">
-                <a16:creationId xmlns:a16="http://schemas.microsoft.com/office/drawing/2014/main" id="{E4939A24-49F9-41AB-AB3B-D8348922BDA5}"/>
-              </a:ext>
-            </a:extLst>
-          </p:cNvPr>
+          <p:cNvPr id="5" name="Slide Number Placeholder 4"/>
           <p:cNvSpPr>
             <a:spLocks noGrp="1"/>
           </p:cNvSpPr>
@@ -5236,7 +5000,7 @@
     </p:spTree>
     <p:extLst>
       <p:ext uri="{BB962C8B-B14F-4D97-AF65-F5344CB8AC3E}">
-        <p14:creationId xmlns:p14="http://schemas.microsoft.com/office/powerpoint/2010/main" val="2253335213"/>
+        <p14:creationId xmlns:p14="http://schemas.microsoft.com/office/powerpoint/2010/main" val="1482639998"/>
       </p:ext>
     </p:extLst>
   </p:cSld>
@@ -5265,13 +5029,7 @@
       </p:grpSpPr>
       <p:sp>
         <p:nvSpPr>
-          <p:cNvPr id="2" name="Date Placeholder 1">
-            <a:extLst>
-              <a:ext uri="{FF2B5EF4-FFF2-40B4-BE49-F238E27FC236}">
-                <a16:creationId xmlns:a16="http://schemas.microsoft.com/office/drawing/2014/main" id="{4B94AD44-1159-4C30-AF8C-37154663646F}"/>
-              </a:ext>
-            </a:extLst>
-          </p:cNvPr>
+          <p:cNvPr id="2" name="Date Placeholder 1"/>
           <p:cNvSpPr>
             <a:spLocks noGrp="1"/>
           </p:cNvSpPr>
@@ -5294,13 +5052,7 @@
       </p:sp>
       <p:sp>
         <p:nvSpPr>
-          <p:cNvPr id="3" name="Footer Placeholder 2">
-            <a:extLst>
-              <a:ext uri="{FF2B5EF4-FFF2-40B4-BE49-F238E27FC236}">
-                <a16:creationId xmlns:a16="http://schemas.microsoft.com/office/drawing/2014/main" id="{BC5C63B0-A81E-4E1C-B607-0855783ED71E}"/>
-              </a:ext>
-            </a:extLst>
-          </p:cNvPr>
+          <p:cNvPr id="3" name="Footer Placeholder 2"/>
           <p:cNvSpPr>
             <a:spLocks noGrp="1"/>
           </p:cNvSpPr>
@@ -5319,13 +5071,7 @@
       </p:sp>
       <p:sp>
         <p:nvSpPr>
-          <p:cNvPr id="4" name="Slide Number Placeholder 3">
-            <a:extLst>
-              <a:ext uri="{FF2B5EF4-FFF2-40B4-BE49-F238E27FC236}">
-                <a16:creationId xmlns:a16="http://schemas.microsoft.com/office/drawing/2014/main" id="{AF9AEA34-6830-4CD9-B845-CD75162B62CD}"/>
-              </a:ext>
-            </a:extLst>
-          </p:cNvPr>
+          <p:cNvPr id="4" name="Slide Number Placeholder 3"/>
           <p:cNvSpPr>
             <a:spLocks noGrp="1"/>
           </p:cNvSpPr>
@@ -5349,7 +5095,7 @@
     </p:spTree>
     <p:extLst>
       <p:ext uri="{BB962C8B-B14F-4D97-AF65-F5344CB8AC3E}">
-        <p14:creationId xmlns:p14="http://schemas.microsoft.com/office/powerpoint/2010/main" val="1750843213"/>
+        <p14:creationId xmlns:p14="http://schemas.microsoft.com/office/powerpoint/2010/main" val="670117968"/>
       </p:ext>
     </p:extLst>
   </p:cSld>
@@ -5378,13 +5124,7 @@
       </p:grpSpPr>
       <p:sp>
         <p:nvSpPr>
-          <p:cNvPr id="2" name="Title 1">
-            <a:extLst>
-              <a:ext uri="{FF2B5EF4-FFF2-40B4-BE49-F238E27FC236}">
-                <a16:creationId xmlns:a16="http://schemas.microsoft.com/office/drawing/2014/main" id="{FADC3DA2-BF31-4024-9DA3-028C211E8632}"/>
-              </a:ext>
-            </a:extLst>
-          </p:cNvPr>
+          <p:cNvPr id="2" name="Title 1"/>
           <p:cNvSpPr>
             <a:spLocks noGrp="1"/>
           </p:cNvSpPr>
@@ -5410,18 +5150,13 @@
               <a:rPr lang="en-US"/>
               <a:t>Click to edit Master title style</a:t>
             </a:r>
+            <a:endParaRPr lang="en-US" dirty="0"/>
           </a:p>
         </p:txBody>
       </p:sp>
       <p:sp>
         <p:nvSpPr>
-          <p:cNvPr id="3" name="Content Placeholder 2">
-            <a:extLst>
-              <a:ext uri="{FF2B5EF4-FFF2-40B4-BE49-F238E27FC236}">
-                <a16:creationId xmlns:a16="http://schemas.microsoft.com/office/drawing/2014/main" id="{C24718F1-6899-4163-B460-DFE4B0D888A9}"/>
-              </a:ext>
-            </a:extLst>
-          </p:cNvPr>
+          <p:cNvPr id="3" name="Content Placeholder 2"/>
           <p:cNvSpPr>
             <a:spLocks noGrp="1"/>
           </p:cNvSpPr>
@@ -5500,18 +5235,13 @@
               <a:rPr lang="en-US"/>
               <a:t>Fifth level</a:t>
             </a:r>
+            <a:endParaRPr lang="en-US" dirty="0"/>
           </a:p>
         </p:txBody>
       </p:sp>
       <p:sp>
         <p:nvSpPr>
-          <p:cNvPr id="4" name="Text Placeholder 3">
-            <a:extLst>
-              <a:ext uri="{FF2B5EF4-FFF2-40B4-BE49-F238E27FC236}">
-                <a16:creationId xmlns:a16="http://schemas.microsoft.com/office/drawing/2014/main" id="{F1589C94-0BEC-48C8-A81F-311F070BF3F6}"/>
-              </a:ext>
-            </a:extLst>
-          </p:cNvPr>
+          <p:cNvPr id="4" name="Text Placeholder 3"/>
           <p:cNvSpPr>
             <a:spLocks noGrp="1"/>
           </p:cNvSpPr>
@@ -5576,13 +5306,7 @@
       </p:sp>
       <p:sp>
         <p:nvSpPr>
-          <p:cNvPr id="5" name="Date Placeholder 4">
-            <a:extLst>
-              <a:ext uri="{FF2B5EF4-FFF2-40B4-BE49-F238E27FC236}">
-                <a16:creationId xmlns:a16="http://schemas.microsoft.com/office/drawing/2014/main" id="{25A9C2A5-6379-4674-A8D6-80EE662E76FC}"/>
-              </a:ext>
-            </a:extLst>
-          </p:cNvPr>
+          <p:cNvPr id="5" name="Date Placeholder 4"/>
           <p:cNvSpPr>
             <a:spLocks noGrp="1"/>
           </p:cNvSpPr>
@@ -5605,13 +5329,7 @@
       </p:sp>
       <p:sp>
         <p:nvSpPr>
-          <p:cNvPr id="6" name="Footer Placeholder 5">
-            <a:extLst>
-              <a:ext uri="{FF2B5EF4-FFF2-40B4-BE49-F238E27FC236}">
-                <a16:creationId xmlns:a16="http://schemas.microsoft.com/office/drawing/2014/main" id="{5519FD78-96B0-4FED-911D-8DD60A24B4BE}"/>
-              </a:ext>
-            </a:extLst>
-          </p:cNvPr>
+          <p:cNvPr id="6" name="Footer Placeholder 5"/>
           <p:cNvSpPr>
             <a:spLocks noGrp="1"/>
           </p:cNvSpPr>
@@ -5630,13 +5348,7 @@
       </p:sp>
       <p:sp>
         <p:nvSpPr>
-          <p:cNvPr id="7" name="Slide Number Placeholder 6">
-            <a:extLst>
-              <a:ext uri="{FF2B5EF4-FFF2-40B4-BE49-F238E27FC236}">
-                <a16:creationId xmlns:a16="http://schemas.microsoft.com/office/drawing/2014/main" id="{40D355E0-7755-43C5-9E8A-1E9A386BEA2E}"/>
-              </a:ext>
-            </a:extLst>
-          </p:cNvPr>
+          <p:cNvPr id="7" name="Slide Number Placeholder 6"/>
           <p:cNvSpPr>
             <a:spLocks noGrp="1"/>
           </p:cNvSpPr>
@@ -5660,7 +5372,7 @@
     </p:spTree>
     <p:extLst>
       <p:ext uri="{BB962C8B-B14F-4D97-AF65-F5344CB8AC3E}">
-        <p14:creationId xmlns:p14="http://schemas.microsoft.com/office/powerpoint/2010/main" val="315603291"/>
+        <p14:creationId xmlns:p14="http://schemas.microsoft.com/office/powerpoint/2010/main" val="2286042622"/>
       </p:ext>
     </p:extLst>
   </p:cSld>
@@ -5689,13 +5401,7 @@
       </p:grpSpPr>
       <p:sp>
         <p:nvSpPr>
-          <p:cNvPr id="2" name="Title 1">
-            <a:extLst>
-              <a:ext uri="{FF2B5EF4-FFF2-40B4-BE49-F238E27FC236}">
-                <a16:creationId xmlns:a16="http://schemas.microsoft.com/office/drawing/2014/main" id="{2EEF9070-6D7A-4C4E-961F-C24A87DF3C3E}"/>
-              </a:ext>
-            </a:extLst>
-          </p:cNvPr>
+          <p:cNvPr id="2" name="Title 1"/>
           <p:cNvSpPr>
             <a:spLocks noGrp="1"/>
           </p:cNvSpPr>
@@ -5721,20 +5427,15 @@
               <a:rPr lang="en-US"/>
               <a:t>Click to edit Master title style</a:t>
             </a:r>
+            <a:endParaRPr lang="en-US" dirty="0"/>
           </a:p>
         </p:txBody>
       </p:sp>
       <p:sp>
         <p:nvSpPr>
-          <p:cNvPr id="3" name="Picture Placeholder 2">
-            <a:extLst>
-              <a:ext uri="{FF2B5EF4-FFF2-40B4-BE49-F238E27FC236}">
-                <a16:creationId xmlns:a16="http://schemas.microsoft.com/office/drawing/2014/main" id="{69F4A2A2-C1EA-4B5A-91F3-906D48ED1442}"/>
-              </a:ext>
-            </a:extLst>
-          </p:cNvPr>
+          <p:cNvPr id="3" name="Picture Placeholder 2"/>
           <p:cNvSpPr>
-            <a:spLocks noGrp="1"/>
+            <a:spLocks noGrp="1" noChangeAspect="1"/>
           </p:cNvSpPr>
           <p:nvPr>
             <p:ph type="pic" idx="1"/>
@@ -5747,7 +5448,7 @@
           </a:xfrm>
         </p:spPr>
         <p:txBody>
-          <a:bodyPr/>
+          <a:bodyPr anchor="t"/>
           <a:lstStyle>
             <a:lvl1pPr marL="0" indent="0">
               <a:buNone/>
@@ -5787,19 +5488,17 @@
             </a:lvl9pPr>
           </a:lstStyle>
           <a:p>
-            <a:endParaRPr lang="en-US"/>
+            <a:r>
+              <a:rPr lang="en-US"/>
+              <a:t>Click icon to add picture</a:t>
+            </a:r>
+            <a:endParaRPr lang="en-US" dirty="0"/>
           </a:p>
         </p:txBody>
       </p:sp>
       <p:sp>
         <p:nvSpPr>
-          <p:cNvPr id="4" name="Text Placeholder 3">
-            <a:extLst>
-              <a:ext uri="{FF2B5EF4-FFF2-40B4-BE49-F238E27FC236}">
-                <a16:creationId xmlns:a16="http://schemas.microsoft.com/office/drawing/2014/main" id="{45806993-F893-4D0E-8ECC-7A1757FDA25C}"/>
-              </a:ext>
-            </a:extLst>
-          </p:cNvPr>
+          <p:cNvPr id="4" name="Text Placeholder 3"/>
           <p:cNvSpPr>
             <a:spLocks noGrp="1"/>
           </p:cNvSpPr>
@@ -5864,13 +5563,7 @@
       </p:sp>
       <p:sp>
         <p:nvSpPr>
-          <p:cNvPr id="5" name="Date Placeholder 4">
-            <a:extLst>
-              <a:ext uri="{FF2B5EF4-FFF2-40B4-BE49-F238E27FC236}">
-                <a16:creationId xmlns:a16="http://schemas.microsoft.com/office/drawing/2014/main" id="{D2484B78-14A1-4D14-A4B1-07AB05297C6E}"/>
-              </a:ext>
-            </a:extLst>
-          </p:cNvPr>
+          <p:cNvPr id="5" name="Date Placeholder 4"/>
           <p:cNvSpPr>
             <a:spLocks noGrp="1"/>
           </p:cNvSpPr>
@@ -5893,13 +5586,7 @@
       </p:sp>
       <p:sp>
         <p:nvSpPr>
-          <p:cNvPr id="6" name="Footer Placeholder 5">
-            <a:extLst>
-              <a:ext uri="{FF2B5EF4-FFF2-40B4-BE49-F238E27FC236}">
-                <a16:creationId xmlns:a16="http://schemas.microsoft.com/office/drawing/2014/main" id="{D2A1ABFB-19F0-4380-B253-CD071B7B43CF}"/>
-              </a:ext>
-            </a:extLst>
-          </p:cNvPr>
+          <p:cNvPr id="6" name="Footer Placeholder 5"/>
           <p:cNvSpPr>
             <a:spLocks noGrp="1"/>
           </p:cNvSpPr>
@@ -5918,13 +5605,7 @@
       </p:sp>
       <p:sp>
         <p:nvSpPr>
-          <p:cNvPr id="7" name="Slide Number Placeholder 6">
-            <a:extLst>
-              <a:ext uri="{FF2B5EF4-FFF2-40B4-BE49-F238E27FC236}">
-                <a16:creationId xmlns:a16="http://schemas.microsoft.com/office/drawing/2014/main" id="{772BBEF6-B82E-4FA0-AB3B-CB93162043EC}"/>
-              </a:ext>
-            </a:extLst>
-          </p:cNvPr>
+          <p:cNvPr id="7" name="Slide Number Placeholder 6"/>
           <p:cNvSpPr>
             <a:spLocks noGrp="1"/>
           </p:cNvSpPr>
@@ -5948,7 +5629,7 @@
     </p:spTree>
     <p:extLst>
       <p:ext uri="{BB962C8B-B14F-4D97-AF65-F5344CB8AC3E}">
-        <p14:creationId xmlns:p14="http://schemas.microsoft.com/office/powerpoint/2010/main" val="1765236360"/>
+        <p14:creationId xmlns:p14="http://schemas.microsoft.com/office/powerpoint/2010/main" val="2036113018"/>
       </p:ext>
     </p:extLst>
   </p:cSld>
@@ -5982,13 +5663,7 @@
       </p:grpSpPr>
       <p:sp>
         <p:nvSpPr>
-          <p:cNvPr id="2" name="Title Placeholder 1">
-            <a:extLst>
-              <a:ext uri="{FF2B5EF4-FFF2-40B4-BE49-F238E27FC236}">
-                <a16:creationId xmlns:a16="http://schemas.microsoft.com/office/drawing/2014/main" id="{5067786F-D555-4EC2-84CF-C90F772BC8DB}"/>
-              </a:ext>
-            </a:extLst>
-          </p:cNvPr>
+          <p:cNvPr id="2" name="Title Placeholder 1"/>
           <p:cNvSpPr>
             <a:spLocks noGrp="1"/>
           </p:cNvSpPr>
@@ -6015,18 +5690,13 @@
               <a:rPr lang="en-US"/>
               <a:t>Click to edit Master title style</a:t>
             </a:r>
+            <a:endParaRPr lang="en-US" dirty="0"/>
           </a:p>
         </p:txBody>
       </p:sp>
       <p:sp>
         <p:nvSpPr>
-          <p:cNvPr id="3" name="Text Placeholder 2">
-            <a:extLst>
-              <a:ext uri="{FF2B5EF4-FFF2-40B4-BE49-F238E27FC236}">
-                <a16:creationId xmlns:a16="http://schemas.microsoft.com/office/drawing/2014/main" id="{D0B19416-61F7-4C9B-8EAF-778A6A9E44D1}"/>
-              </a:ext>
-            </a:extLst>
-          </p:cNvPr>
+          <p:cNvPr id="3" name="Text Placeholder 2"/>
           <p:cNvSpPr>
             <a:spLocks noGrp="1"/>
           </p:cNvSpPr>
@@ -6082,18 +5752,13 @@
               <a:rPr lang="en-US"/>
               <a:t>Fifth level</a:t>
             </a:r>
+            <a:endParaRPr lang="en-US" dirty="0"/>
           </a:p>
         </p:txBody>
       </p:sp>
       <p:sp>
         <p:nvSpPr>
-          <p:cNvPr id="4" name="Date Placeholder 3">
-            <a:extLst>
-              <a:ext uri="{FF2B5EF4-FFF2-40B4-BE49-F238E27FC236}">
-                <a16:creationId xmlns:a16="http://schemas.microsoft.com/office/drawing/2014/main" id="{83A00760-18D6-4C8D-ADD6-A17EB69E2A64}"/>
-              </a:ext>
-            </a:extLst>
-          </p:cNvPr>
+          <p:cNvPr id="4" name="Date Placeholder 3"/>
           <p:cNvSpPr>
             <a:spLocks noGrp="1"/>
           </p:cNvSpPr>
@@ -6134,13 +5799,7 @@
       </p:sp>
       <p:sp>
         <p:nvSpPr>
-          <p:cNvPr id="5" name="Footer Placeholder 4">
-            <a:extLst>
-              <a:ext uri="{FF2B5EF4-FFF2-40B4-BE49-F238E27FC236}">
-                <a16:creationId xmlns:a16="http://schemas.microsoft.com/office/drawing/2014/main" id="{74C19678-8388-4241-B9AE-F4290E21C030}"/>
-              </a:ext>
-            </a:extLst>
-          </p:cNvPr>
+          <p:cNvPr id="5" name="Footer Placeholder 4"/>
           <p:cNvSpPr>
             <a:spLocks noGrp="1"/>
           </p:cNvSpPr>
@@ -6177,13 +5836,7 @@
       </p:sp>
       <p:sp>
         <p:nvSpPr>
-          <p:cNvPr id="6" name="Slide Number Placeholder 5">
-            <a:extLst>
-              <a:ext uri="{FF2B5EF4-FFF2-40B4-BE49-F238E27FC236}">
-                <a16:creationId xmlns:a16="http://schemas.microsoft.com/office/drawing/2014/main" id="{5A024FE6-803F-49F4-88FA-6C278E4D4613}"/>
-              </a:ext>
-            </a:extLst>
-          </p:cNvPr>
+          <p:cNvPr id="6" name="Slide Number Placeholder 5"/>
           <p:cNvSpPr>
             <a:spLocks noGrp="1"/>
           </p:cNvSpPr>
@@ -6225,23 +5878,23 @@
     </p:spTree>
     <p:extLst>
       <p:ext uri="{BB962C8B-B14F-4D97-AF65-F5344CB8AC3E}">
-        <p14:creationId xmlns:p14="http://schemas.microsoft.com/office/powerpoint/2010/main" val="2667649228"/>
+        <p14:creationId xmlns:p14="http://schemas.microsoft.com/office/powerpoint/2010/main" val="2959534272"/>
       </p:ext>
     </p:extLst>
   </p:cSld>
   <p:clrMap bg1="lt1" tx1="dk1" bg2="lt2" tx2="dk2" accent1="accent1" accent2="accent2" accent3="accent3" accent4="accent4" accent5="accent5" accent6="accent6" hlink="hlink" folHlink="folHlink"/>
   <p:sldLayoutIdLst>
-    <p:sldLayoutId id="2147483649" r:id="rId1"/>
-    <p:sldLayoutId id="2147483650" r:id="rId2"/>
-    <p:sldLayoutId id="2147483651" r:id="rId3"/>
-    <p:sldLayoutId id="2147483652" r:id="rId4"/>
-    <p:sldLayoutId id="2147483653" r:id="rId5"/>
-    <p:sldLayoutId id="2147483654" r:id="rId6"/>
-    <p:sldLayoutId id="2147483655" r:id="rId7"/>
-    <p:sldLayoutId id="2147483656" r:id="rId8"/>
-    <p:sldLayoutId id="2147483657" r:id="rId9"/>
-    <p:sldLayoutId id="2147483658" r:id="rId10"/>
-    <p:sldLayoutId id="2147483659" r:id="rId11"/>
+    <p:sldLayoutId id="2147483661" r:id="rId1"/>
+    <p:sldLayoutId id="2147483662" r:id="rId2"/>
+    <p:sldLayoutId id="2147483663" r:id="rId3"/>
+    <p:sldLayoutId id="2147483664" r:id="rId4"/>
+    <p:sldLayoutId id="2147483665" r:id="rId5"/>
+    <p:sldLayoutId id="2147483666" r:id="rId6"/>
+    <p:sldLayoutId id="2147483667" r:id="rId7"/>
+    <p:sldLayoutId id="2147483668" r:id="rId8"/>
+    <p:sldLayoutId id="2147483669" r:id="rId9"/>
+    <p:sldLayoutId id="2147483670" r:id="rId10"/>
+    <p:sldLayoutId id="2147483671" r:id="rId11"/>
   </p:sldLayoutIdLst>
   <p:txStyles>
     <p:titleStyle>
@@ -6830,6 +6483,1810 @@
 </p:sld>
 </file>
 
+<file path=ppt/slides/slide10.xml><?xml version="1.0" encoding="utf-8"?>
+<p:sld xmlns:a="http://schemas.openxmlformats.org/drawingml/2006/main" xmlns:r="http://schemas.openxmlformats.org/officeDocument/2006/relationships" xmlns:p="http://schemas.openxmlformats.org/presentationml/2006/main">
+  <p:cSld>
+    <p:bg>
+      <p:bgPr>
+        <a:solidFill>
+          <a:schemeClr val="bg1"/>
+        </a:solidFill>
+        <a:effectLst/>
+      </p:bgPr>
+    </p:bg>
+    <p:spTree>
+      <p:nvGrpSpPr>
+        <p:cNvPr id="1" name=""/>
+        <p:cNvGrpSpPr/>
+        <p:nvPr/>
+      </p:nvGrpSpPr>
+      <p:grpSpPr>
+        <a:xfrm>
+          <a:off x="0" y="0"/>
+          <a:ext cx="0" cy="0"/>
+          <a:chOff x="0" y="0"/>
+          <a:chExt cx="0" cy="0"/>
+        </a:xfrm>
+      </p:grpSpPr>
+      <p:sp>
+        <p:nvSpPr>
+          <p:cNvPr id="2" name="Title 1">
+            <a:extLst>
+              <a:ext uri="{FF2B5EF4-FFF2-40B4-BE49-F238E27FC236}">
+                <a16:creationId xmlns:a16="http://schemas.microsoft.com/office/drawing/2014/main" id="{AB34A2C0-6442-4110-BEF6-D1D2A74F0B8A}"/>
+              </a:ext>
+            </a:extLst>
+          </p:cNvPr>
+          <p:cNvSpPr>
+            <a:spLocks noGrp="1"/>
+          </p:cNvSpPr>
+          <p:nvPr>
+            <p:ph type="title"/>
+          </p:nvPr>
+        </p:nvSpPr>
+        <p:spPr>
+          <a:xfrm>
+            <a:off x="128815" y="1056640"/>
+            <a:ext cx="4360324" cy="3494398"/>
+          </a:xfrm>
+        </p:spPr>
+        <p:txBody>
+          <a:bodyPr vert="horz" lIns="91440" tIns="45720" rIns="91440" bIns="45720" rtlCol="0" anchor="b">
+            <a:normAutofit/>
+          </a:bodyPr>
+          <a:lstStyle/>
+          <a:p>
+            <a:r>
+              <a:rPr lang="en-US" sz="2000" kern="1200" dirty="0">
+                <a:solidFill>
+                  <a:schemeClr val="tx1"/>
+                </a:solidFill>
+                <a:latin typeface="+mj-lt"/>
+                <a:ea typeface="+mj-ea"/>
+                <a:cs typeface="+mj-cs"/>
+              </a:rPr>
+              <a:t>Insert a snapshot of the revenue analysis</a:t>
+            </a:r>
+          </a:p>
+        </p:txBody>
+      </p:sp>
+      <p:sp>
+        <p:nvSpPr>
+          <p:cNvPr id="4" name="TextBox 3">
+            <a:extLst>
+              <a:ext uri="{FF2B5EF4-FFF2-40B4-BE49-F238E27FC236}">
+                <a16:creationId xmlns:a16="http://schemas.microsoft.com/office/drawing/2014/main" id="{68B02590-5717-4317-9143-9FEC869DFDE6}"/>
+              </a:ext>
+            </a:extLst>
+          </p:cNvPr>
+          <p:cNvSpPr txBox="1"/>
+          <p:nvPr/>
+        </p:nvSpPr>
+        <p:spPr>
+          <a:xfrm>
+            <a:off x="0" y="40977"/>
+            <a:ext cx="5141626" cy="1015663"/>
+          </a:xfrm>
+          <a:prstGeom prst="rect">
+            <a:avLst/>
+          </a:prstGeom>
+          <a:noFill/>
+        </p:spPr>
+        <p:txBody>
+          <a:bodyPr wrap="square" rtlCol="0">
+            <a:spAutoFit/>
+          </a:bodyPr>
+          <a:lstStyle/>
+          <a:p>
+            <a:r>
+              <a:rPr lang="en-US" sz="6000"/>
+              <a:t>Revenue:</a:t>
+            </a:r>
+            <a:endParaRPr lang="en-US" sz="6000" dirty="0"/>
+          </a:p>
+        </p:txBody>
+      </p:sp>
+      <p:pic>
+        <p:nvPicPr>
+          <p:cNvPr id="6" name="Picture 5" descr="A close up of text on a white background&#10;&#10;Description automatically generated">
+            <a:extLst>
+              <a:ext uri="{FF2B5EF4-FFF2-40B4-BE49-F238E27FC236}">
+                <a16:creationId xmlns:a16="http://schemas.microsoft.com/office/drawing/2014/main" id="{A6DDC87E-1473-491D-B597-A4125C14C446}"/>
+              </a:ext>
+            </a:extLst>
+          </p:cNvPr>
+          <p:cNvPicPr>
+            <a:picLocks noChangeAspect="1"/>
+          </p:cNvPicPr>
+          <p:nvPr/>
+        </p:nvPicPr>
+        <p:blipFill>
+          <a:blip r:embed="rId2">
+            <a:extLst>
+              <a:ext uri="{28A0092B-C50C-407E-A947-70E740481C1C}">
+                <a14:useLocalDpi xmlns:a14="http://schemas.microsoft.com/office/drawing/2010/main" val="0"/>
+              </a:ext>
+            </a:extLst>
+          </a:blip>
+          <a:stretch>
+            <a:fillRect/>
+          </a:stretch>
+        </p:blipFill>
+        <p:spPr>
+          <a:xfrm>
+            <a:off x="3591032" y="127340"/>
+            <a:ext cx="5352876" cy="4423698"/>
+          </a:xfrm>
+          <a:prstGeom prst="rect">
+            <a:avLst/>
+          </a:prstGeom>
+        </p:spPr>
+      </p:pic>
+      <p:pic>
+        <p:nvPicPr>
+          <p:cNvPr id="9" name="Picture 8" descr="A close up of text on a white background&#10;&#10;Description automatically generated">
+            <a:extLst>
+              <a:ext uri="{FF2B5EF4-FFF2-40B4-BE49-F238E27FC236}">
+                <a16:creationId xmlns:a16="http://schemas.microsoft.com/office/drawing/2014/main" id="{FD36D183-D320-446B-A884-336ED2D4840D}"/>
+              </a:ext>
+            </a:extLst>
+          </p:cNvPr>
+          <p:cNvPicPr>
+            <a:picLocks noChangeAspect="1"/>
+          </p:cNvPicPr>
+          <p:nvPr/>
+        </p:nvPicPr>
+        <p:blipFill>
+          <a:blip r:embed="rId3">
+            <a:extLst>
+              <a:ext uri="{28A0092B-C50C-407E-A947-70E740481C1C}">
+                <a14:useLocalDpi xmlns:a14="http://schemas.microsoft.com/office/drawing/2010/main" val="0"/>
+              </a:ext>
+            </a:extLst>
+          </a:blip>
+          <a:stretch>
+            <a:fillRect/>
+          </a:stretch>
+        </p:blipFill>
+        <p:spPr>
+          <a:xfrm>
+            <a:off x="7875160" y="2604654"/>
+            <a:ext cx="4845706" cy="4253345"/>
+          </a:xfrm>
+          <a:prstGeom prst="rect">
+            <a:avLst/>
+          </a:prstGeom>
+        </p:spPr>
+      </p:pic>
+    </p:spTree>
+    <p:extLst>
+      <p:ext uri="{BB962C8B-B14F-4D97-AF65-F5344CB8AC3E}">
+        <p14:creationId xmlns:p14="http://schemas.microsoft.com/office/powerpoint/2010/main" val="1436985214"/>
+      </p:ext>
+    </p:extLst>
+  </p:cSld>
+  <p:clrMapOvr>
+    <a:masterClrMapping/>
+  </p:clrMapOvr>
+</p:sld>
+</file>
+
+<file path=ppt/slides/slide11.xml><?xml version="1.0" encoding="utf-8"?>
+<p:sld xmlns:a="http://schemas.openxmlformats.org/drawingml/2006/main" xmlns:r="http://schemas.openxmlformats.org/officeDocument/2006/relationships" xmlns:p="http://schemas.openxmlformats.org/presentationml/2006/main">
+  <p:cSld>
+    <p:bg>
+      <p:bgPr>
+        <a:solidFill>
+          <a:schemeClr val="bg1"/>
+        </a:solidFill>
+        <a:effectLst/>
+      </p:bgPr>
+    </p:bg>
+    <p:spTree>
+      <p:nvGrpSpPr>
+        <p:cNvPr id="1" name=""/>
+        <p:cNvGrpSpPr/>
+        <p:nvPr/>
+      </p:nvGrpSpPr>
+      <p:grpSpPr>
+        <a:xfrm>
+          <a:off x="0" y="0"/>
+          <a:ext cx="0" cy="0"/>
+          <a:chOff x="0" y="0"/>
+          <a:chExt cx="0" cy="0"/>
+        </a:xfrm>
+      </p:grpSpPr>
+      <p:sp>
+        <p:nvSpPr>
+          <p:cNvPr id="2" name="Title 1">
+            <a:extLst>
+              <a:ext uri="{FF2B5EF4-FFF2-40B4-BE49-F238E27FC236}">
+                <a16:creationId xmlns:a16="http://schemas.microsoft.com/office/drawing/2014/main" id="{9B78D87A-61A8-44DA-BA33-4A512594E77D}"/>
+              </a:ext>
+            </a:extLst>
+          </p:cNvPr>
+          <p:cNvSpPr>
+            <a:spLocks noGrp="1"/>
+          </p:cNvSpPr>
+          <p:nvPr>
+            <p:ph type="title"/>
+          </p:nvPr>
+        </p:nvSpPr>
+        <p:spPr>
+          <a:xfrm>
+            <a:off x="0" y="0"/>
+            <a:ext cx="5425781" cy="924313"/>
+          </a:xfrm>
+        </p:spPr>
+        <p:txBody>
+          <a:bodyPr vert="horz" lIns="91440" tIns="45720" rIns="91440" bIns="45720" rtlCol="0" anchor="b">
+            <a:normAutofit/>
+          </a:bodyPr>
+          <a:lstStyle/>
+          <a:p>
+            <a:r>
+              <a:rPr lang="en-US" sz="6000" kern="1200" dirty="0">
+                <a:solidFill>
+                  <a:schemeClr val="tx1"/>
+                </a:solidFill>
+                <a:latin typeface="+mj-lt"/>
+                <a:ea typeface="+mj-ea"/>
+                <a:cs typeface="+mj-cs"/>
+              </a:rPr>
+              <a:t>Budget vs. Profit:</a:t>
+            </a:r>
+          </a:p>
+        </p:txBody>
+      </p:sp>
+      <p:pic>
+        <p:nvPicPr>
+          <p:cNvPr id="6146" name="Picture 2">
+            <a:extLst>
+              <a:ext uri="{FF2B5EF4-FFF2-40B4-BE49-F238E27FC236}">
+                <a16:creationId xmlns:a16="http://schemas.microsoft.com/office/drawing/2014/main" id="{A61F48F2-7247-4178-959C-7A6DDAD42D97}"/>
+              </a:ext>
+            </a:extLst>
+          </p:cNvPr>
+          <p:cNvPicPr>
+            <a:picLocks noChangeAspect="1" noChangeArrowheads="1"/>
+          </p:cNvPicPr>
+          <p:nvPr/>
+        </p:nvPicPr>
+        <p:blipFill>
+          <a:blip r:embed="rId2">
+            <a:extLst>
+              <a:ext uri="{28A0092B-C50C-407E-A947-70E740481C1C}">
+                <a14:useLocalDpi xmlns:a14="http://schemas.microsoft.com/office/drawing/2010/main" val="0"/>
+              </a:ext>
+            </a:extLst>
+          </a:blip>
+          <a:srcRect/>
+          <a:stretch>
+            <a:fillRect/>
+          </a:stretch>
+        </p:blipFill>
+        <p:spPr bwMode="auto">
+          <a:xfrm>
+            <a:off x="6341807" y="1158740"/>
+            <a:ext cx="4829175" cy="4772025"/>
+          </a:xfrm>
+          <a:prstGeom prst="rect">
+            <a:avLst/>
+          </a:prstGeom>
+          <a:noFill/>
+          <a:extLst>
+            <a:ext uri="{909E8E84-426E-40DD-AFC4-6F175D3DCCD1}">
+              <a14:hiddenFill xmlns:a14="http://schemas.microsoft.com/office/drawing/2010/main">
+                <a:solidFill>
+                  <a:srgbClr val="FFFFFF"/>
+                </a:solidFill>
+              </a14:hiddenFill>
+            </a:ext>
+          </a:extLst>
+        </p:spPr>
+      </p:pic>
+    </p:spTree>
+    <p:extLst>
+      <p:ext uri="{BB962C8B-B14F-4D97-AF65-F5344CB8AC3E}">
+        <p14:creationId xmlns:p14="http://schemas.microsoft.com/office/powerpoint/2010/main" val="1783065723"/>
+      </p:ext>
+    </p:extLst>
+  </p:cSld>
+  <p:clrMapOvr>
+    <a:masterClrMapping/>
+  </p:clrMapOvr>
+</p:sld>
+</file>
+
+<file path=ppt/slides/slide12.xml><?xml version="1.0" encoding="utf-8"?>
+<p:sld xmlns:a="http://schemas.openxmlformats.org/drawingml/2006/main" xmlns:r="http://schemas.openxmlformats.org/officeDocument/2006/relationships" xmlns:p="http://schemas.openxmlformats.org/presentationml/2006/main">
+  <p:cSld>
+    <p:bg>
+      <p:bgPr>
+        <a:solidFill>
+          <a:schemeClr val="bg1"/>
+        </a:solidFill>
+        <a:effectLst/>
+      </p:bgPr>
+    </p:bg>
+    <p:spTree>
+      <p:nvGrpSpPr>
+        <p:cNvPr id="1" name=""/>
+        <p:cNvGrpSpPr/>
+        <p:nvPr/>
+      </p:nvGrpSpPr>
+      <p:grpSpPr>
+        <a:xfrm>
+          <a:off x="0" y="0"/>
+          <a:ext cx="0" cy="0"/>
+          <a:chOff x="0" y="0"/>
+          <a:chExt cx="0" cy="0"/>
+        </a:xfrm>
+      </p:grpSpPr>
+      <p:sp>
+        <p:nvSpPr>
+          <p:cNvPr id="12" name="Rectangle 11">
+            <a:extLst>
+              <a:ext uri="{FF2B5EF4-FFF2-40B4-BE49-F238E27FC236}">
+                <a16:creationId xmlns:a16="http://schemas.microsoft.com/office/drawing/2014/main" id="{7DCF59F3-53FA-4BAA-ADB0-1C583EEBD978}"/>
+              </a:ext>
+              <a:ext uri="{C183D7F6-B498-43B3-948B-1728B52AA6E4}">
+                <adec:decorative xmlns:adec="http://schemas.microsoft.com/office/drawing/2017/decorative" val="1"/>
+              </a:ext>
+            </a:extLst>
+          </p:cNvPr>
+          <p:cNvSpPr>
+            <a:spLocks noGrp="1" noRot="1" noChangeAspect="1" noMove="1" noResize="1" noEditPoints="1" noAdjustHandles="1" noChangeArrowheads="1" noChangeShapeType="1" noTextEdit="1"/>
+          </p:cNvSpPr>
+          <p:nvPr>
+            <p:extLst>
+              <p:ext uri="{386F3935-93C4-4BCD-93E2-E3B085C9AB24}">
+                <p16:designElem xmlns:p16="http://schemas.microsoft.com/office/powerpoint/2015/main" val="1"/>
+              </p:ext>
+            </p:extLst>
+          </p:nvPr>
+        </p:nvSpPr>
+        <p:spPr>
+          <a:xfrm>
+            <a:off x="0" y="0"/>
+            <a:ext cx="12192000" cy="6858000"/>
+          </a:xfrm>
+          <a:prstGeom prst="rect">
+            <a:avLst/>
+          </a:prstGeom>
+          <a:solidFill>
+            <a:schemeClr val="bg2"/>
+          </a:solidFill>
+          <a:ln>
+            <a:noFill/>
+          </a:ln>
+        </p:spPr>
+        <p:style>
+          <a:lnRef idx="2">
+            <a:schemeClr val="accent1">
+              <a:shade val="50000"/>
+            </a:schemeClr>
+          </a:lnRef>
+          <a:fillRef idx="1">
+            <a:schemeClr val="accent1"/>
+          </a:fillRef>
+          <a:effectRef idx="0">
+            <a:schemeClr val="accent1"/>
+          </a:effectRef>
+          <a:fontRef idx="minor">
+            <a:schemeClr val="lt1"/>
+          </a:fontRef>
+        </p:style>
+        <p:txBody>
+          <a:bodyPr rtlCol="0" anchor="ctr"/>
+          <a:lstStyle/>
+          <a:p>
+            <a:pPr algn="ctr"/>
+            <a:endParaRPr lang="en-US" dirty="0"/>
+          </a:p>
+        </p:txBody>
+      </p:sp>
+      <p:sp>
+        <p:nvSpPr>
+          <p:cNvPr id="14" name="Rectangle 13">
+            <a:extLst>
+              <a:ext uri="{FF2B5EF4-FFF2-40B4-BE49-F238E27FC236}">
+                <a16:creationId xmlns:a16="http://schemas.microsoft.com/office/drawing/2014/main" id="{5707F116-8EC0-4822-9067-186AC8C96EB8}"/>
+              </a:ext>
+              <a:ext uri="{C183D7F6-B498-43B3-948B-1728B52AA6E4}">
+                <adec:decorative xmlns:adec="http://schemas.microsoft.com/office/drawing/2017/decorative" val="1"/>
+              </a:ext>
+            </a:extLst>
+          </p:cNvPr>
+          <p:cNvSpPr>
+            <a:spLocks noGrp="1" noRot="1" noChangeAspect="1" noMove="1" noResize="1" noEditPoints="1" noAdjustHandles="1" noChangeArrowheads="1" noChangeShapeType="1" noTextEdit="1"/>
+          </p:cNvSpPr>
+          <p:nvPr>
+            <p:extLst>
+              <p:ext uri="{386F3935-93C4-4BCD-93E2-E3B085C9AB24}">
+                <p16:designElem xmlns:p16="http://schemas.microsoft.com/office/powerpoint/2015/main" val="1"/>
+              </p:ext>
+            </p:extLst>
+          </p:nvPr>
+        </p:nvSpPr>
+        <p:spPr>
+          <a:xfrm rot="2700000">
+            <a:off x="1138684" y="1316432"/>
+            <a:ext cx="4225136" cy="4225134"/>
+          </a:xfrm>
+          <a:prstGeom prst="rect">
+            <a:avLst/>
+          </a:prstGeom>
+          <a:solidFill>
+            <a:srgbClr val="FFFFFF"/>
+          </a:solidFill>
+          <a:ln>
+            <a:noFill/>
+          </a:ln>
+        </p:spPr>
+        <p:style>
+          <a:lnRef idx="2">
+            <a:schemeClr val="accent1">
+              <a:shade val="50000"/>
+            </a:schemeClr>
+          </a:lnRef>
+          <a:fillRef idx="1">
+            <a:schemeClr val="accent1"/>
+          </a:fillRef>
+          <a:effectRef idx="0">
+            <a:schemeClr val="accent1"/>
+          </a:effectRef>
+          <a:fontRef idx="minor">
+            <a:schemeClr val="lt1"/>
+          </a:fontRef>
+        </p:style>
+        <p:txBody>
+          <a:bodyPr rtlCol="0" anchor="ctr"/>
+          <a:lstStyle/>
+          <a:p>
+            <a:pPr algn="ctr"/>
+            <a:endParaRPr lang="en-US" sz="1600"/>
+          </a:p>
+        </p:txBody>
+      </p:sp>
+      <p:sp>
+        <p:nvSpPr>
+          <p:cNvPr id="16" name="Freeform: Shape 15">
+            <a:extLst>
+              <a:ext uri="{FF2B5EF4-FFF2-40B4-BE49-F238E27FC236}">
+                <a16:creationId xmlns:a16="http://schemas.microsoft.com/office/drawing/2014/main" id="{49F1A7E4-819D-4D21-8E8B-32671A9F9853}"/>
+              </a:ext>
+              <a:ext uri="{C183D7F6-B498-43B3-948B-1728B52AA6E4}">
+                <adec:decorative xmlns:adec="http://schemas.microsoft.com/office/drawing/2017/decorative" val="1"/>
+              </a:ext>
+            </a:extLst>
+          </p:cNvPr>
+          <p:cNvSpPr>
+            <a:spLocks noGrp="1" noRot="1" noChangeAspect="1" noMove="1" noResize="1" noEditPoints="1" noAdjustHandles="1" noChangeArrowheads="1" noChangeShapeType="1" noTextEdit="1"/>
+          </p:cNvSpPr>
+          <p:nvPr>
+            <p:extLst>
+              <p:ext uri="{386F3935-93C4-4BCD-93E2-E3B085C9AB24}">
+                <p16:designElem xmlns:p16="http://schemas.microsoft.com/office/powerpoint/2015/main" val="1"/>
+              </p:ext>
+            </p:extLst>
+          </p:nvPr>
+        </p:nvSpPr>
+        <p:spPr>
+          <a:xfrm rot="2700000">
+            <a:off x="563919" y="753376"/>
+            <a:ext cx="5353835" cy="5353835"/>
+          </a:xfrm>
+          <a:custGeom>
+            <a:avLst/>
+            <a:gdLst>
+              <a:gd name="connsiteX0" fmla="*/ 690507 w 5353835"/>
+              <a:gd name="connsiteY0" fmla="*/ 5273742 h 5353835"/>
+              <a:gd name="connsiteX1" fmla="*/ 4938299 w 5353835"/>
+              <a:gd name="connsiteY1" fmla="*/ 5273742 h 5353835"/>
+              <a:gd name="connsiteX2" fmla="*/ 4858206 w 5353835"/>
+              <a:gd name="connsiteY2" fmla="*/ 5353835 h 5353835"/>
+              <a:gd name="connsiteX3" fmla="*/ 770600 w 5353835"/>
+              <a:gd name="connsiteY3" fmla="*/ 5353835 h 5353835"/>
+              <a:gd name="connsiteX4" fmla="*/ 433255 w 5353835"/>
+              <a:gd name="connsiteY4" fmla="*/ 80093 h 5353835"/>
+              <a:gd name="connsiteX5" fmla="*/ 513348 w 5353835"/>
+              <a:gd name="connsiteY5" fmla="*/ 0 h 5353835"/>
+              <a:gd name="connsiteX6" fmla="*/ 5353835 w 5353835"/>
+              <a:gd name="connsiteY6" fmla="*/ 0 h 5353835"/>
+              <a:gd name="connsiteX7" fmla="*/ 5353835 w 5353835"/>
+              <a:gd name="connsiteY7" fmla="*/ 4858206 h 5353835"/>
+              <a:gd name="connsiteX8" fmla="*/ 5273742 w 5353835"/>
+              <a:gd name="connsiteY8" fmla="*/ 4938299 h 5353835"/>
+              <a:gd name="connsiteX9" fmla="*/ 5273742 w 5353835"/>
+              <a:gd name="connsiteY9" fmla="*/ 80093 h 5353835"/>
+              <a:gd name="connsiteX10" fmla="*/ 0 w 5353835"/>
+              <a:gd name="connsiteY10" fmla="*/ 513348 h 5353835"/>
+              <a:gd name="connsiteX11" fmla="*/ 80093 w 5353835"/>
+              <a:gd name="connsiteY11" fmla="*/ 433255 h 5353835"/>
+              <a:gd name="connsiteX12" fmla="*/ 80093 w 5353835"/>
+              <a:gd name="connsiteY12" fmla="*/ 4663328 h 5353835"/>
+              <a:gd name="connsiteX13" fmla="*/ 0 w 5353835"/>
+              <a:gd name="connsiteY13" fmla="*/ 4583235 h 5353835"/>
+            </a:gdLst>
+            <a:ahLst/>
+            <a:cxnLst>
+              <a:cxn ang="0">
+                <a:pos x="connsiteX0" y="connsiteY0"/>
+              </a:cxn>
+              <a:cxn ang="0">
+                <a:pos x="connsiteX1" y="connsiteY1"/>
+              </a:cxn>
+              <a:cxn ang="0">
+                <a:pos x="connsiteX2" y="connsiteY2"/>
+              </a:cxn>
+              <a:cxn ang="0">
+                <a:pos x="connsiteX3" y="connsiteY3"/>
+              </a:cxn>
+              <a:cxn ang="0">
+                <a:pos x="connsiteX4" y="connsiteY4"/>
+              </a:cxn>
+              <a:cxn ang="0">
+                <a:pos x="connsiteX5" y="connsiteY5"/>
+              </a:cxn>
+              <a:cxn ang="0">
+                <a:pos x="connsiteX6" y="connsiteY6"/>
+              </a:cxn>
+              <a:cxn ang="0">
+                <a:pos x="connsiteX7" y="connsiteY7"/>
+              </a:cxn>
+              <a:cxn ang="0">
+                <a:pos x="connsiteX8" y="connsiteY8"/>
+              </a:cxn>
+              <a:cxn ang="0">
+                <a:pos x="connsiteX9" y="connsiteY9"/>
+              </a:cxn>
+              <a:cxn ang="0">
+                <a:pos x="connsiteX10" y="connsiteY10"/>
+              </a:cxn>
+              <a:cxn ang="0">
+                <a:pos x="connsiteX11" y="connsiteY11"/>
+              </a:cxn>
+              <a:cxn ang="0">
+                <a:pos x="connsiteX12" y="connsiteY12"/>
+              </a:cxn>
+              <a:cxn ang="0">
+                <a:pos x="connsiteX13" y="connsiteY13"/>
+              </a:cxn>
+            </a:cxnLst>
+            <a:rect l="l" t="t" r="r" b="b"/>
+            <a:pathLst>
+              <a:path w="5353835" h="5353835">
+                <a:moveTo>
+                  <a:pt x="690507" y="5273742"/>
+                </a:moveTo>
+                <a:lnTo>
+                  <a:pt x="4938299" y="5273742"/>
+                </a:lnTo>
+                <a:lnTo>
+                  <a:pt x="4858206" y="5353835"/>
+                </a:lnTo>
+                <a:lnTo>
+                  <a:pt x="770600" y="5353835"/>
+                </a:lnTo>
+                <a:close/>
+                <a:moveTo>
+                  <a:pt x="433255" y="80093"/>
+                </a:moveTo>
+                <a:lnTo>
+                  <a:pt x="513348" y="0"/>
+                </a:lnTo>
+                <a:lnTo>
+                  <a:pt x="5353835" y="0"/>
+                </a:lnTo>
+                <a:lnTo>
+                  <a:pt x="5353835" y="4858206"/>
+                </a:lnTo>
+                <a:lnTo>
+                  <a:pt x="5273742" y="4938299"/>
+                </a:lnTo>
+                <a:lnTo>
+                  <a:pt x="5273742" y="80093"/>
+                </a:lnTo>
+                <a:close/>
+                <a:moveTo>
+                  <a:pt x="0" y="513348"/>
+                </a:moveTo>
+                <a:lnTo>
+                  <a:pt x="80093" y="433255"/>
+                </a:lnTo>
+                <a:lnTo>
+                  <a:pt x="80093" y="4663328"/>
+                </a:lnTo>
+                <a:lnTo>
+                  <a:pt x="0" y="4583235"/>
+                </a:lnTo>
+                <a:close/>
+              </a:path>
+            </a:pathLst>
+          </a:custGeom>
+          <a:solidFill>
+            <a:srgbClr val="FFFFFF">
+              <a:alpha val="60000"/>
+            </a:srgbClr>
+          </a:solidFill>
+          <a:ln>
+            <a:noFill/>
+          </a:ln>
+        </p:spPr>
+        <p:style>
+          <a:lnRef idx="2">
+            <a:schemeClr val="accent1">
+              <a:shade val="50000"/>
+            </a:schemeClr>
+          </a:lnRef>
+          <a:fillRef idx="1">
+            <a:schemeClr val="accent1"/>
+          </a:fillRef>
+          <a:effectRef idx="0">
+            <a:schemeClr val="accent1"/>
+          </a:effectRef>
+          <a:fontRef idx="minor">
+            <a:schemeClr val="lt1"/>
+          </a:fontRef>
+        </p:style>
+        <p:txBody>
+          <a:bodyPr wrap="square" rtlCol="0" anchor="ctr">
+            <a:noAutofit/>
+          </a:bodyPr>
+          <a:lstStyle/>
+          <a:p>
+            <a:pPr algn="ctr"/>
+            <a:endParaRPr lang="en-US">
+              <a:solidFill>
+                <a:schemeClr val="tx1"/>
+              </a:solidFill>
+            </a:endParaRPr>
+          </a:p>
+        </p:txBody>
+      </p:sp>
+      <p:sp>
+        <p:nvSpPr>
+          <p:cNvPr id="2" name="Title 1">
+            <a:extLst>
+              <a:ext uri="{FF2B5EF4-FFF2-40B4-BE49-F238E27FC236}">
+                <a16:creationId xmlns:a16="http://schemas.microsoft.com/office/drawing/2014/main" id="{738CA93F-9740-4B12-B6E7-BBA9A3703C4B}"/>
+              </a:ext>
+            </a:extLst>
+          </p:cNvPr>
+          <p:cNvSpPr>
+            <a:spLocks noGrp="1"/>
+          </p:cNvSpPr>
+          <p:nvPr>
+            <p:ph type="title"/>
+          </p:nvPr>
+        </p:nvSpPr>
+        <p:spPr>
+          <a:xfrm>
+            <a:off x="1116701" y="2452526"/>
+            <a:ext cx="4248318" cy="1952947"/>
+          </a:xfrm>
+          <a:noFill/>
+        </p:spPr>
+        <p:txBody>
+          <a:bodyPr vert="horz" lIns="91440" tIns="45720" rIns="91440" bIns="45720" rtlCol="0" anchor="ctr">
+            <a:normAutofit/>
+          </a:bodyPr>
+          <a:lstStyle/>
+          <a:p>
+            <a:pPr algn="ctr"/>
+            <a:r>
+              <a:rPr lang="en-US" sz="3600" kern="1200">
+                <a:solidFill>
+                  <a:srgbClr val="080808"/>
+                </a:solidFill>
+                <a:latin typeface="+mj-lt"/>
+                <a:ea typeface="+mj-ea"/>
+                <a:cs typeface="+mj-cs"/>
+              </a:rPr>
+              <a:t>Rating:</a:t>
+            </a:r>
+          </a:p>
+        </p:txBody>
+      </p:sp>
+      <p:sp>
+        <p:nvSpPr>
+          <p:cNvPr id="18" name="Rectangle 17">
+            <a:extLst>
+              <a:ext uri="{FF2B5EF4-FFF2-40B4-BE49-F238E27FC236}">
+                <a16:creationId xmlns:a16="http://schemas.microsoft.com/office/drawing/2014/main" id="{0C661B50-6929-49AE-B678-D23F22C94825}"/>
+              </a:ext>
+              <a:ext uri="{C183D7F6-B498-43B3-948B-1728B52AA6E4}">
+                <adec:decorative xmlns:adec="http://schemas.microsoft.com/office/drawing/2017/decorative" val="1"/>
+              </a:ext>
+            </a:extLst>
+          </p:cNvPr>
+          <p:cNvSpPr>
+            <a:spLocks noGrp="1" noRot="1" noChangeAspect="1" noMove="1" noResize="1" noEditPoints="1" noAdjustHandles="1" noChangeArrowheads="1" noChangeShapeType="1" noTextEdit="1"/>
+          </p:cNvSpPr>
+          <p:nvPr>
+            <p:extLst>
+              <p:ext uri="{386F3935-93C4-4BCD-93E2-E3B085C9AB24}">
+                <p16:designElem xmlns:p16="http://schemas.microsoft.com/office/powerpoint/2015/main" val="1"/>
+              </p:ext>
+            </p:extLst>
+          </p:nvPr>
+        </p:nvSpPr>
+        <p:spPr>
+          <a:xfrm rot="2700000">
+            <a:off x="10832420" y="678963"/>
+            <a:ext cx="856138" cy="856138"/>
+          </a:xfrm>
+          <a:prstGeom prst="rect">
+            <a:avLst/>
+          </a:prstGeom>
+          <a:solidFill>
+            <a:schemeClr val="accent4">
+              <a:alpha val="40000"/>
+            </a:schemeClr>
+          </a:solidFill>
+          <a:ln>
+            <a:noFill/>
+          </a:ln>
+        </p:spPr>
+        <p:style>
+          <a:lnRef idx="2">
+            <a:schemeClr val="accent1">
+              <a:shade val="50000"/>
+            </a:schemeClr>
+          </a:lnRef>
+          <a:fillRef idx="1">
+            <a:schemeClr val="accent1"/>
+          </a:fillRef>
+          <a:effectRef idx="0">
+            <a:schemeClr val="accent1"/>
+          </a:effectRef>
+          <a:fontRef idx="minor">
+            <a:schemeClr val="lt1"/>
+          </a:fontRef>
+        </p:style>
+        <p:txBody>
+          <a:bodyPr rtlCol="0" anchor="ctr"/>
+          <a:lstStyle/>
+          <a:p>
+            <a:pPr algn="ctr"/>
+            <a:endParaRPr lang="en-US"/>
+          </a:p>
+        </p:txBody>
+      </p:sp>
+      <p:sp>
+        <p:nvSpPr>
+          <p:cNvPr id="20" name="Rectangle 19">
+            <a:extLst>
+              <a:ext uri="{FF2B5EF4-FFF2-40B4-BE49-F238E27FC236}">
+                <a16:creationId xmlns:a16="http://schemas.microsoft.com/office/drawing/2014/main" id="{FA4D2597-A2FE-4B0C-BB1F-540C5F256A6A}"/>
+              </a:ext>
+              <a:ext uri="{C183D7F6-B498-43B3-948B-1728B52AA6E4}">
+                <adec:decorative xmlns:adec="http://schemas.microsoft.com/office/drawing/2017/decorative" val="1"/>
+              </a:ext>
+            </a:extLst>
+          </p:cNvPr>
+          <p:cNvSpPr>
+            <a:spLocks noGrp="1" noRot="1" noChangeAspect="1" noMove="1" noResize="1" noEditPoints="1" noAdjustHandles="1" noChangeArrowheads="1" noChangeShapeType="1" noTextEdit="1"/>
+          </p:cNvSpPr>
+          <p:nvPr>
+            <p:extLst>
+              <p:ext uri="{386F3935-93C4-4BCD-93E2-E3B085C9AB24}">
+                <p16:designElem xmlns:p16="http://schemas.microsoft.com/office/powerpoint/2015/main" val="1"/>
+              </p:ext>
+            </p:extLst>
+          </p:nvPr>
+        </p:nvSpPr>
+        <p:spPr>
+          <a:xfrm rot="2700000">
+            <a:off x="10900915" y="580653"/>
+            <a:ext cx="381459" cy="381459"/>
+          </a:xfrm>
+          <a:prstGeom prst="rect">
+            <a:avLst/>
+          </a:prstGeom>
+          <a:solidFill>
+            <a:schemeClr val="accent4">
+              <a:alpha val="40000"/>
+            </a:schemeClr>
+          </a:solidFill>
+          <a:ln>
+            <a:noFill/>
+          </a:ln>
+        </p:spPr>
+        <p:style>
+          <a:lnRef idx="2">
+            <a:schemeClr val="accent1">
+              <a:shade val="50000"/>
+            </a:schemeClr>
+          </a:lnRef>
+          <a:fillRef idx="1">
+            <a:schemeClr val="accent1"/>
+          </a:fillRef>
+          <a:effectRef idx="0">
+            <a:schemeClr val="accent1"/>
+          </a:effectRef>
+          <a:fontRef idx="minor">
+            <a:schemeClr val="lt1"/>
+          </a:fontRef>
+        </p:style>
+        <p:txBody>
+          <a:bodyPr rtlCol="0" anchor="ctr"/>
+          <a:lstStyle/>
+          <a:p>
+            <a:pPr algn="ctr"/>
+            <a:endParaRPr lang="en-US"/>
+          </a:p>
+        </p:txBody>
+      </p:sp>
+      <p:sp>
+        <p:nvSpPr>
+          <p:cNvPr id="22" name="Rectangle 21">
+            <a:extLst>
+              <a:ext uri="{FF2B5EF4-FFF2-40B4-BE49-F238E27FC236}">
+                <a16:creationId xmlns:a16="http://schemas.microsoft.com/office/drawing/2014/main" id="{DA103EBF-224C-44F4-ACE5-79865767D48C}"/>
+              </a:ext>
+              <a:ext uri="{C183D7F6-B498-43B3-948B-1728B52AA6E4}">
+                <adec:decorative xmlns:adec="http://schemas.microsoft.com/office/drawing/2017/decorative" val="1"/>
+              </a:ext>
+            </a:extLst>
+          </p:cNvPr>
+          <p:cNvSpPr>
+            <a:spLocks noGrp="1" noRot="1" noChangeAspect="1" noMove="1" noResize="1" noEditPoints="1" noAdjustHandles="1" noChangeArrowheads="1" noChangeShapeType="1" noTextEdit="1"/>
+          </p:cNvSpPr>
+          <p:nvPr>
+            <p:extLst>
+              <p:ext uri="{386F3935-93C4-4BCD-93E2-E3B085C9AB24}">
+                <p16:designElem xmlns:p16="http://schemas.microsoft.com/office/powerpoint/2015/main" val="1"/>
+              </p:ext>
+            </p:extLst>
+          </p:nvPr>
+        </p:nvSpPr>
+        <p:spPr>
+          <a:xfrm rot="2700000">
+            <a:off x="6303021" y="5706832"/>
+            <a:ext cx="723097" cy="723097"/>
+          </a:xfrm>
+          <a:prstGeom prst="rect">
+            <a:avLst/>
+          </a:prstGeom>
+          <a:solidFill>
+            <a:schemeClr val="accent1">
+              <a:alpha val="30000"/>
+            </a:schemeClr>
+          </a:solidFill>
+          <a:ln>
+            <a:noFill/>
+          </a:ln>
+        </p:spPr>
+        <p:style>
+          <a:lnRef idx="2">
+            <a:schemeClr val="accent1">
+              <a:shade val="50000"/>
+            </a:schemeClr>
+          </a:lnRef>
+          <a:fillRef idx="1">
+            <a:schemeClr val="accent1"/>
+          </a:fillRef>
+          <a:effectRef idx="0">
+            <a:schemeClr val="accent1"/>
+          </a:effectRef>
+          <a:fontRef idx="minor">
+            <a:schemeClr val="lt1"/>
+          </a:fontRef>
+        </p:style>
+        <p:txBody>
+          <a:bodyPr rtlCol="0" anchor="ctr"/>
+          <a:lstStyle/>
+          <a:p>
+            <a:pPr algn="ctr"/>
+            <a:endParaRPr lang="en-US"/>
+          </a:p>
+        </p:txBody>
+      </p:sp>
+      <p:sp>
+        <p:nvSpPr>
+          <p:cNvPr id="24" name="Rectangle 23">
+            <a:extLst>
+              <a:ext uri="{FF2B5EF4-FFF2-40B4-BE49-F238E27FC236}">
+                <a16:creationId xmlns:a16="http://schemas.microsoft.com/office/drawing/2014/main" id="{87A5F9AD-A73A-480E-A9D0-4B4234677FA5}"/>
+              </a:ext>
+              <a:ext uri="{C183D7F6-B498-43B3-948B-1728B52AA6E4}">
+                <adec:decorative xmlns:adec="http://schemas.microsoft.com/office/drawing/2017/decorative" val="1"/>
+              </a:ext>
+            </a:extLst>
+          </p:cNvPr>
+          <p:cNvSpPr>
+            <a:spLocks noGrp="1" noRot="1" noChangeAspect="1" noMove="1" noResize="1" noEditPoints="1" noAdjustHandles="1" noChangeArrowheads="1" noChangeShapeType="1" noTextEdit="1"/>
+          </p:cNvSpPr>
+          <p:nvPr>
+            <p:extLst>
+              <p:ext uri="{386F3935-93C4-4BCD-93E2-E3B085C9AB24}">
+                <p16:designElem xmlns:p16="http://schemas.microsoft.com/office/powerpoint/2015/main" val="1"/>
+              </p:ext>
+            </p:extLst>
+          </p:nvPr>
+        </p:nvSpPr>
+        <p:spPr>
+          <a:xfrm rot="2700000">
+            <a:off x="6689149" y="6190780"/>
+            <a:ext cx="322181" cy="322182"/>
+          </a:xfrm>
+          <a:prstGeom prst="rect">
+            <a:avLst/>
+          </a:prstGeom>
+          <a:solidFill>
+            <a:schemeClr val="accent1">
+              <a:alpha val="30000"/>
+            </a:schemeClr>
+          </a:solidFill>
+          <a:ln>
+            <a:noFill/>
+          </a:ln>
+        </p:spPr>
+        <p:style>
+          <a:lnRef idx="2">
+            <a:schemeClr val="accent1">
+              <a:shade val="50000"/>
+            </a:schemeClr>
+          </a:lnRef>
+          <a:fillRef idx="1">
+            <a:schemeClr val="accent1"/>
+          </a:fillRef>
+          <a:effectRef idx="0">
+            <a:schemeClr val="accent1"/>
+          </a:effectRef>
+          <a:fontRef idx="minor">
+            <a:schemeClr val="lt1"/>
+          </a:fontRef>
+        </p:style>
+        <p:txBody>
+          <a:bodyPr rtlCol="0" anchor="ctr"/>
+          <a:lstStyle/>
+          <a:p>
+            <a:pPr algn="ctr"/>
+            <a:endParaRPr lang="en-US"/>
+          </a:p>
+        </p:txBody>
+      </p:sp>
+      <p:sp>
+        <p:nvSpPr>
+          <p:cNvPr id="26" name="Freeform: Shape 25">
+            <a:extLst>
+              <a:ext uri="{FF2B5EF4-FFF2-40B4-BE49-F238E27FC236}">
+                <a16:creationId xmlns:a16="http://schemas.microsoft.com/office/drawing/2014/main" id="{A7333EA9-3447-4C0A-957A-C6D2B338C234}"/>
+              </a:ext>
+              <a:ext uri="{C183D7F6-B498-43B3-948B-1728B52AA6E4}">
+                <adec:decorative xmlns:adec="http://schemas.microsoft.com/office/drawing/2017/decorative" val="1"/>
+              </a:ext>
+            </a:extLst>
+          </p:cNvPr>
+          <p:cNvSpPr>
+            <a:spLocks noGrp="1" noRot="1" noChangeAspect="1" noMove="1" noResize="1" noEditPoints="1" noAdjustHandles="1" noChangeArrowheads="1" noChangeShapeType="1" noTextEdit="1"/>
+          </p:cNvSpPr>
+          <p:nvPr>
+            <p:extLst>
+              <p:ext uri="{386F3935-93C4-4BCD-93E2-E3B085C9AB24}">
+                <p16:designElem xmlns:p16="http://schemas.microsoft.com/office/powerpoint/2015/main" val="1"/>
+              </p:ext>
+            </p:extLst>
+          </p:nvPr>
+        </p:nvSpPr>
+        <p:spPr>
+          <a:xfrm rot="2700000">
+            <a:off x="6770076" y="1316432"/>
+            <a:ext cx="4225136" cy="4225134"/>
+          </a:xfrm>
+          <a:custGeom>
+            <a:avLst/>
+            <a:gdLst>
+              <a:gd name="connsiteX0" fmla="*/ 0 w 4225136"/>
+              <a:gd name="connsiteY0" fmla="*/ 0 h 4225134"/>
+              <a:gd name="connsiteX1" fmla="*/ 4225136 w 4225136"/>
+              <a:gd name="connsiteY1" fmla="*/ 0 h 4225134"/>
+              <a:gd name="connsiteX2" fmla="*/ 4225136 w 4225136"/>
+              <a:gd name="connsiteY2" fmla="*/ 4225134 h 4225134"/>
+              <a:gd name="connsiteX3" fmla="*/ 1078619 w 4225136"/>
+              <a:gd name="connsiteY3" fmla="*/ 4225134 h 4225134"/>
+              <a:gd name="connsiteX4" fmla="*/ 1078619 w 4225136"/>
+              <a:gd name="connsiteY4" fmla="*/ 3146517 h 4225134"/>
+              <a:gd name="connsiteX5" fmla="*/ 0 w 4225136"/>
+              <a:gd name="connsiteY5" fmla="*/ 3146517 h 4225134"/>
+            </a:gdLst>
+            <a:ahLst/>
+            <a:cxnLst>
+              <a:cxn ang="0">
+                <a:pos x="connsiteX0" y="connsiteY0"/>
+              </a:cxn>
+              <a:cxn ang="0">
+                <a:pos x="connsiteX1" y="connsiteY1"/>
+              </a:cxn>
+              <a:cxn ang="0">
+                <a:pos x="connsiteX2" y="connsiteY2"/>
+              </a:cxn>
+              <a:cxn ang="0">
+                <a:pos x="connsiteX3" y="connsiteY3"/>
+              </a:cxn>
+              <a:cxn ang="0">
+                <a:pos x="connsiteX4" y="connsiteY4"/>
+              </a:cxn>
+              <a:cxn ang="0">
+                <a:pos x="connsiteX5" y="connsiteY5"/>
+              </a:cxn>
+            </a:cxnLst>
+            <a:rect l="l" t="t" r="r" b="b"/>
+            <a:pathLst>
+              <a:path w="4225136" h="4225134">
+                <a:moveTo>
+                  <a:pt x="0" y="0"/>
+                </a:moveTo>
+                <a:lnTo>
+                  <a:pt x="4225136" y="0"/>
+                </a:lnTo>
+                <a:lnTo>
+                  <a:pt x="4225136" y="4225134"/>
+                </a:lnTo>
+                <a:lnTo>
+                  <a:pt x="1078619" y="4225134"/>
+                </a:lnTo>
+                <a:lnTo>
+                  <a:pt x="1078619" y="3146517"/>
+                </a:lnTo>
+                <a:lnTo>
+                  <a:pt x="0" y="3146517"/>
+                </a:lnTo>
+                <a:close/>
+              </a:path>
+            </a:pathLst>
+          </a:custGeom>
+          <a:solidFill>
+            <a:srgbClr val="FFFFFF"/>
+          </a:solidFill>
+          <a:ln>
+            <a:noFill/>
+          </a:ln>
+        </p:spPr>
+        <p:style>
+          <a:lnRef idx="2">
+            <a:schemeClr val="accent1">
+              <a:shade val="50000"/>
+            </a:schemeClr>
+          </a:lnRef>
+          <a:fillRef idx="1">
+            <a:schemeClr val="accent1"/>
+          </a:fillRef>
+          <a:effectRef idx="0">
+            <a:schemeClr val="accent1"/>
+          </a:effectRef>
+          <a:fontRef idx="minor">
+            <a:schemeClr val="lt1"/>
+          </a:fontRef>
+        </p:style>
+        <p:txBody>
+          <a:bodyPr wrap="square" rtlCol="0" anchor="ctr">
+            <a:noAutofit/>
+          </a:bodyPr>
+          <a:lstStyle/>
+          <a:p>
+            <a:pPr algn="ctr"/>
+            <a:endParaRPr lang="en-US" sz="1600"/>
+          </a:p>
+        </p:txBody>
+      </p:sp>
+      <p:pic>
+        <p:nvPicPr>
+          <p:cNvPr id="7" name="Graphic 6" descr="Thumbs Up Sign">
+            <a:extLst>
+              <a:ext uri="{FF2B5EF4-FFF2-40B4-BE49-F238E27FC236}">
+                <a16:creationId xmlns:a16="http://schemas.microsoft.com/office/drawing/2014/main" id="{0BF97E2D-6401-4FDF-8C6B-1EEF85E7FA11}"/>
+              </a:ext>
+            </a:extLst>
+          </p:cNvPr>
+          <p:cNvPicPr>
+            <a:picLocks noChangeAspect="1"/>
+          </p:cNvPicPr>
+          <p:nvPr/>
+        </p:nvPicPr>
+        <p:blipFill>
+          <a:blip r:embed="rId2">
+            <a:extLst>
+              <a:ext uri="{28A0092B-C50C-407E-A947-70E740481C1C}">
+                <a14:useLocalDpi xmlns:a14="http://schemas.microsoft.com/office/drawing/2010/main" val="0"/>
+              </a:ext>
+              <a:ext uri="{96DAC541-7B7A-43D3-8B79-37D633B846F1}">
+                <asvg:svgBlip xmlns:asvg="http://schemas.microsoft.com/office/drawing/2016/SVG/main" r:embed="rId3"/>
+              </a:ext>
+            </a:extLst>
+          </a:blip>
+          <a:stretch>
+            <a:fillRect/>
+          </a:stretch>
+        </p:blipFill>
+        <p:spPr>
+          <a:xfrm>
+            <a:off x="7577479" y="2105604"/>
+            <a:ext cx="2646789" cy="2646789"/>
+          </a:xfrm>
+          <a:prstGeom prst="rect">
+            <a:avLst/>
+          </a:prstGeom>
+        </p:spPr>
+      </p:pic>
+    </p:spTree>
+    <p:extLst>
+      <p:ext uri="{BB962C8B-B14F-4D97-AF65-F5344CB8AC3E}">
+        <p14:creationId xmlns:p14="http://schemas.microsoft.com/office/powerpoint/2010/main" val="390503011"/>
+      </p:ext>
+    </p:extLst>
+  </p:cSld>
+  <p:clrMapOvr>
+    <a:masterClrMapping/>
+  </p:clrMapOvr>
+</p:sld>
+</file>
+
+<file path=ppt/slides/slide13.xml><?xml version="1.0" encoding="utf-8"?>
+<p:sld xmlns:a="http://schemas.openxmlformats.org/drawingml/2006/main" xmlns:r="http://schemas.openxmlformats.org/officeDocument/2006/relationships" xmlns:p="http://schemas.openxmlformats.org/presentationml/2006/main">
+  <p:cSld>
+    <p:bg>
+      <p:bgPr>
+        <a:solidFill>
+          <a:schemeClr val="bg1"/>
+        </a:solidFill>
+        <a:effectLst/>
+      </p:bgPr>
+    </p:bg>
+    <p:spTree>
+      <p:nvGrpSpPr>
+        <p:cNvPr id="1" name=""/>
+        <p:cNvGrpSpPr/>
+        <p:nvPr/>
+      </p:nvGrpSpPr>
+      <p:grpSpPr>
+        <a:xfrm>
+          <a:off x="0" y="0"/>
+          <a:ext cx="0" cy="0"/>
+          <a:chOff x="0" y="0"/>
+          <a:chExt cx="0" cy="0"/>
+        </a:xfrm>
+      </p:grpSpPr>
+      <p:sp>
+        <p:nvSpPr>
+          <p:cNvPr id="19" name="Rectangle 7">
+            <a:extLst>
+              <a:ext uri="{FF2B5EF4-FFF2-40B4-BE49-F238E27FC236}">
+                <a16:creationId xmlns:a16="http://schemas.microsoft.com/office/drawing/2014/main" id="{46D6306C-ED4F-4AAE-B4A5-EEA6AFAD726E}"/>
+              </a:ext>
+              <a:ext uri="{C183D7F6-B498-43B3-948B-1728B52AA6E4}">
+                <adec:decorative xmlns:adec="http://schemas.microsoft.com/office/drawing/2017/decorative" val="1"/>
+              </a:ext>
+            </a:extLst>
+          </p:cNvPr>
+          <p:cNvSpPr>
+            <a:spLocks noGrp="1" noRot="1" noChangeAspect="1" noMove="1" noResize="1" noEditPoints="1" noAdjustHandles="1" noChangeArrowheads="1" noChangeShapeType="1" noTextEdit="1"/>
+          </p:cNvSpPr>
+          <p:nvPr>
+            <p:extLst>
+              <p:ext uri="{386F3935-93C4-4BCD-93E2-E3B085C9AB24}">
+                <p16:designElem xmlns:p16="http://schemas.microsoft.com/office/powerpoint/2015/main" val="1"/>
+              </p:ext>
+            </p:extLst>
+          </p:nvPr>
+        </p:nvSpPr>
+        <p:spPr>
+          <a:xfrm>
+            <a:off x="0" y="0"/>
+            <a:ext cx="12192000" cy="6858000"/>
+          </a:xfrm>
+          <a:prstGeom prst="rect">
+            <a:avLst/>
+          </a:prstGeom>
+          <a:solidFill>
+            <a:schemeClr val="bg1"/>
+          </a:solidFill>
+          <a:ln>
+            <a:noFill/>
+          </a:ln>
+        </p:spPr>
+        <p:style>
+          <a:lnRef idx="2">
+            <a:schemeClr val="accent1">
+              <a:shade val="50000"/>
+            </a:schemeClr>
+          </a:lnRef>
+          <a:fillRef idx="1">
+            <a:schemeClr val="accent1"/>
+          </a:fillRef>
+          <a:effectRef idx="0">
+            <a:schemeClr val="accent1"/>
+          </a:effectRef>
+          <a:fontRef idx="minor">
+            <a:schemeClr val="lt1"/>
+          </a:fontRef>
+        </p:style>
+        <p:txBody>
+          <a:bodyPr rtlCol="0" anchor="ctr"/>
+          <a:lstStyle/>
+          <a:p>
+            <a:pPr algn="ctr"/>
+            <a:endParaRPr lang="en-US" dirty="0"/>
+          </a:p>
+        </p:txBody>
+      </p:sp>
+      <p:sp>
+        <p:nvSpPr>
+          <p:cNvPr id="2" name="Title 1">
+            <a:extLst>
+              <a:ext uri="{FF2B5EF4-FFF2-40B4-BE49-F238E27FC236}">
+                <a16:creationId xmlns:a16="http://schemas.microsoft.com/office/drawing/2014/main" id="{A5B42E82-FB3C-4506-9A9E-55C3F221337A}"/>
+              </a:ext>
+            </a:extLst>
+          </p:cNvPr>
+          <p:cNvSpPr>
+            <a:spLocks noGrp="1"/>
+          </p:cNvSpPr>
+          <p:nvPr>
+            <p:ph type="title"/>
+          </p:nvPr>
+        </p:nvSpPr>
+        <p:spPr>
+          <a:xfrm>
+            <a:off x="643467" y="1698171"/>
+            <a:ext cx="3962061" cy="4516360"/>
+          </a:xfrm>
+        </p:spPr>
+        <p:txBody>
+          <a:bodyPr anchor="t">
+            <a:normAutofit/>
+          </a:bodyPr>
+          <a:lstStyle/>
+          <a:p>
+            <a:r>
+              <a:rPr lang="en-US" sz="3600" dirty="0"/>
+              <a:t>Our Findings:</a:t>
+            </a:r>
+          </a:p>
+        </p:txBody>
+      </p:sp>
+      <p:sp>
+        <p:nvSpPr>
+          <p:cNvPr id="21" name="Rectangle 9">
+            <a:extLst>
+              <a:ext uri="{FF2B5EF4-FFF2-40B4-BE49-F238E27FC236}">
+                <a16:creationId xmlns:a16="http://schemas.microsoft.com/office/drawing/2014/main" id="{0EC5361D-F897-4856-B945-0455A365EB24}"/>
+              </a:ext>
+              <a:ext uri="{C183D7F6-B498-43B3-948B-1728B52AA6E4}">
+                <adec:decorative xmlns:adec="http://schemas.microsoft.com/office/drawing/2017/decorative" val="1"/>
+              </a:ext>
+            </a:extLst>
+          </p:cNvPr>
+          <p:cNvSpPr>
+            <a:spLocks noGrp="1" noRot="1" noChangeAspect="1" noMove="1" noResize="1" noEditPoints="1" noAdjustHandles="1" noChangeArrowheads="1" noChangeShapeType="1" noTextEdit="1"/>
+          </p:cNvSpPr>
+          <p:nvPr>
+            <p:extLst>
+              <p:ext uri="{386F3935-93C4-4BCD-93E2-E3B085C9AB24}">
+                <p16:designElem xmlns:p16="http://schemas.microsoft.com/office/powerpoint/2015/main" val="1"/>
+              </p:ext>
+            </p:extLst>
+          </p:nvPr>
+        </p:nvSpPr>
+        <p:spPr>
+          <a:xfrm rot="2700000">
+            <a:off x="415435" y="655140"/>
+            <a:ext cx="687472" cy="687472"/>
+          </a:xfrm>
+          <a:prstGeom prst="rect">
+            <a:avLst/>
+          </a:prstGeom>
+          <a:solidFill>
+            <a:schemeClr val="accent4">
+              <a:alpha val="30000"/>
+            </a:schemeClr>
+          </a:solidFill>
+          <a:ln>
+            <a:noFill/>
+          </a:ln>
+        </p:spPr>
+        <p:style>
+          <a:lnRef idx="2">
+            <a:schemeClr val="accent1">
+              <a:shade val="50000"/>
+            </a:schemeClr>
+          </a:lnRef>
+          <a:fillRef idx="1">
+            <a:schemeClr val="accent1"/>
+          </a:fillRef>
+          <a:effectRef idx="0">
+            <a:schemeClr val="accent1"/>
+          </a:effectRef>
+          <a:fontRef idx="minor">
+            <a:schemeClr val="lt1"/>
+          </a:fontRef>
+        </p:style>
+        <p:txBody>
+          <a:bodyPr rtlCol="0" anchor="ctr"/>
+          <a:lstStyle/>
+          <a:p>
+            <a:pPr algn="ctr"/>
+            <a:endParaRPr lang="en-US"/>
+          </a:p>
+        </p:txBody>
+      </p:sp>
+      <p:sp>
+        <p:nvSpPr>
+          <p:cNvPr id="12" name="Freeform: Shape 11">
+            <a:extLst>
+              <a:ext uri="{FF2B5EF4-FFF2-40B4-BE49-F238E27FC236}">
+                <a16:creationId xmlns:a16="http://schemas.microsoft.com/office/drawing/2014/main" id="{4508C0C5-2268-42B5-B3C8-4D0899E05F8C}"/>
+              </a:ext>
+              <a:ext uri="{C183D7F6-B498-43B3-948B-1728B52AA6E4}">
+                <adec:decorative xmlns:adec="http://schemas.microsoft.com/office/drawing/2017/decorative" val="1"/>
+              </a:ext>
+            </a:extLst>
+          </p:cNvPr>
+          <p:cNvSpPr>
+            <a:spLocks noGrp="1" noRot="1" noChangeAspect="1" noMove="1" noResize="1" noEditPoints="1" noAdjustHandles="1" noChangeArrowheads="1" noChangeShapeType="1" noTextEdit="1"/>
+          </p:cNvSpPr>
+          <p:nvPr>
+            <p:extLst>
+              <p:ext uri="{386F3935-93C4-4BCD-93E2-E3B085C9AB24}">
+                <p16:designElem xmlns:p16="http://schemas.microsoft.com/office/powerpoint/2015/main" val="1"/>
+              </p:ext>
+            </p:extLst>
+          </p:nvPr>
+        </p:nvSpPr>
+        <p:spPr>
+          <a:xfrm rot="10800000">
+            <a:off x="0" y="0"/>
+            <a:ext cx="2835357" cy="1480837"/>
+          </a:xfrm>
+          <a:custGeom>
+            <a:avLst/>
+            <a:gdLst>
+              <a:gd name="connsiteX0" fmla="*/ 2835357 w 2835357"/>
+              <a:gd name="connsiteY0" fmla="*/ 1480837 h 1480837"/>
+              <a:gd name="connsiteX1" fmla="*/ 0 w 2835357"/>
+              <a:gd name="connsiteY1" fmla="*/ 1480837 h 1480837"/>
+              <a:gd name="connsiteX2" fmla="*/ 1552727 w 2835357"/>
+              <a:gd name="connsiteY2" fmla="*/ 0 h 1480837"/>
+              <a:gd name="connsiteX3" fmla="*/ 2835357 w 2835357"/>
+              <a:gd name="connsiteY3" fmla="*/ 1223245 h 1480837"/>
+            </a:gdLst>
+            <a:ahLst/>
+            <a:cxnLst>
+              <a:cxn ang="0">
+                <a:pos x="connsiteX0" y="connsiteY0"/>
+              </a:cxn>
+              <a:cxn ang="0">
+                <a:pos x="connsiteX1" y="connsiteY1"/>
+              </a:cxn>
+              <a:cxn ang="0">
+                <a:pos x="connsiteX2" y="connsiteY2"/>
+              </a:cxn>
+              <a:cxn ang="0">
+                <a:pos x="connsiteX3" y="connsiteY3"/>
+              </a:cxn>
+            </a:cxnLst>
+            <a:rect l="l" t="t" r="r" b="b"/>
+            <a:pathLst>
+              <a:path w="2835357" h="1480837">
+                <a:moveTo>
+                  <a:pt x="2835357" y="1480837"/>
+                </a:moveTo>
+                <a:lnTo>
+                  <a:pt x="0" y="1480837"/>
+                </a:lnTo>
+                <a:lnTo>
+                  <a:pt x="1552727" y="0"/>
+                </a:lnTo>
+                <a:lnTo>
+                  <a:pt x="2835357" y="1223245"/>
+                </a:lnTo>
+                <a:close/>
+              </a:path>
+            </a:pathLst>
+          </a:custGeom>
+          <a:solidFill>
+            <a:schemeClr val="accent4">
+              <a:alpha val="30000"/>
+            </a:schemeClr>
+          </a:solidFill>
+          <a:ln>
+            <a:noFill/>
+          </a:ln>
+        </p:spPr>
+        <p:style>
+          <a:lnRef idx="2">
+            <a:schemeClr val="accent1">
+              <a:shade val="50000"/>
+            </a:schemeClr>
+          </a:lnRef>
+          <a:fillRef idx="1">
+            <a:schemeClr val="accent1"/>
+          </a:fillRef>
+          <a:effectRef idx="0">
+            <a:schemeClr val="accent1"/>
+          </a:effectRef>
+          <a:fontRef idx="minor">
+            <a:schemeClr val="lt1"/>
+          </a:fontRef>
+        </p:style>
+        <p:txBody>
+          <a:bodyPr wrap="square" rtlCol="0" anchor="ctr">
+            <a:noAutofit/>
+          </a:bodyPr>
+          <a:lstStyle/>
+          <a:p>
+            <a:pPr algn="ctr"/>
+            <a:endParaRPr lang="en-US" dirty="0"/>
+          </a:p>
+        </p:txBody>
+      </p:sp>
+      <p:sp>
+        <p:nvSpPr>
+          <p:cNvPr id="14" name="Freeform: Shape 13">
+            <a:extLst>
+              <a:ext uri="{FF2B5EF4-FFF2-40B4-BE49-F238E27FC236}">
+                <a16:creationId xmlns:a16="http://schemas.microsoft.com/office/drawing/2014/main" id="{141ACBDB-38F8-4B34-8183-BD95B4E55A62}"/>
+              </a:ext>
+              <a:ext uri="{C183D7F6-B498-43B3-948B-1728B52AA6E4}">
+                <adec:decorative xmlns:adec="http://schemas.microsoft.com/office/drawing/2017/decorative" val="1"/>
+              </a:ext>
+            </a:extLst>
+          </p:cNvPr>
+          <p:cNvSpPr>
+            <a:spLocks noGrp="1" noRot="1" noChangeAspect="1" noMove="1" noResize="1" noEditPoints="1" noAdjustHandles="1" noChangeArrowheads="1" noChangeShapeType="1" noTextEdit="1"/>
+          </p:cNvSpPr>
+          <p:nvPr>
+            <p:extLst>
+              <p:ext uri="{386F3935-93C4-4BCD-93E2-E3B085C9AB24}">
+                <p16:designElem xmlns:p16="http://schemas.microsoft.com/office/powerpoint/2015/main" val="1"/>
+              </p:ext>
+            </p:extLst>
+          </p:nvPr>
+        </p:nvSpPr>
+        <p:spPr>
+          <a:xfrm rot="2700000">
+            <a:off x="10739327" y="-253670"/>
+            <a:ext cx="1827638" cy="1376989"/>
+          </a:xfrm>
+          <a:custGeom>
+            <a:avLst/>
+            <a:gdLst>
+              <a:gd name="connsiteX0" fmla="*/ 0 w 1827638"/>
+              <a:gd name="connsiteY0" fmla="*/ 987379 h 1376989"/>
+              <a:gd name="connsiteX1" fmla="*/ 987379 w 1827638"/>
+              <a:gd name="connsiteY1" fmla="*/ 0 h 1376989"/>
+              <a:gd name="connsiteX2" fmla="*/ 1827638 w 1827638"/>
+              <a:gd name="connsiteY2" fmla="*/ 840260 h 1376989"/>
+              <a:gd name="connsiteX3" fmla="*/ 1827638 w 1827638"/>
+              <a:gd name="connsiteY3" fmla="*/ 1376989 h 1376989"/>
+              <a:gd name="connsiteX4" fmla="*/ 0 w 1827638"/>
+              <a:gd name="connsiteY4" fmla="*/ 1376989 h 1376989"/>
+            </a:gdLst>
+            <a:ahLst/>
+            <a:cxnLst>
+              <a:cxn ang="0">
+                <a:pos x="connsiteX0" y="connsiteY0"/>
+              </a:cxn>
+              <a:cxn ang="0">
+                <a:pos x="connsiteX1" y="connsiteY1"/>
+              </a:cxn>
+              <a:cxn ang="0">
+                <a:pos x="connsiteX2" y="connsiteY2"/>
+              </a:cxn>
+              <a:cxn ang="0">
+                <a:pos x="connsiteX3" y="connsiteY3"/>
+              </a:cxn>
+              <a:cxn ang="0">
+                <a:pos x="connsiteX4" y="connsiteY4"/>
+              </a:cxn>
+            </a:cxnLst>
+            <a:rect l="l" t="t" r="r" b="b"/>
+            <a:pathLst>
+              <a:path w="1827638" h="1376989">
+                <a:moveTo>
+                  <a:pt x="0" y="987379"/>
+                </a:moveTo>
+                <a:lnTo>
+                  <a:pt x="987379" y="0"/>
+                </a:lnTo>
+                <a:lnTo>
+                  <a:pt x="1827638" y="840260"/>
+                </a:lnTo>
+                <a:lnTo>
+                  <a:pt x="1827638" y="1376989"/>
+                </a:lnTo>
+                <a:lnTo>
+                  <a:pt x="0" y="1376989"/>
+                </a:lnTo>
+                <a:close/>
+              </a:path>
+            </a:pathLst>
+          </a:custGeom>
+          <a:solidFill>
+            <a:schemeClr val="accent1">
+              <a:alpha val="30000"/>
+            </a:schemeClr>
+          </a:solidFill>
+          <a:ln>
+            <a:noFill/>
+          </a:ln>
+        </p:spPr>
+        <p:style>
+          <a:lnRef idx="2">
+            <a:schemeClr val="accent1">
+              <a:shade val="50000"/>
+            </a:schemeClr>
+          </a:lnRef>
+          <a:fillRef idx="1">
+            <a:schemeClr val="accent1"/>
+          </a:fillRef>
+          <a:effectRef idx="0">
+            <a:schemeClr val="accent1"/>
+          </a:effectRef>
+          <a:fontRef idx="minor">
+            <a:schemeClr val="lt1"/>
+          </a:fontRef>
+        </p:style>
+        <p:txBody>
+          <a:bodyPr wrap="square" rtlCol="0" anchor="ctr">
+            <a:noAutofit/>
+          </a:bodyPr>
+          <a:lstStyle/>
+          <a:p>
+            <a:pPr algn="ctr"/>
+            <a:endParaRPr lang="en-US" dirty="0"/>
+          </a:p>
+        </p:txBody>
+      </p:sp>
+      <p:sp>
+        <p:nvSpPr>
+          <p:cNvPr id="16" name="Rectangle 15">
+            <a:extLst>
+              <a:ext uri="{FF2B5EF4-FFF2-40B4-BE49-F238E27FC236}">
+                <a16:creationId xmlns:a16="http://schemas.microsoft.com/office/drawing/2014/main" id="{DE00DB52-3455-4E2F-867B-A6D0516E175B}"/>
+              </a:ext>
+              <a:ext uri="{C183D7F6-B498-43B3-948B-1728B52AA6E4}">
+                <adec:decorative xmlns:adec="http://schemas.microsoft.com/office/drawing/2017/decorative" val="1"/>
+              </a:ext>
+            </a:extLst>
+          </p:cNvPr>
+          <p:cNvSpPr>
+            <a:spLocks noGrp="1" noRot="1" noChangeAspect="1" noMove="1" noResize="1" noEditPoints="1" noAdjustHandles="1" noChangeArrowheads="1" noChangeShapeType="1" noTextEdit="1"/>
+          </p:cNvSpPr>
+          <p:nvPr>
+            <p:extLst>
+              <p:ext uri="{386F3935-93C4-4BCD-93E2-E3B085C9AB24}">
+                <p16:designElem xmlns:p16="http://schemas.microsoft.com/office/powerpoint/2015/main" val="1"/>
+              </p:ext>
+            </p:extLst>
+          </p:nvPr>
+        </p:nvSpPr>
+        <p:spPr>
+          <a:xfrm rot="2700000">
+            <a:off x="10653800" y="422146"/>
+            <a:ext cx="645368" cy="645368"/>
+          </a:xfrm>
+          <a:prstGeom prst="rect">
+            <a:avLst/>
+          </a:prstGeom>
+          <a:solidFill>
+            <a:schemeClr val="accent1">
+              <a:alpha val="30000"/>
+            </a:schemeClr>
+          </a:solidFill>
+          <a:ln>
+            <a:noFill/>
+          </a:ln>
+        </p:spPr>
+        <p:style>
+          <a:lnRef idx="2">
+            <a:schemeClr val="accent1">
+              <a:shade val="50000"/>
+            </a:schemeClr>
+          </a:lnRef>
+          <a:fillRef idx="1">
+            <a:schemeClr val="accent1"/>
+          </a:fillRef>
+          <a:effectRef idx="0">
+            <a:schemeClr val="accent1"/>
+          </a:effectRef>
+          <a:fontRef idx="minor">
+            <a:schemeClr val="lt1"/>
+          </a:fontRef>
+        </p:style>
+        <p:txBody>
+          <a:bodyPr wrap="square" rtlCol="0" anchor="ctr">
+            <a:noAutofit/>
+          </a:bodyPr>
+          <a:lstStyle/>
+          <a:p>
+            <a:pPr algn="ctr"/>
+            <a:endParaRPr lang="en-US"/>
+          </a:p>
+        </p:txBody>
+      </p:sp>
+      <p:sp>
+        <p:nvSpPr>
+          <p:cNvPr id="3" name="Content Placeholder 2">
+            <a:extLst>
+              <a:ext uri="{FF2B5EF4-FFF2-40B4-BE49-F238E27FC236}">
+                <a16:creationId xmlns:a16="http://schemas.microsoft.com/office/drawing/2014/main" id="{DF0C343F-5046-4840-854B-E6744EE459A2}"/>
+              </a:ext>
+            </a:extLst>
+          </p:cNvPr>
+          <p:cNvSpPr>
+            <a:spLocks noGrp="1"/>
+          </p:cNvSpPr>
+          <p:nvPr>
+            <p:ph idx="1"/>
+          </p:nvPr>
+        </p:nvSpPr>
+        <p:spPr>
+          <a:xfrm>
+            <a:off x="5070020" y="1698170"/>
+            <a:ext cx="6478513" cy="4516361"/>
+          </a:xfrm>
+        </p:spPr>
+        <p:txBody>
+          <a:bodyPr>
+            <a:normAutofit/>
+          </a:bodyPr>
+          <a:lstStyle/>
+          <a:p>
+            <a:endParaRPr lang="en-US" sz="2000" dirty="0"/>
+          </a:p>
+        </p:txBody>
+      </p:sp>
+      <p:sp>
+        <p:nvSpPr>
+          <p:cNvPr id="18" name="Isosceles Triangle 17">
+            <a:extLst>
+              <a:ext uri="{FF2B5EF4-FFF2-40B4-BE49-F238E27FC236}">
+                <a16:creationId xmlns:a16="http://schemas.microsoft.com/office/drawing/2014/main" id="{9E914C83-E0D8-4953-92D5-169D28CB43AE}"/>
+              </a:ext>
+              <a:ext uri="{C183D7F6-B498-43B3-948B-1728B52AA6E4}">
+                <adec:decorative xmlns:adec="http://schemas.microsoft.com/office/drawing/2017/decorative" val="1"/>
+              </a:ext>
+            </a:extLst>
+          </p:cNvPr>
+          <p:cNvSpPr>
+            <a:spLocks noGrp="1" noRot="1" noChangeAspect="1" noMove="1" noResize="1" noEditPoints="1" noAdjustHandles="1" noChangeArrowheads="1" noChangeShapeType="1" noTextEdit="1"/>
+          </p:cNvSpPr>
+          <p:nvPr>
+            <p:extLst>
+              <p:ext uri="{386F3935-93C4-4BCD-93E2-E3B085C9AB24}">
+                <p16:designElem xmlns:p16="http://schemas.microsoft.com/office/powerpoint/2015/main" val="1"/>
+              </p:ext>
+            </p:extLst>
+          </p:nvPr>
+        </p:nvSpPr>
+        <p:spPr>
+          <a:xfrm>
+            <a:off x="8115423" y="6115501"/>
+            <a:ext cx="1494513" cy="742499"/>
+          </a:xfrm>
+          <a:prstGeom prst="triangle">
+            <a:avLst/>
+          </a:prstGeom>
+          <a:solidFill>
+            <a:schemeClr val="accent1">
+              <a:alpha val="30000"/>
+            </a:schemeClr>
+          </a:solidFill>
+          <a:ln>
+            <a:noFill/>
+          </a:ln>
+        </p:spPr>
+        <p:style>
+          <a:lnRef idx="2">
+            <a:schemeClr val="accent1">
+              <a:shade val="50000"/>
+            </a:schemeClr>
+          </a:lnRef>
+          <a:fillRef idx="1">
+            <a:schemeClr val="accent1"/>
+          </a:fillRef>
+          <a:effectRef idx="0">
+            <a:schemeClr val="accent1"/>
+          </a:effectRef>
+          <a:fontRef idx="minor">
+            <a:schemeClr val="lt1"/>
+          </a:fontRef>
+        </p:style>
+        <p:txBody>
+          <a:bodyPr wrap="square" rtlCol="0" anchor="ctr">
+            <a:noAutofit/>
+          </a:bodyPr>
+          <a:lstStyle/>
+          <a:p>
+            <a:pPr algn="ctr"/>
+            <a:endParaRPr lang="en-US"/>
+          </a:p>
+        </p:txBody>
+      </p:sp>
+      <p:sp>
+        <p:nvSpPr>
+          <p:cNvPr id="20" name="Isosceles Triangle 19">
+            <a:extLst>
+              <a:ext uri="{FF2B5EF4-FFF2-40B4-BE49-F238E27FC236}">
+                <a16:creationId xmlns:a16="http://schemas.microsoft.com/office/drawing/2014/main" id="{3512E083-F550-46AF-8490-767ECFD00CB7}"/>
+              </a:ext>
+              <a:ext uri="{C183D7F6-B498-43B3-948B-1728B52AA6E4}">
+                <adec:decorative xmlns:adec="http://schemas.microsoft.com/office/drawing/2017/decorative" val="1"/>
+              </a:ext>
+            </a:extLst>
+          </p:cNvPr>
+          <p:cNvSpPr>
+            <a:spLocks noGrp="1" noRot="1" noChangeAspect="1" noMove="1" noResize="1" noEditPoints="1" noAdjustHandles="1" noChangeArrowheads="1" noChangeShapeType="1" noTextEdit="1"/>
+          </p:cNvSpPr>
+          <p:nvPr>
+            <p:extLst>
+              <p:ext uri="{386F3935-93C4-4BCD-93E2-E3B085C9AB24}">
+                <p16:designElem xmlns:p16="http://schemas.microsoft.com/office/powerpoint/2015/main" val="1"/>
+              </p:ext>
+            </p:extLst>
+          </p:nvPr>
+        </p:nvSpPr>
+        <p:spPr>
+          <a:xfrm>
+            <a:off x="9167297" y="6453143"/>
+            <a:ext cx="814903" cy="404857"/>
+          </a:xfrm>
+          <a:prstGeom prst="triangle">
+            <a:avLst/>
+          </a:prstGeom>
+          <a:solidFill>
+            <a:schemeClr val="accent1">
+              <a:alpha val="30000"/>
+            </a:schemeClr>
+          </a:solidFill>
+          <a:ln>
+            <a:noFill/>
+          </a:ln>
+        </p:spPr>
+        <p:style>
+          <a:lnRef idx="2">
+            <a:schemeClr val="accent1">
+              <a:shade val="50000"/>
+            </a:schemeClr>
+          </a:lnRef>
+          <a:fillRef idx="1">
+            <a:schemeClr val="accent1"/>
+          </a:fillRef>
+          <a:effectRef idx="0">
+            <a:schemeClr val="accent1"/>
+          </a:effectRef>
+          <a:fontRef idx="minor">
+            <a:schemeClr val="lt1"/>
+          </a:fontRef>
+        </p:style>
+        <p:txBody>
+          <a:bodyPr wrap="square" rtlCol="0" anchor="ctr">
+            <a:noAutofit/>
+          </a:bodyPr>
+          <a:lstStyle/>
+          <a:p>
+            <a:pPr algn="ctr"/>
+            <a:endParaRPr lang="en-US"/>
+          </a:p>
+        </p:txBody>
+      </p:sp>
+    </p:spTree>
+    <p:extLst>
+      <p:ext uri="{BB962C8B-B14F-4D97-AF65-F5344CB8AC3E}">
+        <p14:creationId xmlns:p14="http://schemas.microsoft.com/office/powerpoint/2010/main" val="2591120960"/>
+      </p:ext>
+    </p:extLst>
+  </p:cSld>
+  <p:clrMapOvr>
+    <a:masterClrMapping/>
+  </p:clrMapOvr>
+</p:sld>
+</file>
+
 <file path=ppt/slides/slide2.xml><?xml version="1.0" encoding="utf-8"?>
 <p:sld xmlns:a="http://schemas.openxmlformats.org/drawingml/2006/main" xmlns:r="http://schemas.openxmlformats.org/officeDocument/2006/relationships" xmlns:p="http://schemas.openxmlformats.org/presentationml/2006/main">
   <p:cSld>
@@ -7331,9 +8788,973 @@
           <a:chExt cx="0" cy="0"/>
         </a:xfrm>
       </p:grpSpPr>
+      <p:sp>
+        <p:nvSpPr>
+          <p:cNvPr id="2" name="Title 1">
+            <a:extLst>
+              <a:ext uri="{FF2B5EF4-FFF2-40B4-BE49-F238E27FC236}">
+                <a16:creationId xmlns:a16="http://schemas.microsoft.com/office/drawing/2014/main" id="{35D1E6C5-4562-40BD-B1AB-E32CDDF23B33}"/>
+              </a:ext>
+            </a:extLst>
+          </p:cNvPr>
+          <p:cNvSpPr>
+            <a:spLocks noGrp="1"/>
+          </p:cNvSpPr>
+          <p:nvPr>
+            <p:ph type="title"/>
+          </p:nvPr>
+        </p:nvSpPr>
+        <p:spPr>
+          <a:xfrm>
+            <a:off x="1075766" y="1188637"/>
+            <a:ext cx="3291833" cy="4480726"/>
+          </a:xfrm>
+        </p:spPr>
+        <p:txBody>
+          <a:bodyPr>
+            <a:normAutofit/>
+          </a:bodyPr>
+          <a:lstStyle/>
+          <a:p>
+            <a:pPr algn="r"/>
+            <a:r>
+              <a:rPr lang="en-US" sz="4600" dirty="0"/>
+              <a:t>Introduction:</a:t>
+            </a:r>
+          </a:p>
+        </p:txBody>
+      </p:sp>
+      <p:sp>
+        <p:nvSpPr>
+          <p:cNvPr id="3" name="Content Placeholder 2">
+            <a:extLst>
+              <a:ext uri="{FF2B5EF4-FFF2-40B4-BE49-F238E27FC236}">
+                <a16:creationId xmlns:a16="http://schemas.microsoft.com/office/drawing/2014/main" id="{4054ADE5-BD49-4D77-B4FA-81C9D72F59C0}"/>
+              </a:ext>
+            </a:extLst>
+          </p:cNvPr>
+          <p:cNvSpPr>
+            <a:spLocks noGrp="1"/>
+          </p:cNvSpPr>
+          <p:nvPr>
+            <p:ph idx="1"/>
+          </p:nvPr>
+        </p:nvSpPr>
+        <p:spPr>
+          <a:xfrm>
+            <a:off x="5255260" y="1648870"/>
+            <a:ext cx="4702848" cy="3560260"/>
+          </a:xfrm>
+        </p:spPr>
+        <p:txBody>
+          <a:bodyPr anchor="ctr">
+            <a:normAutofit fontScale="92500" lnSpcReduction="20000"/>
+          </a:bodyPr>
+          <a:lstStyle/>
+          <a:p>
+            <a:pPr marL="0" indent="0">
+              <a:buNone/>
+            </a:pPr>
+            <a:r>
+              <a:rPr lang="en-US" dirty="0"/>
+              <a:t>The Internet Movie Database (IMDb) is a website that serves as an online database of world cinema containing a large number of public data on films such as the title of the film, the year of release of the film, the genre of the film, the audience, budget, revenue, the rating of critics, the duration of the film, the summary of the film, actors, directors and much more. </a:t>
+            </a:r>
+            <a:endParaRPr lang="en-US" sz="2400" dirty="0"/>
+          </a:p>
+        </p:txBody>
+      </p:sp>
+    </p:spTree>
+    <p:extLst>
+      <p:ext uri="{BB962C8B-B14F-4D97-AF65-F5344CB8AC3E}">
+        <p14:creationId xmlns:p14="http://schemas.microsoft.com/office/powerpoint/2010/main" val="2510354007"/>
+      </p:ext>
+    </p:extLst>
+  </p:cSld>
+  <p:clrMapOvr>
+    <a:masterClrMapping/>
+  </p:clrMapOvr>
+</p:sld>
+</file>
+
+<file path=ppt/slides/slide4.xml><?xml version="1.0" encoding="utf-8"?>
+<p:sld xmlns:a="http://schemas.openxmlformats.org/drawingml/2006/main" xmlns:r="http://schemas.openxmlformats.org/officeDocument/2006/relationships" xmlns:p="http://schemas.openxmlformats.org/presentationml/2006/main">
+  <p:cSld>
+    <p:bg>
+      <p:bgPr>
+        <a:solidFill>
+          <a:schemeClr val="bg1"/>
+        </a:solidFill>
+        <a:effectLst/>
+      </p:bgPr>
+    </p:bg>
+    <p:spTree>
+      <p:nvGrpSpPr>
+        <p:cNvPr id="1" name=""/>
+        <p:cNvGrpSpPr/>
+        <p:nvPr/>
+      </p:nvGrpSpPr>
+      <p:grpSpPr>
+        <a:xfrm>
+          <a:off x="0" y="0"/>
+          <a:ext cx="0" cy="0"/>
+          <a:chOff x="0" y="0"/>
+          <a:chExt cx="0" cy="0"/>
+        </a:xfrm>
+      </p:grpSpPr>
+      <p:sp>
+        <p:nvSpPr>
+          <p:cNvPr id="2" name="Title 1">
+            <a:extLst>
+              <a:ext uri="{FF2B5EF4-FFF2-40B4-BE49-F238E27FC236}">
+                <a16:creationId xmlns:a16="http://schemas.microsoft.com/office/drawing/2014/main" id="{35F0D6C3-C5E5-418B-AB91-EB4A93659F4E}"/>
+              </a:ext>
+            </a:extLst>
+          </p:cNvPr>
+          <p:cNvSpPr>
+            <a:spLocks noGrp="1"/>
+          </p:cNvSpPr>
+          <p:nvPr>
+            <p:ph type="title"/>
+          </p:nvPr>
+        </p:nvSpPr>
+        <p:spPr>
+          <a:xfrm>
+            <a:off x="643467" y="321734"/>
+            <a:ext cx="10905066" cy="1135737"/>
+          </a:xfrm>
+        </p:spPr>
+        <p:txBody>
+          <a:bodyPr>
+            <a:normAutofit/>
+          </a:bodyPr>
+          <a:lstStyle/>
+          <a:p>
+            <a:r>
+              <a:rPr lang="en-US" sz="3600" dirty="0"/>
+              <a:t>Scope &amp; Purpose:</a:t>
+            </a:r>
+          </a:p>
+        </p:txBody>
+      </p:sp>
+      <p:sp>
+        <p:nvSpPr>
+          <p:cNvPr id="3" name="Content Placeholder 2">
+            <a:extLst>
+              <a:ext uri="{FF2B5EF4-FFF2-40B4-BE49-F238E27FC236}">
+                <a16:creationId xmlns:a16="http://schemas.microsoft.com/office/drawing/2014/main" id="{552E464F-CDEF-4DE8-92FA-9ED6217A462F}"/>
+              </a:ext>
+            </a:extLst>
+          </p:cNvPr>
+          <p:cNvSpPr>
+            <a:spLocks noGrp="1"/>
+          </p:cNvSpPr>
+          <p:nvPr>
+            <p:ph idx="1"/>
+          </p:nvPr>
+        </p:nvSpPr>
+        <p:spPr>
+          <a:xfrm>
+            <a:off x="643468" y="1782981"/>
+            <a:ext cx="6891188" cy="4393982"/>
+          </a:xfrm>
+        </p:spPr>
+        <p:txBody>
+          <a:bodyPr>
+            <a:normAutofit/>
+          </a:bodyPr>
+          <a:lstStyle/>
+          <a:p>
+            <a:r>
+              <a:rPr lang="en-US" sz="2000" dirty="0">
+                <a:solidFill>
+                  <a:srgbClr val="FF0000"/>
+                </a:solidFill>
+              </a:rPr>
+              <a:t>Analyze the data available on IMDB for movies released between 2000 and 2019.</a:t>
+            </a:r>
+          </a:p>
+          <a:p>
+            <a:endParaRPr lang="en-US" sz="2000" dirty="0">
+              <a:solidFill>
+                <a:srgbClr val="FF0000"/>
+              </a:solidFill>
+            </a:endParaRPr>
+          </a:p>
+          <a:p>
+            <a:r>
+              <a:rPr lang="en-US" sz="2000" dirty="0">
+                <a:solidFill>
+                  <a:srgbClr val="FF0000"/>
+                </a:solidFill>
+              </a:rPr>
+              <a:t>Questions that our analysis will answer:</a:t>
+            </a:r>
+          </a:p>
+          <a:p>
+            <a:r>
+              <a:rPr lang="en-US" sz="2000" dirty="0">
+                <a:solidFill>
+                  <a:srgbClr val="FF0000"/>
+                </a:solidFill>
+              </a:rPr>
+              <a:t>Which genres have the most movies?</a:t>
+            </a:r>
+          </a:p>
+          <a:p>
+            <a:r>
+              <a:rPr lang="en-US" sz="2000" dirty="0">
+                <a:solidFill>
+                  <a:srgbClr val="FF0000"/>
+                </a:solidFill>
+              </a:rPr>
+              <a:t>Which genres have high production budgets?</a:t>
+            </a:r>
+          </a:p>
+          <a:p>
+            <a:r>
+              <a:rPr lang="en-US" sz="2000" dirty="0">
+                <a:solidFill>
+                  <a:srgbClr val="FF0000"/>
+                </a:solidFill>
+              </a:rPr>
+              <a:t>Which genres are more profitable?</a:t>
+            </a:r>
+          </a:p>
+        </p:txBody>
+      </p:sp>
+      <p:pic>
+        <p:nvPicPr>
+          <p:cNvPr id="7" name="Picture 2">
+            <a:extLst>
+              <a:ext uri="{FF2B5EF4-FFF2-40B4-BE49-F238E27FC236}">
+                <a16:creationId xmlns:a16="http://schemas.microsoft.com/office/drawing/2014/main" id="{7F43D4B8-AA7B-429C-88A7-220B93DBC32C}"/>
+              </a:ext>
+            </a:extLst>
+          </p:cNvPr>
+          <p:cNvPicPr>
+            <a:picLocks noChangeAspect="1" noChangeArrowheads="1"/>
+          </p:cNvPicPr>
+          <p:nvPr/>
+        </p:nvPicPr>
+        <p:blipFill rotWithShape="1">
+          <a:blip r:embed="rId2">
+            <a:extLst>
+              <a:ext uri="{28A0092B-C50C-407E-A947-70E740481C1C}">
+                <a14:useLocalDpi xmlns:a14="http://schemas.microsoft.com/office/drawing/2010/main" val="0"/>
+              </a:ext>
+            </a:extLst>
+          </a:blip>
+          <a:srcRect l="12299" r="12341"/>
+          <a:stretch/>
+        </p:blipFill>
+        <p:spPr bwMode="auto">
+          <a:xfrm>
+            <a:off x="7777393" y="1976277"/>
+            <a:ext cx="4414606" cy="4881723"/>
+          </a:xfrm>
+          <a:custGeom>
+            <a:avLst/>
+            <a:gdLst/>
+            <a:ahLst/>
+            <a:cxnLst/>
+            <a:rect l="l" t="t" r="r" b="b"/>
+            <a:pathLst>
+              <a:path w="4414606" h="4881723">
+                <a:moveTo>
+                  <a:pt x="3151661" y="0"/>
+                </a:moveTo>
+                <a:lnTo>
+                  <a:pt x="4414606" y="1262946"/>
+                </a:lnTo>
+                <a:lnTo>
+                  <a:pt x="4414606" y="4881723"/>
+                </a:lnTo>
+                <a:lnTo>
+                  <a:pt x="1730061" y="4881723"/>
+                </a:lnTo>
+                <a:lnTo>
+                  <a:pt x="0" y="3151662"/>
+                </a:lnTo>
+                <a:close/>
+              </a:path>
+            </a:pathLst>
+          </a:custGeom>
+          <a:noFill/>
+          <a:extLst>
+            <a:ext uri="{909E8E84-426E-40DD-AFC4-6F175D3DCCD1}">
+              <a14:hiddenFill xmlns:a14="http://schemas.microsoft.com/office/drawing/2010/main">
+                <a:solidFill>
+                  <a:srgbClr val="FFFFFF"/>
+                </a:solidFill>
+              </a14:hiddenFill>
+            </a:ext>
+          </a:extLst>
+        </p:spPr>
+      </p:pic>
+    </p:spTree>
+    <p:extLst>
+      <p:ext uri="{BB962C8B-B14F-4D97-AF65-F5344CB8AC3E}">
+        <p14:creationId xmlns:p14="http://schemas.microsoft.com/office/powerpoint/2010/main" val="1257611211"/>
+      </p:ext>
+    </p:extLst>
+  </p:cSld>
+  <p:clrMapOvr>
+    <a:masterClrMapping/>
+  </p:clrMapOvr>
+</p:sld>
+</file>
+
+<file path=ppt/slides/slide5.xml><?xml version="1.0" encoding="utf-8"?>
+<p:sld xmlns:a="http://schemas.openxmlformats.org/drawingml/2006/main" xmlns:r="http://schemas.openxmlformats.org/officeDocument/2006/relationships" xmlns:p="http://schemas.openxmlformats.org/presentationml/2006/main">
+  <p:cSld>
+    <p:bg>
+      <p:bgPr>
+        <a:solidFill>
+          <a:schemeClr val="bg1"/>
+        </a:solidFill>
+        <a:effectLst/>
+      </p:bgPr>
+    </p:bg>
+    <p:spTree>
+      <p:nvGrpSpPr>
+        <p:cNvPr id="1" name=""/>
+        <p:cNvGrpSpPr/>
+        <p:nvPr/>
+      </p:nvGrpSpPr>
+      <p:grpSpPr>
+        <a:xfrm>
+          <a:off x="0" y="0"/>
+          <a:ext cx="0" cy="0"/>
+          <a:chOff x="0" y="0"/>
+          <a:chExt cx="0" cy="0"/>
+        </a:xfrm>
+      </p:grpSpPr>
+      <p:sp>
+        <p:nvSpPr>
+          <p:cNvPr id="2" name="Title 1">
+            <a:extLst>
+              <a:ext uri="{FF2B5EF4-FFF2-40B4-BE49-F238E27FC236}">
+                <a16:creationId xmlns:a16="http://schemas.microsoft.com/office/drawing/2014/main" id="{474CE369-02DE-47F1-A173-78B3901BA910}"/>
+              </a:ext>
+            </a:extLst>
+          </p:cNvPr>
+          <p:cNvSpPr>
+            <a:spLocks noGrp="1"/>
+          </p:cNvSpPr>
+          <p:nvPr>
+            <p:ph type="title"/>
+          </p:nvPr>
+        </p:nvSpPr>
+        <p:spPr>
+          <a:xfrm>
+            <a:off x="804672" y="365125"/>
+            <a:ext cx="5266155" cy="1325563"/>
+          </a:xfrm>
+        </p:spPr>
+        <p:txBody>
+          <a:bodyPr vert="horz" lIns="91440" tIns="45720" rIns="91440" bIns="45720" rtlCol="0" anchor="ctr">
+            <a:normAutofit/>
+          </a:bodyPr>
+          <a:lstStyle/>
+          <a:p>
+            <a:r>
+              <a:rPr lang="en-US" dirty="0"/>
+              <a:t>Data Exploration:</a:t>
+            </a:r>
+          </a:p>
+        </p:txBody>
+      </p:sp>
+      <p:sp>
+        <p:nvSpPr>
+          <p:cNvPr id="3" name="Content Placeholder 2">
+            <a:extLst>
+              <a:ext uri="{FF2B5EF4-FFF2-40B4-BE49-F238E27FC236}">
+                <a16:creationId xmlns:a16="http://schemas.microsoft.com/office/drawing/2014/main" id="{90D66247-254B-4709-B125-2C1314F27059}"/>
+              </a:ext>
+            </a:extLst>
+          </p:cNvPr>
+          <p:cNvSpPr>
+            <a:spLocks noGrp="1"/>
+          </p:cNvSpPr>
+          <p:nvPr>
+            <p:ph sz="half" idx="1"/>
+          </p:nvPr>
+        </p:nvSpPr>
+        <p:spPr>
+          <a:xfrm>
+            <a:off x="804672" y="2022601"/>
+            <a:ext cx="3941499" cy="4154361"/>
+          </a:xfrm>
+        </p:spPr>
+        <p:txBody>
+          <a:bodyPr vert="horz" lIns="91440" tIns="45720" rIns="91440" bIns="45720" rtlCol="0">
+            <a:normAutofit/>
+          </a:bodyPr>
+          <a:lstStyle/>
+          <a:p>
+            <a:pPr marL="514350" indent="-514350">
+              <a:buAutoNum type="arabicPeriod"/>
+            </a:pPr>
+            <a:r>
+              <a:rPr lang="en-US" sz="2000" dirty="0"/>
+              <a:t>Data Exploration:  </a:t>
+            </a:r>
+          </a:p>
+          <a:p>
+            <a:pPr marL="0" indent="0">
+              <a:buNone/>
+            </a:pPr>
+            <a:r>
+              <a:rPr lang="en-US" sz="2000" dirty="0"/>
+              <a:t>After hunting for data on the internet, we used the IMDB database and an API key to extract raw data.  This database contains a large volume of unstructured data which need to be cleaned and structured for use in research and education.</a:t>
+            </a:r>
+          </a:p>
+          <a:p>
+            <a:pPr marL="0" indent="0">
+              <a:buNone/>
+            </a:pPr>
+            <a:endParaRPr lang="en-US" sz="2000" dirty="0"/>
+          </a:p>
+          <a:p>
+            <a:endParaRPr lang="en-US" sz="2000" dirty="0"/>
+          </a:p>
+        </p:txBody>
+      </p:sp>
+      <p:pic>
+        <p:nvPicPr>
+          <p:cNvPr id="5" name="Picture 2">
+            <a:extLst>
+              <a:ext uri="{FF2B5EF4-FFF2-40B4-BE49-F238E27FC236}">
+                <a16:creationId xmlns:a16="http://schemas.microsoft.com/office/drawing/2014/main" id="{22875A9D-0F53-4B64-A27B-799F75D62C01}"/>
+              </a:ext>
+            </a:extLst>
+          </p:cNvPr>
+          <p:cNvPicPr>
+            <a:picLocks noGrp="1" noChangeAspect="1" noChangeArrowheads="1"/>
+          </p:cNvPicPr>
+          <p:nvPr>
+            <p:ph sz="half" idx="2"/>
+          </p:nvPr>
+        </p:nvPicPr>
+        <p:blipFill rotWithShape="1">
+          <a:blip r:embed="rId2">
+            <a:extLst>
+              <a:ext uri="{28A0092B-C50C-407E-A947-70E740481C1C}">
+                <a14:useLocalDpi xmlns:a14="http://schemas.microsoft.com/office/drawing/2010/main" val="0"/>
+              </a:ext>
+            </a:extLst>
+          </a:blip>
+          <a:srcRect l="6436" r="6438"/>
+          <a:stretch/>
+        </p:blipFill>
+        <p:spPr bwMode="auto">
+          <a:xfrm>
+            <a:off x="4117521" y="10"/>
+            <a:ext cx="8074479" cy="6857990"/>
+          </a:xfrm>
+          <a:prstGeom prst="rect">
+            <a:avLst/>
+          </a:prstGeom>
+          <a:noFill/>
+          <a:extLst>
+            <a:ext uri="{909E8E84-426E-40DD-AFC4-6F175D3DCCD1}">
+              <a14:hiddenFill xmlns:a14="http://schemas.microsoft.com/office/drawing/2010/main">
+                <a:solidFill>
+                  <a:srgbClr val="FFFFFF"/>
+                </a:solidFill>
+              </a14:hiddenFill>
+            </a:ext>
+          </a:extLst>
+        </p:spPr>
+      </p:pic>
+    </p:spTree>
+    <p:extLst>
+      <p:ext uri="{BB962C8B-B14F-4D97-AF65-F5344CB8AC3E}">
+        <p14:creationId xmlns:p14="http://schemas.microsoft.com/office/powerpoint/2010/main" val="1075817786"/>
+      </p:ext>
+    </p:extLst>
+  </p:cSld>
+  <p:clrMapOvr>
+    <a:overrideClrMapping bg1="dk1" tx1="lt1" bg2="dk2" tx2="lt2" accent1="accent1" accent2="accent2" accent3="accent3" accent4="accent4" accent5="accent5" accent6="accent6" hlink="hlink" folHlink="folHlink"/>
+  </p:clrMapOvr>
+</p:sld>
+</file>
+
+<file path=ppt/slides/slide6.xml><?xml version="1.0" encoding="utf-8"?>
+<p:sld xmlns:a="http://schemas.openxmlformats.org/drawingml/2006/main" xmlns:r="http://schemas.openxmlformats.org/officeDocument/2006/relationships" xmlns:p="http://schemas.openxmlformats.org/presentationml/2006/main">
+  <p:cSld>
+    <p:bg>
+      <p:bgPr>
+        <a:solidFill>
+          <a:schemeClr val="bg1"/>
+        </a:solidFill>
+        <a:effectLst/>
+      </p:bgPr>
+    </p:bg>
+    <p:spTree>
+      <p:nvGrpSpPr>
+        <p:cNvPr id="1" name=""/>
+        <p:cNvGrpSpPr/>
+        <p:nvPr/>
+      </p:nvGrpSpPr>
+      <p:grpSpPr>
+        <a:xfrm>
+          <a:off x="0" y="0"/>
+          <a:ext cx="0" cy="0"/>
+          <a:chOff x="0" y="0"/>
+          <a:chExt cx="0" cy="0"/>
+        </a:xfrm>
+      </p:grpSpPr>
+      <p:sp>
+        <p:nvSpPr>
+          <p:cNvPr id="2" name="Title 1">
+            <a:extLst>
+              <a:ext uri="{FF2B5EF4-FFF2-40B4-BE49-F238E27FC236}">
+                <a16:creationId xmlns:a16="http://schemas.microsoft.com/office/drawing/2014/main" id="{07808FF8-09A9-4433-BDC1-19CA339CE96A}"/>
+              </a:ext>
+            </a:extLst>
+          </p:cNvPr>
+          <p:cNvSpPr>
+            <a:spLocks noGrp="1"/>
+          </p:cNvSpPr>
+          <p:nvPr>
+            <p:ph type="title"/>
+          </p:nvPr>
+        </p:nvSpPr>
+        <p:spPr>
+          <a:xfrm>
+            <a:off x="6094105" y="802955"/>
+            <a:ext cx="4977976" cy="1454051"/>
+          </a:xfrm>
+        </p:spPr>
+        <p:txBody>
+          <a:bodyPr vert="horz" lIns="91440" tIns="45720" rIns="91440" bIns="45720" rtlCol="0" anchor="ctr">
+            <a:normAutofit/>
+          </a:bodyPr>
+          <a:lstStyle/>
+          <a:p>
+            <a:r>
+              <a:rPr lang="en-US" dirty="0">
+                <a:solidFill>
+                  <a:srgbClr val="000000"/>
+                </a:solidFill>
+              </a:rPr>
+              <a:t>Data cleanup:</a:t>
+            </a:r>
+          </a:p>
+        </p:txBody>
+      </p:sp>
+      <p:sp>
+        <p:nvSpPr>
+          <p:cNvPr id="3078" name="Content Placeholder 3077">
+            <a:extLst>
+              <a:ext uri="{FF2B5EF4-FFF2-40B4-BE49-F238E27FC236}">
+                <a16:creationId xmlns:a16="http://schemas.microsoft.com/office/drawing/2014/main" id="{B93B81CC-AA9F-4093-BCDF-BE004F80780E}"/>
+              </a:ext>
+            </a:extLst>
+          </p:cNvPr>
+          <p:cNvSpPr>
+            <a:spLocks noGrp="1"/>
+          </p:cNvSpPr>
+          <p:nvPr>
+            <p:ph sz="half" idx="1"/>
+          </p:nvPr>
+        </p:nvSpPr>
+        <p:spPr>
+          <a:xfrm>
+            <a:off x="6090574" y="2421682"/>
+            <a:ext cx="4977578" cy="3639289"/>
+          </a:xfrm>
+        </p:spPr>
+        <p:txBody>
+          <a:bodyPr vert="horz" lIns="91440" tIns="45720" rIns="91440" bIns="45720" rtlCol="0" anchor="ctr">
+            <a:normAutofit fontScale="92500" lnSpcReduction="20000"/>
+          </a:bodyPr>
+          <a:lstStyle/>
+          <a:p>
+            <a:r>
+              <a:rPr lang="en-US" sz="2000" dirty="0">
+                <a:solidFill>
+                  <a:srgbClr val="000000"/>
+                </a:solidFill>
+              </a:rPr>
+              <a:t>Inventorying data</a:t>
+            </a:r>
+          </a:p>
+          <a:p>
+            <a:r>
+              <a:rPr lang="en-US" sz="2000" dirty="0">
+                <a:solidFill>
+                  <a:srgbClr val="000000"/>
+                </a:solidFill>
+              </a:rPr>
+              <a:t>Data selection</a:t>
+            </a:r>
+          </a:p>
+          <a:p>
+            <a:pPr lvl="1"/>
+            <a:r>
+              <a:rPr lang="en-US" sz="1600" dirty="0">
+                <a:solidFill>
+                  <a:srgbClr val="000000"/>
+                </a:solidFill>
+              </a:rPr>
+              <a:t>Movie title</a:t>
+            </a:r>
+          </a:p>
+          <a:p>
+            <a:pPr lvl="1"/>
+            <a:r>
+              <a:rPr lang="en-US" sz="1600" dirty="0">
+                <a:solidFill>
+                  <a:srgbClr val="000000"/>
+                </a:solidFill>
+              </a:rPr>
+              <a:t>Genre</a:t>
+            </a:r>
+          </a:p>
+          <a:p>
+            <a:pPr lvl="1"/>
+            <a:r>
+              <a:rPr lang="en-US" sz="1600" dirty="0">
+                <a:solidFill>
+                  <a:srgbClr val="000000"/>
+                </a:solidFill>
+              </a:rPr>
+              <a:t>Year</a:t>
+            </a:r>
+          </a:p>
+          <a:p>
+            <a:pPr lvl="1"/>
+            <a:r>
+              <a:rPr lang="en-US" sz="1600" dirty="0">
+                <a:solidFill>
+                  <a:srgbClr val="000000"/>
+                </a:solidFill>
+              </a:rPr>
+              <a:t>Budget</a:t>
+            </a:r>
+          </a:p>
+          <a:p>
+            <a:pPr lvl="1"/>
+            <a:r>
+              <a:rPr lang="en-US" sz="1600" dirty="0">
+                <a:solidFill>
+                  <a:srgbClr val="000000"/>
+                </a:solidFill>
+              </a:rPr>
+              <a:t>Revenue</a:t>
+            </a:r>
+          </a:p>
+          <a:p>
+            <a:r>
+              <a:rPr lang="en-US" sz="2000" dirty="0"/>
+              <a:t>IMDB’s code is HTML, CSS &amp; </a:t>
+            </a:r>
+            <a:r>
+              <a:rPr lang="en-US" sz="2000" dirty="0" err="1"/>
+              <a:t>Javascript</a:t>
+            </a:r>
+            <a:r>
+              <a:rPr lang="en-US" sz="2000" dirty="0"/>
+              <a:t>, after parsing and recovering data, we developed a csv file and JSON to conduct analysis on.</a:t>
+            </a:r>
+          </a:p>
+          <a:p>
+            <a:r>
+              <a:rPr lang="en-US" sz="2000" dirty="0"/>
+              <a:t>Used python script to scrape data</a:t>
+            </a:r>
+          </a:p>
+          <a:p>
+            <a:r>
+              <a:rPr lang="en-US" sz="2000" dirty="0"/>
+              <a:t>Updated python script to not take into account movies with missing data</a:t>
+            </a:r>
+            <a:br>
+              <a:rPr lang="en-US" sz="2000" dirty="0"/>
+            </a:br>
+            <a:endParaRPr lang="en-US" sz="2000" dirty="0"/>
+          </a:p>
+          <a:p>
+            <a:pPr lvl="1"/>
+            <a:endParaRPr lang="en-US" sz="1600" dirty="0">
+              <a:solidFill>
+                <a:srgbClr val="000000"/>
+              </a:solidFill>
+            </a:endParaRPr>
+          </a:p>
+        </p:txBody>
+      </p:sp>
+      <p:pic>
+        <p:nvPicPr>
+          <p:cNvPr id="3074" name="Picture 2" descr="A close up of a logo&#10;&#10;Description automatically generated">
+            <a:extLst>
+              <a:ext uri="{FF2B5EF4-FFF2-40B4-BE49-F238E27FC236}">
+                <a16:creationId xmlns:a16="http://schemas.microsoft.com/office/drawing/2014/main" id="{70B69133-FD43-457A-82D4-FA1E64D4F22A}"/>
+              </a:ext>
+            </a:extLst>
+          </p:cNvPr>
+          <p:cNvPicPr>
+            <a:picLocks noChangeAspect="1" noChangeArrowheads="1"/>
+          </p:cNvPicPr>
+          <p:nvPr/>
+        </p:nvPicPr>
+        <p:blipFill rotWithShape="1">
+          <a:blip r:embed="rId2">
+            <a:alphaModFix/>
+            <a:extLst>
+              <a:ext uri="{28A0092B-C50C-407E-A947-70E740481C1C}">
+                <a14:useLocalDpi xmlns:a14="http://schemas.microsoft.com/office/drawing/2010/main" val="0"/>
+              </a:ext>
+            </a:extLst>
+          </a:blip>
+          <a:srcRect l="30480" r="5941" b="2"/>
+          <a:stretch/>
+        </p:blipFill>
+        <p:spPr bwMode="auto">
+          <a:xfrm>
+            <a:off x="20" y="907231"/>
+            <a:ext cx="4838021" cy="5063738"/>
+          </a:xfrm>
+          <a:custGeom>
+            <a:avLst/>
+            <a:gdLst/>
+            <a:ahLst/>
+            <a:cxnLst/>
+            <a:rect l="l" t="t" r="r" b="b"/>
+            <a:pathLst>
+              <a:path w="4838041" h="5063738">
+                <a:moveTo>
+                  <a:pt x="2306172" y="0"/>
+                </a:moveTo>
+                <a:cubicBezTo>
+                  <a:pt x="3704485" y="0"/>
+                  <a:pt x="4838041" y="1133556"/>
+                  <a:pt x="4838041" y="2531869"/>
+                </a:cubicBezTo>
+                <a:cubicBezTo>
+                  <a:pt x="4838041" y="3930182"/>
+                  <a:pt x="3704485" y="5063738"/>
+                  <a:pt x="2306172" y="5063738"/>
+                </a:cubicBezTo>
+                <a:cubicBezTo>
+                  <a:pt x="1344832" y="5063738"/>
+                  <a:pt x="508631" y="4527956"/>
+                  <a:pt x="79886" y="3738709"/>
+                </a:cubicBezTo>
+                <a:lnTo>
+                  <a:pt x="0" y="3572876"/>
+                </a:lnTo>
+                <a:lnTo>
+                  <a:pt x="0" y="1490863"/>
+                </a:lnTo>
+                <a:lnTo>
+                  <a:pt x="79886" y="1325030"/>
+                </a:lnTo>
+                <a:cubicBezTo>
+                  <a:pt x="508631" y="535783"/>
+                  <a:pt x="1344832" y="0"/>
+                  <a:pt x="2306172" y="0"/>
+                </a:cubicBezTo>
+                <a:close/>
+              </a:path>
+            </a:pathLst>
+          </a:custGeom>
+          <a:noFill/>
+          <a:effectLst>
+            <a:softEdge rad="0"/>
+          </a:effectLst>
+          <a:extLst>
+            <a:ext uri="{909E8E84-426E-40DD-AFC4-6F175D3DCCD1}">
+              <a14:hiddenFill xmlns:a14="http://schemas.microsoft.com/office/drawing/2010/main">
+                <a:solidFill>
+                  <a:srgbClr val="FFFFFF"/>
+                </a:solidFill>
+              </a14:hiddenFill>
+            </a:ext>
+          </a:extLst>
+        </p:spPr>
+      </p:pic>
+    </p:spTree>
+    <p:extLst>
+      <p:ext uri="{BB962C8B-B14F-4D97-AF65-F5344CB8AC3E}">
+        <p14:creationId xmlns:p14="http://schemas.microsoft.com/office/powerpoint/2010/main" val="66620125"/>
+      </p:ext>
+    </p:extLst>
+  </p:cSld>
+  <p:clrMapOvr>
+    <a:masterClrMapping/>
+  </p:clrMapOvr>
+</p:sld>
+</file>
+
+<file path=ppt/slides/slide7.xml><?xml version="1.0" encoding="utf-8"?>
+<p:sld xmlns:a="http://schemas.openxmlformats.org/drawingml/2006/main" xmlns:r="http://schemas.openxmlformats.org/officeDocument/2006/relationships" xmlns:p="http://schemas.openxmlformats.org/presentationml/2006/main">
+  <p:cSld>
+    <p:bg>
+      <p:bgPr>
+        <a:solidFill>
+          <a:schemeClr val="bg1"/>
+        </a:solidFill>
+        <a:effectLst/>
+      </p:bgPr>
+    </p:bg>
+    <p:spTree>
+      <p:nvGrpSpPr>
+        <p:cNvPr id="1" name=""/>
+        <p:cNvGrpSpPr/>
+        <p:nvPr/>
+      </p:nvGrpSpPr>
+      <p:grpSpPr>
+        <a:xfrm>
+          <a:off x="0" y="0"/>
+          <a:ext cx="0" cy="0"/>
+          <a:chOff x="0" y="0"/>
+          <a:chExt cx="0" cy="0"/>
+        </a:xfrm>
+      </p:grpSpPr>
+      <p:sp>
+        <p:nvSpPr>
+          <p:cNvPr id="2" name="Title 1">
+            <a:extLst>
+              <a:ext uri="{FF2B5EF4-FFF2-40B4-BE49-F238E27FC236}">
+                <a16:creationId xmlns:a16="http://schemas.microsoft.com/office/drawing/2014/main" id="{252198A7-1F20-43A6-AFE7-F38257D907C4}"/>
+              </a:ext>
+            </a:extLst>
+          </p:cNvPr>
+          <p:cNvSpPr>
+            <a:spLocks noGrp="1"/>
+          </p:cNvSpPr>
+          <p:nvPr>
+            <p:ph type="title"/>
+          </p:nvPr>
+        </p:nvSpPr>
+        <p:spPr>
+          <a:xfrm>
+            <a:off x="643466" y="321734"/>
+            <a:ext cx="6891187" cy="1135737"/>
+          </a:xfrm>
+        </p:spPr>
+        <p:txBody>
+          <a:bodyPr>
+            <a:normAutofit fontScale="90000"/>
+          </a:bodyPr>
+          <a:lstStyle/>
+          <a:p>
+            <a:r>
+              <a:rPr lang="en-US" sz="3600" dirty="0"/>
+              <a:t>Analysis process: </a:t>
+            </a:r>
+            <a:r>
+              <a:rPr lang="en-US" sz="2700" dirty="0"/>
+              <a:t>Used pandas library to have an overview of the datasets.  The following are category types for our statistical data analysis and modeling:</a:t>
+            </a:r>
+            <a:endParaRPr lang="en-US" sz="3600" dirty="0"/>
+          </a:p>
+        </p:txBody>
+      </p:sp>
+      <p:graphicFrame>
+        <p:nvGraphicFramePr>
+          <p:cNvPr id="22" name="Content Placeholder 2">
+            <a:extLst>
+              <a:ext uri="{FF2B5EF4-FFF2-40B4-BE49-F238E27FC236}">
+                <a16:creationId xmlns:a16="http://schemas.microsoft.com/office/drawing/2014/main" id="{814D1418-6560-4540-81A0-C299FD375CBB}"/>
+              </a:ext>
+            </a:extLst>
+          </p:cNvPr>
+          <p:cNvGraphicFramePr>
+            <a:graphicFrameLocks noGrp="1"/>
+          </p:cNvGraphicFramePr>
+          <p:nvPr>
+            <p:ph idx="1"/>
+            <p:extLst>
+              <p:ext uri="{D42A27DB-BD31-4B8C-83A1-F6EECF244321}">
+                <p14:modId xmlns:p14="http://schemas.microsoft.com/office/powerpoint/2010/main" val="3463940730"/>
+              </p:ext>
+            </p:extLst>
+          </p:nvPr>
+        </p:nvGraphicFramePr>
+        <p:xfrm>
+          <a:off x="643467" y="1782981"/>
+          <a:ext cx="6891187" cy="4393982"/>
+        </p:xfrm>
+        <a:graphic>
+          <a:graphicData uri="http://schemas.openxmlformats.org/drawingml/2006/diagram">
+            <dgm:relIds xmlns:dgm="http://schemas.openxmlformats.org/drawingml/2006/diagram" xmlns:r="http://schemas.openxmlformats.org/officeDocument/2006/relationships" r:dm="rId2" r:lo="rId3" r:qs="rId4" r:cs="rId5"/>
+          </a:graphicData>
+        </a:graphic>
+      </p:graphicFrame>
+      <p:pic>
+        <p:nvPicPr>
+          <p:cNvPr id="24" name="Picture 23" descr="A close up of a logo&#10;&#10;Description automatically generated">
+            <a:extLst>
+              <a:ext uri="{FF2B5EF4-FFF2-40B4-BE49-F238E27FC236}">
+                <a16:creationId xmlns:a16="http://schemas.microsoft.com/office/drawing/2014/main" id="{9FF8932A-58B9-417E-AC6F-D143CB99DCAB}"/>
+              </a:ext>
+            </a:extLst>
+          </p:cNvPr>
+          <p:cNvPicPr>
+            <a:picLocks noChangeAspect="1"/>
+          </p:cNvPicPr>
+          <p:nvPr/>
+        </p:nvPicPr>
+        <p:blipFill rotWithShape="1">
+          <a:blip r:embed="rId7"/>
+          <a:srcRect l="16021" r="44590"/>
+          <a:stretch/>
+        </p:blipFill>
+        <p:spPr>
+          <a:xfrm>
+            <a:off x="8129873" y="10"/>
+            <a:ext cx="4062128" cy="6857990"/>
+          </a:xfrm>
+          <a:prstGeom prst="rect">
+            <a:avLst/>
+          </a:prstGeom>
+        </p:spPr>
+      </p:pic>
+    </p:spTree>
+    <p:extLst>
+      <p:ext uri="{BB962C8B-B14F-4D97-AF65-F5344CB8AC3E}">
+        <p14:creationId xmlns:p14="http://schemas.microsoft.com/office/powerpoint/2010/main" val="1679035602"/>
+      </p:ext>
+    </p:extLst>
+  </p:cSld>
+  <p:clrMapOvr>
+    <a:masterClrMapping/>
+  </p:clrMapOvr>
+</p:sld>
+</file>
+
+<file path=ppt/slides/slide8.xml><?xml version="1.0" encoding="utf-8"?>
+<p:sld xmlns:a="http://schemas.openxmlformats.org/drawingml/2006/main" xmlns:r="http://schemas.openxmlformats.org/officeDocument/2006/relationships" xmlns:p="http://schemas.openxmlformats.org/presentationml/2006/main">
+  <p:cSld>
+    <p:bg>
+      <p:bgPr>
+        <a:solidFill>
+          <a:schemeClr val="bg1"/>
+        </a:solidFill>
+        <a:effectLst/>
+      </p:bgPr>
+    </p:bg>
+    <p:spTree>
+      <p:nvGrpSpPr>
+        <p:cNvPr id="1" name=""/>
+        <p:cNvGrpSpPr/>
+        <p:nvPr/>
+      </p:nvGrpSpPr>
+      <p:grpSpPr>
+        <a:xfrm>
+          <a:off x="0" y="0"/>
+          <a:ext cx="0" cy="0"/>
+          <a:chOff x="0" y="0"/>
+          <a:chExt cx="0" cy="0"/>
+        </a:xfrm>
+      </p:grpSpPr>
       <p:sp useBgFill="1">
         <p:nvSpPr>
-          <p:cNvPr id="15" name="Rectangle 7">
+          <p:cNvPr id="9" name="Rectangle 8">
             <a:extLst>
               <a:ext uri="{FF2B5EF4-FFF2-40B4-BE49-F238E27FC236}">
                 <a16:creationId xmlns:a16="http://schemas.microsoft.com/office/drawing/2014/main" id="{081EA652-8C6A-4E69-BEB9-170809474553}"/>
@@ -7393,7 +9814,199 @@
       </p:sp>
       <p:sp>
         <p:nvSpPr>
-          <p:cNvPr id="16" name="Right Triangle 9">
+          <p:cNvPr id="11" name="Freeform: Shape 10">
+            <a:extLst>
+              <a:ext uri="{FF2B5EF4-FFF2-40B4-BE49-F238E27FC236}">
+                <a16:creationId xmlns:a16="http://schemas.microsoft.com/office/drawing/2014/main" id="{A4026A73-1F7F-49F2-B319-8CA3B3D53269}"/>
+              </a:ext>
+              <a:ext uri="{C183D7F6-B498-43B3-948B-1728B52AA6E4}">
+                <adec:decorative xmlns:adec="http://schemas.microsoft.com/office/drawing/2017/decorative" val="1"/>
+              </a:ext>
+            </a:extLst>
+          </p:cNvPr>
+          <p:cNvSpPr>
+            <a:spLocks noGrp="1" noRot="1" noChangeAspect="1" noMove="1" noResize="1" noEditPoints="1" noAdjustHandles="1" noChangeArrowheads="1" noChangeShapeType="1" noTextEdit="1"/>
+          </p:cNvSpPr>
+          <p:nvPr>
+            <p:extLst>
+              <p:ext uri="{386F3935-93C4-4BCD-93E2-E3B085C9AB24}">
+                <p16:designElem xmlns:p16="http://schemas.microsoft.com/office/powerpoint/2015/main" val="1"/>
+              </p:ext>
+            </p:extLst>
+          </p:nvPr>
+        </p:nvSpPr>
+        <p:spPr>
+          <a:xfrm>
+            <a:off x="321732" y="321733"/>
+            <a:ext cx="11546828" cy="6214534"/>
+          </a:xfrm>
+          <a:custGeom>
+            <a:avLst/>
+            <a:gdLst>
+              <a:gd name="connsiteX0" fmla="*/ 0 w 11546828"/>
+              <a:gd name="connsiteY0" fmla="*/ 0 h 6214534"/>
+              <a:gd name="connsiteX1" fmla="*/ 7965430 w 11546828"/>
+              <a:gd name="connsiteY1" fmla="*/ 0 h 6214534"/>
+              <a:gd name="connsiteX2" fmla="*/ 7965430 w 11546828"/>
+              <a:gd name="connsiteY2" fmla="*/ 1786 h 6214534"/>
+              <a:gd name="connsiteX3" fmla="*/ 11546828 w 11546828"/>
+              <a:gd name="connsiteY3" fmla="*/ 1786 h 6214534"/>
+              <a:gd name="connsiteX4" fmla="*/ 11546828 w 11546828"/>
+              <a:gd name="connsiteY4" fmla="*/ 2866740 h 6214534"/>
+              <a:gd name="connsiteX5" fmla="*/ 11225095 w 11546828"/>
+              <a:gd name="connsiteY5" fmla="*/ 3179536 h 6214534"/>
+              <a:gd name="connsiteX6" fmla="*/ 11225095 w 11546828"/>
+              <a:gd name="connsiteY6" fmla="*/ 301542 h 6214534"/>
+              <a:gd name="connsiteX7" fmla="*/ 320042 w 11546828"/>
+              <a:gd name="connsiteY7" fmla="*/ 301542 h 6214534"/>
+              <a:gd name="connsiteX8" fmla="*/ 320042 w 11546828"/>
+              <a:gd name="connsiteY8" fmla="*/ 5909424 h 6214534"/>
+              <a:gd name="connsiteX9" fmla="*/ 8417210 w 11546828"/>
+              <a:gd name="connsiteY9" fmla="*/ 5909424 h 6214534"/>
+              <a:gd name="connsiteX10" fmla="*/ 8103383 w 11546828"/>
+              <a:gd name="connsiteY10" fmla="*/ 6214534 h 6214534"/>
+              <a:gd name="connsiteX11" fmla="*/ 7222929 w 11546828"/>
+              <a:gd name="connsiteY11" fmla="*/ 6214534 h 6214534"/>
+              <a:gd name="connsiteX12" fmla="*/ 7222929 w 11546828"/>
+              <a:gd name="connsiteY12" fmla="*/ 6212748 h 6214534"/>
+              <a:gd name="connsiteX13" fmla="*/ 0 w 11546828"/>
+              <a:gd name="connsiteY13" fmla="*/ 6212748 h 6214534"/>
+            </a:gdLst>
+            <a:ahLst/>
+            <a:cxnLst>
+              <a:cxn ang="0">
+                <a:pos x="connsiteX0" y="connsiteY0"/>
+              </a:cxn>
+              <a:cxn ang="0">
+                <a:pos x="connsiteX1" y="connsiteY1"/>
+              </a:cxn>
+              <a:cxn ang="0">
+                <a:pos x="connsiteX2" y="connsiteY2"/>
+              </a:cxn>
+              <a:cxn ang="0">
+                <a:pos x="connsiteX3" y="connsiteY3"/>
+              </a:cxn>
+              <a:cxn ang="0">
+                <a:pos x="connsiteX4" y="connsiteY4"/>
+              </a:cxn>
+              <a:cxn ang="0">
+                <a:pos x="connsiteX5" y="connsiteY5"/>
+              </a:cxn>
+              <a:cxn ang="0">
+                <a:pos x="connsiteX6" y="connsiteY6"/>
+              </a:cxn>
+              <a:cxn ang="0">
+                <a:pos x="connsiteX7" y="connsiteY7"/>
+              </a:cxn>
+              <a:cxn ang="0">
+                <a:pos x="connsiteX8" y="connsiteY8"/>
+              </a:cxn>
+              <a:cxn ang="0">
+                <a:pos x="connsiteX9" y="connsiteY9"/>
+              </a:cxn>
+              <a:cxn ang="0">
+                <a:pos x="connsiteX10" y="connsiteY10"/>
+              </a:cxn>
+              <a:cxn ang="0">
+                <a:pos x="connsiteX11" y="connsiteY11"/>
+              </a:cxn>
+              <a:cxn ang="0">
+                <a:pos x="connsiteX12" y="connsiteY12"/>
+              </a:cxn>
+              <a:cxn ang="0">
+                <a:pos x="connsiteX13" y="connsiteY13"/>
+              </a:cxn>
+            </a:cxnLst>
+            <a:rect l="l" t="t" r="r" b="b"/>
+            <a:pathLst>
+              <a:path w="11546828" h="6214534">
+                <a:moveTo>
+                  <a:pt x="0" y="0"/>
+                </a:moveTo>
+                <a:lnTo>
+                  <a:pt x="7965430" y="0"/>
+                </a:lnTo>
+                <a:lnTo>
+                  <a:pt x="7965430" y="1786"/>
+                </a:lnTo>
+                <a:lnTo>
+                  <a:pt x="11546828" y="1786"/>
+                </a:lnTo>
+                <a:lnTo>
+                  <a:pt x="11546828" y="2866740"/>
+                </a:lnTo>
+                <a:lnTo>
+                  <a:pt x="11225095" y="3179536"/>
+                </a:lnTo>
+                <a:lnTo>
+                  <a:pt x="11225095" y="301542"/>
+                </a:lnTo>
+                <a:lnTo>
+                  <a:pt x="320042" y="301542"/>
+                </a:lnTo>
+                <a:lnTo>
+                  <a:pt x="320042" y="5909424"/>
+                </a:lnTo>
+                <a:lnTo>
+                  <a:pt x="8417210" y="5909424"/>
+                </a:lnTo>
+                <a:lnTo>
+                  <a:pt x="8103383" y="6214534"/>
+                </a:lnTo>
+                <a:lnTo>
+                  <a:pt x="7222929" y="6214534"/>
+                </a:lnTo>
+                <a:lnTo>
+                  <a:pt x="7222929" y="6212748"/>
+                </a:lnTo>
+                <a:lnTo>
+                  <a:pt x="0" y="6212748"/>
+                </a:lnTo>
+                <a:close/>
+              </a:path>
+            </a:pathLst>
+          </a:custGeom>
+          <a:solidFill>
+            <a:schemeClr val="tx1">
+              <a:lumMod val="50000"/>
+              <a:lumOff val="50000"/>
+              <a:alpha val="25000"/>
+            </a:schemeClr>
+          </a:solidFill>
+          <a:ln>
+            <a:noFill/>
+          </a:ln>
+        </p:spPr>
+        <p:style>
+          <a:lnRef idx="2">
+            <a:schemeClr val="accent1">
+              <a:shade val="50000"/>
+            </a:schemeClr>
+          </a:lnRef>
+          <a:fillRef idx="1">
+            <a:schemeClr val="accent1"/>
+          </a:fillRef>
+          <a:effectRef idx="0">
+            <a:schemeClr val="accent1"/>
+          </a:effectRef>
+          <a:fontRef idx="minor">
+            <a:schemeClr val="lt1"/>
+          </a:fontRef>
+        </p:style>
+        <p:txBody>
+          <a:bodyPr wrap="square" rtlCol="0" anchor="ctr">
+            <a:noAutofit/>
+          </a:bodyPr>
+          <a:lstStyle/>
+          <a:p>
+            <a:pPr algn="ctr"/>
+            <a:endParaRPr lang="en-US"/>
+          </a:p>
+        </p:txBody>
+      </p:sp>
+      <p:sp>
+        <p:nvSpPr>
+          <p:cNvPr id="13" name="Right Triangle 12">
             <a:extLst>
               <a:ext uri="{FF2B5EF4-FFF2-40B4-BE49-F238E27FC236}">
                 <a16:creationId xmlns:a16="http://schemas.microsoft.com/office/drawing/2014/main" id="{5298780A-33B9-4EA2-8F67-DE68AD62841B}"/>
@@ -7456,7 +10069,438 @@
       </p:sp>
       <p:sp>
         <p:nvSpPr>
-          <p:cNvPr id="17" name="Rectangle 11">
+          <p:cNvPr id="15" name="Rectangle 14">
+            <a:extLst>
+              <a:ext uri="{FF2B5EF4-FFF2-40B4-BE49-F238E27FC236}">
+                <a16:creationId xmlns:a16="http://schemas.microsoft.com/office/drawing/2014/main" id="{7F488E8B-4E1E-4402-8935-D4E6C02615C7}"/>
+              </a:ext>
+              <a:ext uri="{C183D7F6-B498-43B3-948B-1728B52AA6E4}">
+                <adec:decorative xmlns:adec="http://schemas.microsoft.com/office/drawing/2017/decorative" val="1"/>
+              </a:ext>
+            </a:extLst>
+          </p:cNvPr>
+          <p:cNvSpPr>
+            <a:spLocks noGrp="1" noRot="1" noChangeAspect="1" noMove="1" noResize="1" noEditPoints="1" noAdjustHandles="1" noChangeArrowheads="1" noChangeShapeType="1" noTextEdit="1"/>
+          </p:cNvSpPr>
+          <p:nvPr>
+            <p:extLst>
+              <p:ext uri="{386F3935-93C4-4BCD-93E2-E3B085C9AB24}">
+                <p16:designElem xmlns:p16="http://schemas.microsoft.com/office/powerpoint/2015/main" val="1"/>
+              </p:ext>
+            </p:extLst>
+          </p:nvPr>
+        </p:nvSpPr>
+        <p:spPr>
+          <a:xfrm>
+            <a:off x="641774" y="623275"/>
+            <a:ext cx="10905053" cy="5607882"/>
+          </a:xfrm>
+          <a:prstGeom prst="rect">
+            <a:avLst/>
+          </a:prstGeom>
+          <a:noFill/>
+          <a:ln w="19050">
+            <a:noFill/>
+          </a:ln>
+        </p:spPr>
+        <p:style>
+          <a:lnRef idx="2">
+            <a:schemeClr val="accent1">
+              <a:shade val="50000"/>
+            </a:schemeClr>
+          </a:lnRef>
+          <a:fillRef idx="1">
+            <a:schemeClr val="accent1"/>
+          </a:fillRef>
+          <a:effectRef idx="0">
+            <a:schemeClr val="accent1"/>
+          </a:effectRef>
+          <a:fontRef idx="minor">
+            <a:schemeClr val="lt1"/>
+          </a:fontRef>
+        </p:style>
+        <p:txBody>
+          <a:bodyPr rtlCol="0" anchor="ctr"/>
+          <a:lstStyle/>
+          <a:p>
+            <a:pPr algn="ctr"/>
+            <a:endParaRPr lang="en-US"/>
+          </a:p>
+        </p:txBody>
+      </p:sp>
+      <p:sp>
+        <p:nvSpPr>
+          <p:cNvPr id="2" name="Title 1">
+            <a:extLst>
+              <a:ext uri="{FF2B5EF4-FFF2-40B4-BE49-F238E27FC236}">
+                <a16:creationId xmlns:a16="http://schemas.microsoft.com/office/drawing/2014/main" id="{7A9F0198-A6A4-4766-AE68-72A4835D27B3}"/>
+              </a:ext>
+            </a:extLst>
+          </p:cNvPr>
+          <p:cNvSpPr>
+            <a:spLocks noGrp="1"/>
+          </p:cNvSpPr>
+          <p:nvPr>
+            <p:ph type="title"/>
+          </p:nvPr>
+        </p:nvSpPr>
+        <p:spPr>
+          <a:xfrm>
+            <a:off x="641774" y="617368"/>
+            <a:ext cx="2434147" cy="1442721"/>
+          </a:xfrm>
+        </p:spPr>
+        <p:txBody>
+          <a:bodyPr vert="horz" lIns="91440" tIns="45720" rIns="91440" bIns="45720" rtlCol="0" anchor="ctr">
+            <a:normAutofit/>
+          </a:bodyPr>
+          <a:lstStyle/>
+          <a:p>
+            <a:pPr algn="r"/>
+            <a:r>
+              <a:rPr lang="en-US" sz="6600" kern="1200" dirty="0">
+                <a:solidFill>
+                  <a:schemeClr val="tx1"/>
+                </a:solidFill>
+                <a:latin typeface="+mj-lt"/>
+                <a:ea typeface="+mj-ea"/>
+                <a:cs typeface="+mj-cs"/>
+              </a:rPr>
+              <a:t>Genre</a:t>
+            </a:r>
+          </a:p>
+        </p:txBody>
+      </p:sp>
+      <p:cxnSp>
+        <p:nvCxnSpPr>
+          <p:cNvPr id="17" name="Straight Connector 16">
+            <a:extLst>
+              <a:ext uri="{FF2B5EF4-FFF2-40B4-BE49-F238E27FC236}">
+                <a16:creationId xmlns:a16="http://schemas.microsoft.com/office/drawing/2014/main" id="{23AAC9B5-8015-485C-ACF9-A750390E9A56}"/>
+              </a:ext>
+              <a:ext uri="{C183D7F6-B498-43B3-948B-1728B52AA6E4}">
+                <adec:decorative xmlns:adec="http://schemas.microsoft.com/office/drawing/2017/decorative" val="1"/>
+              </a:ext>
+            </a:extLst>
+          </p:cNvPr>
+          <p:cNvCxnSpPr>
+            <a:cxnSpLocks noGrp="1" noRot="1" noChangeAspect="1" noMove="1" noResize="1" noEditPoints="1" noAdjustHandles="1" noChangeArrowheads="1" noChangeShapeType="1"/>
+          </p:cNvCxnSpPr>
+          <p:nvPr>
+            <p:extLst>
+              <p:ext uri="{386F3935-93C4-4BCD-93E2-E3B085C9AB24}">
+                <p16:designElem xmlns:p16="http://schemas.microsoft.com/office/powerpoint/2015/main" val="1"/>
+              </p:ext>
+            </p:extLst>
+          </p:nvPr>
+        </p:nvCxnSpPr>
+        <p:spPr>
+          <a:xfrm>
+            <a:off x="4654296" y="1852863"/>
+            <a:ext cx="0" cy="3236495"/>
+          </a:xfrm>
+          <a:prstGeom prst="line">
+            <a:avLst/>
+          </a:prstGeom>
+          <a:ln w="19050" cap="sq">
+            <a:solidFill>
+              <a:schemeClr val="tx1">
+                <a:lumMod val="75000"/>
+                <a:lumOff val="25000"/>
+              </a:schemeClr>
+            </a:solidFill>
+          </a:ln>
+        </p:spPr>
+        <p:style>
+          <a:lnRef idx="1">
+            <a:schemeClr val="accent1"/>
+          </a:lnRef>
+          <a:fillRef idx="0">
+            <a:schemeClr val="accent1"/>
+          </a:fillRef>
+          <a:effectRef idx="0">
+            <a:schemeClr val="accent1"/>
+          </a:effectRef>
+          <a:fontRef idx="minor">
+            <a:schemeClr val="tx1"/>
+          </a:fontRef>
+        </p:style>
+      </p:cxnSp>
+      <p:sp>
+        <p:nvSpPr>
+          <p:cNvPr id="4" name="TextBox 3">
+            <a:extLst>
+              <a:ext uri="{FF2B5EF4-FFF2-40B4-BE49-F238E27FC236}">
+                <a16:creationId xmlns:a16="http://schemas.microsoft.com/office/drawing/2014/main" id="{003EC8F5-7F41-45FE-A697-C8B8B922DAE5}"/>
+              </a:ext>
+            </a:extLst>
+          </p:cNvPr>
+          <p:cNvSpPr txBox="1"/>
+          <p:nvPr/>
+        </p:nvSpPr>
+        <p:spPr>
+          <a:xfrm>
+            <a:off x="5138928" y="1338729"/>
+            <a:ext cx="4795584" cy="4180542"/>
+          </a:xfrm>
+          <a:prstGeom prst="rect">
+            <a:avLst/>
+          </a:prstGeom>
+        </p:spPr>
+        <p:txBody>
+          <a:bodyPr vert="horz" lIns="91440" tIns="45720" rIns="91440" bIns="45720" rtlCol="0" anchor="ctr">
+            <a:normAutofit/>
+          </a:bodyPr>
+          <a:lstStyle/>
+          <a:p>
+            <a:pPr defTabSz="914400">
+              <a:lnSpc>
+                <a:spcPct val="90000"/>
+              </a:lnSpc>
+              <a:spcAft>
+                <a:spcPts val="600"/>
+              </a:spcAft>
+            </a:pPr>
+            <a:endParaRPr lang="en-US" sz="2400" dirty="0"/>
+          </a:p>
+        </p:txBody>
+      </p:sp>
+      <p:pic>
+        <p:nvPicPr>
+          <p:cNvPr id="6" name="Picture 5" descr="A screenshot of a cell phone&#10;&#10;Description automatically generated">
+            <a:extLst>
+              <a:ext uri="{FF2B5EF4-FFF2-40B4-BE49-F238E27FC236}">
+                <a16:creationId xmlns:a16="http://schemas.microsoft.com/office/drawing/2014/main" id="{D5421E38-3F10-4630-853F-F3C72E3D9059}"/>
+              </a:ext>
+            </a:extLst>
+          </p:cNvPr>
+          <p:cNvPicPr>
+            <a:picLocks noChangeAspect="1"/>
+          </p:cNvPicPr>
+          <p:nvPr/>
+        </p:nvPicPr>
+        <p:blipFill>
+          <a:blip r:embed="rId2">
+            <a:extLst>
+              <a:ext uri="{28A0092B-C50C-407E-A947-70E740481C1C}">
+                <a14:useLocalDpi xmlns:a14="http://schemas.microsoft.com/office/drawing/2010/main" val="0"/>
+              </a:ext>
+            </a:extLst>
+          </a:blip>
+          <a:stretch>
+            <a:fillRect/>
+          </a:stretch>
+        </p:blipFill>
+        <p:spPr>
+          <a:xfrm>
+            <a:off x="4897089" y="868929"/>
+            <a:ext cx="5496575" cy="2645269"/>
+          </a:xfrm>
+          <a:prstGeom prst="rect">
+            <a:avLst/>
+          </a:prstGeom>
+        </p:spPr>
+      </p:pic>
+      <p:pic>
+        <p:nvPicPr>
+          <p:cNvPr id="14" name="Picture 13" descr="A screenshot of a cell phone&#10;&#10;Description automatically generated">
+            <a:extLst>
+              <a:ext uri="{FF2B5EF4-FFF2-40B4-BE49-F238E27FC236}">
+                <a16:creationId xmlns:a16="http://schemas.microsoft.com/office/drawing/2014/main" id="{941A5C23-30CD-45A6-A28A-6F7BE79F3FAE}"/>
+              </a:ext>
+            </a:extLst>
+          </p:cNvPr>
+          <p:cNvPicPr>
+            <a:picLocks noChangeAspect="1"/>
+          </p:cNvPicPr>
+          <p:nvPr/>
+        </p:nvPicPr>
+        <p:blipFill>
+          <a:blip r:embed="rId3">
+            <a:extLst>
+              <a:ext uri="{28A0092B-C50C-407E-A947-70E740481C1C}">
+                <a14:useLocalDpi xmlns:a14="http://schemas.microsoft.com/office/drawing/2010/main" val="0"/>
+              </a:ext>
+            </a:extLst>
+          </a:blip>
+          <a:stretch>
+            <a:fillRect/>
+          </a:stretch>
+        </p:blipFill>
+        <p:spPr>
+          <a:xfrm>
+            <a:off x="4729116" y="3683498"/>
+            <a:ext cx="5205396" cy="2505137"/>
+          </a:xfrm>
+          <a:prstGeom prst="rect">
+            <a:avLst/>
+          </a:prstGeom>
+        </p:spPr>
+      </p:pic>
+    </p:spTree>
+    <p:extLst>
+      <p:ext uri="{BB962C8B-B14F-4D97-AF65-F5344CB8AC3E}">
+        <p14:creationId xmlns:p14="http://schemas.microsoft.com/office/powerpoint/2010/main" val="1785030121"/>
+      </p:ext>
+    </p:extLst>
+  </p:cSld>
+  <p:clrMapOvr>
+    <a:masterClrMapping/>
+  </p:clrMapOvr>
+</p:sld>
+</file>
+
+<file path=ppt/slides/slide9.xml><?xml version="1.0" encoding="utf-8"?>
+<p:sld xmlns:a="http://schemas.openxmlformats.org/drawingml/2006/main" xmlns:r="http://schemas.openxmlformats.org/officeDocument/2006/relationships" xmlns:p="http://schemas.openxmlformats.org/presentationml/2006/main">
+  <p:cSld>
+    <p:bg>
+      <p:bgPr>
+        <a:solidFill>
+          <a:schemeClr val="bg1"/>
+        </a:solidFill>
+        <a:effectLst/>
+      </p:bgPr>
+    </p:bg>
+    <p:spTree>
+      <p:nvGrpSpPr>
+        <p:cNvPr id="1" name=""/>
+        <p:cNvGrpSpPr/>
+        <p:nvPr/>
+      </p:nvGrpSpPr>
+      <p:grpSpPr>
+        <a:xfrm>
+          <a:off x="0" y="0"/>
+          <a:ext cx="0" cy="0"/>
+          <a:chOff x="0" y="0"/>
+          <a:chExt cx="0" cy="0"/>
+        </a:xfrm>
+      </p:grpSpPr>
+      <p:sp useBgFill="1">
+        <p:nvSpPr>
+          <p:cNvPr id="8" name="Rectangle 7">
+            <a:extLst>
+              <a:ext uri="{FF2B5EF4-FFF2-40B4-BE49-F238E27FC236}">
+                <a16:creationId xmlns:a16="http://schemas.microsoft.com/office/drawing/2014/main" id="{081EA652-8C6A-4E69-BEB9-170809474553}"/>
+              </a:ext>
+              <a:ext uri="{C183D7F6-B498-43B3-948B-1728B52AA6E4}">
+                <adec:decorative xmlns:adec="http://schemas.microsoft.com/office/drawing/2017/decorative" val="1"/>
+              </a:ext>
+            </a:extLst>
+          </p:cNvPr>
+          <p:cNvSpPr>
+            <a:spLocks noGrp="1" noRot="1" noChangeAspect="1" noMove="1" noResize="1" noEditPoints="1" noAdjustHandles="1" noChangeArrowheads="1" noChangeShapeType="1" noTextEdit="1"/>
+          </p:cNvSpPr>
+          <p:nvPr>
+            <p:extLst>
+              <p:ext uri="{386F3935-93C4-4BCD-93E2-E3B085C9AB24}">
+                <p16:designElem xmlns:p16="http://schemas.microsoft.com/office/powerpoint/2015/main" val="1"/>
+              </p:ext>
+            </p:extLst>
+          </p:nvPr>
+        </p:nvSpPr>
+        <p:spPr>
+          <a:xfrm>
+            <a:off x="0" y="0"/>
+            <a:ext cx="12192000" cy="6858000"/>
+          </a:xfrm>
+          <a:prstGeom prst="rect">
+            <a:avLst/>
+          </a:prstGeom>
+          <a:ln>
+            <a:noFill/>
+          </a:ln>
+        </p:spPr>
+        <p:style>
+          <a:lnRef idx="2">
+            <a:schemeClr val="accent1">
+              <a:shade val="50000"/>
+            </a:schemeClr>
+          </a:lnRef>
+          <a:fillRef idx="1">
+            <a:schemeClr val="accent1"/>
+          </a:fillRef>
+          <a:effectRef idx="0">
+            <a:schemeClr val="accent1"/>
+          </a:effectRef>
+          <a:fontRef idx="minor">
+            <a:schemeClr val="lt1"/>
+          </a:fontRef>
+        </p:style>
+        <p:txBody>
+          <a:bodyPr rtlCol="0" anchor="ctr"/>
+          <a:lstStyle/>
+          <a:p>
+            <a:pPr algn="ctr"/>
+            <a:endParaRPr lang="en-US"/>
+          </a:p>
+        </p:txBody>
+      </p:sp>
+      <p:sp>
+        <p:nvSpPr>
+          <p:cNvPr id="10" name="Right Triangle 9">
+            <a:extLst>
+              <a:ext uri="{FF2B5EF4-FFF2-40B4-BE49-F238E27FC236}">
+                <a16:creationId xmlns:a16="http://schemas.microsoft.com/office/drawing/2014/main" id="{5298780A-33B9-4EA2-8F67-DE68AD62841B}"/>
+              </a:ext>
+              <a:ext uri="{C183D7F6-B498-43B3-948B-1728B52AA6E4}">
+                <adec:decorative xmlns:adec="http://schemas.microsoft.com/office/drawing/2017/decorative" val="1"/>
+              </a:ext>
+            </a:extLst>
+          </p:cNvPr>
+          <p:cNvSpPr>
+            <a:spLocks noGrp="1" noRot="1" noChangeAspect="1" noMove="1" noResize="1" noEditPoints="1" noAdjustHandles="1" noChangeArrowheads="1" noChangeShapeType="1" noTextEdit="1"/>
+          </p:cNvSpPr>
+          <p:nvPr>
+            <p:extLst>
+              <p:ext uri="{386F3935-93C4-4BCD-93E2-E3B085C9AB24}">
+                <p16:designElem xmlns:p16="http://schemas.microsoft.com/office/powerpoint/2015/main" val="1"/>
+              </p:ext>
+            </p:extLst>
+          </p:nvPr>
+        </p:nvSpPr>
+        <p:spPr>
+          <a:xfrm flipH="1">
+            <a:off x="8576720" y="3335867"/>
+            <a:ext cx="3291840" cy="3200400"/>
+          </a:xfrm>
+          <a:prstGeom prst="rtTriangle">
+            <a:avLst/>
+          </a:prstGeom>
+          <a:solidFill>
+            <a:schemeClr val="accent4"/>
+          </a:solidFill>
+          <a:ln>
+            <a:noFill/>
+          </a:ln>
+        </p:spPr>
+        <p:style>
+          <a:lnRef idx="2">
+            <a:schemeClr val="accent1">
+              <a:shade val="50000"/>
+            </a:schemeClr>
+          </a:lnRef>
+          <a:fillRef idx="1">
+            <a:schemeClr val="accent1"/>
+          </a:fillRef>
+          <a:effectRef idx="0">
+            <a:schemeClr val="accent1"/>
+          </a:effectRef>
+          <a:fontRef idx="minor">
+            <a:schemeClr val="lt1"/>
+          </a:fontRef>
+        </p:style>
+        <p:txBody>
+          <a:bodyPr rtlCol="0" anchor="ctr"/>
+          <a:lstStyle/>
+          <a:p>
+            <a:pPr algn="ctr"/>
+            <a:endParaRPr lang="en-US" dirty="0"/>
+          </a:p>
+        </p:txBody>
+      </p:sp>
+      <p:sp>
+        <p:nvSpPr>
+          <p:cNvPr id="12" name="Rectangle 11">
             <a:extLst>
               <a:ext uri="{FF2B5EF4-FFF2-40B4-BE49-F238E27FC236}">
                 <a16:creationId xmlns:a16="http://schemas.microsoft.com/office/drawing/2014/main" id="{7F488E8B-4E1E-4402-8935-D4E6C02615C7}"/>
@@ -7525,7 +10569,7 @@
           <p:cNvPr id="2" name="Title 1">
             <a:extLst>
               <a:ext uri="{FF2B5EF4-FFF2-40B4-BE49-F238E27FC236}">
-                <a16:creationId xmlns:a16="http://schemas.microsoft.com/office/drawing/2014/main" id="{35D1E6C5-4562-40BD-B1AB-E32CDDF23B33}"/>
+                <a16:creationId xmlns:a16="http://schemas.microsoft.com/office/drawing/2014/main" id="{65B7D323-5D5F-46EE-92B8-9861A6326F16}"/>
               </a:ext>
             </a:extLst>
           </p:cNvPr>
@@ -7538,8 +10582,8 @@
         </p:nvSpPr>
         <p:spPr>
           <a:xfrm>
-            <a:off x="1075767" y="1188637"/>
-            <a:ext cx="2988234" cy="4480726"/>
+            <a:off x="452022" y="521027"/>
+            <a:ext cx="2988234" cy="1127843"/>
           </a:xfrm>
         </p:spPr>
         <p:txBody>
@@ -7550,8 +10594,8 @@
           <a:p>
             <a:pPr algn="r"/>
             <a:r>
-              <a:rPr lang="en-US" sz="4600"/>
-              <a:t>Hypothesis:</a:t>
+              <a:rPr lang="en-US" sz="6600" dirty="0"/>
+              <a:t>Budget:</a:t>
             </a:r>
           </a:p>
         </p:txBody>
@@ -7611,579 +10655,21 @@
           </a:fontRef>
         </p:style>
       </p:cxnSp>
-      <p:sp>
-        <p:nvSpPr>
-          <p:cNvPr id="3" name="Content Placeholder 2">
+      <p:pic>
+        <p:nvPicPr>
+          <p:cNvPr id="7" name="Content Placeholder 6" descr="A close up of text on a white background&#10;&#10;Description automatically generated">
             <a:extLst>
               <a:ext uri="{FF2B5EF4-FFF2-40B4-BE49-F238E27FC236}">
-                <a16:creationId xmlns:a16="http://schemas.microsoft.com/office/drawing/2014/main" id="{4054ADE5-BD49-4D77-B4FA-81C9D72F59C0}"/>
+                <a16:creationId xmlns:a16="http://schemas.microsoft.com/office/drawing/2014/main" id="{D8D92F67-E75E-4167-BFA7-66913B9CA5E6}"/>
               </a:ext>
             </a:extLst>
           </p:cNvPr>
-          <p:cNvSpPr>
-            <a:spLocks noGrp="1"/>
-          </p:cNvSpPr>
+          <p:cNvPicPr>
+            <a:picLocks noGrp="1" noChangeAspect="1"/>
+          </p:cNvPicPr>
           <p:nvPr>
             <p:ph idx="1"/>
           </p:nvPr>
-        </p:nvSpPr>
-        <p:spPr>
-          <a:xfrm>
-            <a:off x="5255260" y="1648870"/>
-            <a:ext cx="4702848" cy="3560260"/>
-          </a:xfrm>
-        </p:spPr>
-        <p:txBody>
-          <a:bodyPr anchor="ctr">
-            <a:normAutofit/>
-          </a:bodyPr>
-          <a:lstStyle/>
-          <a:p>
-            <a:r>
-              <a:rPr lang="en-US" sz="2400" dirty="0"/>
-              <a:t>Questions:</a:t>
-            </a:r>
-          </a:p>
-        </p:txBody>
-      </p:sp>
-    </p:spTree>
-    <p:extLst>
-      <p:ext uri="{BB962C8B-B14F-4D97-AF65-F5344CB8AC3E}">
-        <p14:creationId xmlns:p14="http://schemas.microsoft.com/office/powerpoint/2010/main" val="2510354007"/>
-      </p:ext>
-    </p:extLst>
-  </p:cSld>
-  <p:clrMapOvr>
-    <a:masterClrMapping/>
-  </p:clrMapOvr>
-</p:sld>
-</file>
-
-<file path=ppt/slides/slide4.xml><?xml version="1.0" encoding="utf-8"?>
-<p:sld xmlns:a="http://schemas.openxmlformats.org/drawingml/2006/main" xmlns:r="http://schemas.openxmlformats.org/officeDocument/2006/relationships" xmlns:p="http://schemas.openxmlformats.org/presentationml/2006/main">
-  <p:cSld>
-    <p:bg>
-      <p:bgPr>
-        <a:solidFill>
-          <a:schemeClr val="bg1"/>
-        </a:solidFill>
-        <a:effectLst/>
-      </p:bgPr>
-    </p:bg>
-    <p:spTree>
-      <p:nvGrpSpPr>
-        <p:cNvPr id="1" name=""/>
-        <p:cNvGrpSpPr/>
-        <p:nvPr/>
-      </p:nvGrpSpPr>
-      <p:grpSpPr>
-        <a:xfrm>
-          <a:off x="0" y="0"/>
-          <a:ext cx="0" cy="0"/>
-          <a:chOff x="0" y="0"/>
-          <a:chExt cx="0" cy="0"/>
-        </a:xfrm>
-      </p:grpSpPr>
-      <p:sp>
-        <p:nvSpPr>
-          <p:cNvPr id="71" name="Rectangle 70">
-            <a:extLst>
-              <a:ext uri="{FF2B5EF4-FFF2-40B4-BE49-F238E27FC236}">
-                <a16:creationId xmlns:a16="http://schemas.microsoft.com/office/drawing/2014/main" id="{179F7551-E956-43CB-8F36-268A5DA443BE}"/>
-              </a:ext>
-              <a:ext uri="{C183D7F6-B498-43B3-948B-1728B52AA6E4}">
-                <adec:decorative xmlns:adec="http://schemas.microsoft.com/office/drawing/2017/decorative" val="1"/>
-              </a:ext>
-            </a:extLst>
-          </p:cNvPr>
-          <p:cNvSpPr>
-            <a:spLocks noGrp="1" noRot="1" noChangeAspect="1" noMove="1" noResize="1" noEditPoints="1" noAdjustHandles="1" noChangeArrowheads="1" noChangeShapeType="1" noTextEdit="1"/>
-          </p:cNvSpPr>
-          <p:nvPr>
-            <p:extLst>
-              <p:ext uri="{386F3935-93C4-4BCD-93E2-E3B085C9AB24}">
-                <p16:designElem xmlns:p16="http://schemas.microsoft.com/office/powerpoint/2015/main" val="1"/>
-              </p:ext>
-            </p:extLst>
-          </p:nvPr>
-        </p:nvSpPr>
-        <p:spPr>
-          <a:xfrm>
-            <a:off x="1524" y="0"/>
-            <a:ext cx="12188952" cy="6858000"/>
-          </a:xfrm>
-          <a:prstGeom prst="rect">
-            <a:avLst/>
-          </a:prstGeom>
-          <a:solidFill>
-            <a:schemeClr val="tx1"/>
-          </a:solidFill>
-          <a:ln>
-            <a:noFill/>
-          </a:ln>
-        </p:spPr>
-        <p:style>
-          <a:lnRef idx="2">
-            <a:schemeClr val="accent1">
-              <a:shade val="50000"/>
-            </a:schemeClr>
-          </a:lnRef>
-          <a:fillRef idx="1">
-            <a:schemeClr val="accent1"/>
-          </a:fillRef>
-          <a:effectRef idx="0">
-            <a:schemeClr val="accent1"/>
-          </a:effectRef>
-          <a:fontRef idx="minor">
-            <a:schemeClr val="lt1"/>
-          </a:fontRef>
-        </p:style>
-        <p:txBody>
-          <a:bodyPr rtlCol="0" anchor="ctr"/>
-          <a:lstStyle/>
-          <a:p>
-            <a:pPr algn="ctr"/>
-            <a:endParaRPr lang="en-US"/>
-          </a:p>
-        </p:txBody>
-      </p:sp>
-      <p:sp>
-        <p:nvSpPr>
-          <p:cNvPr id="73" name="Freeform: Shape 72">
-            <a:extLst>
-              <a:ext uri="{FF2B5EF4-FFF2-40B4-BE49-F238E27FC236}">
-                <a16:creationId xmlns:a16="http://schemas.microsoft.com/office/drawing/2014/main" id="{B99C248B-47D3-41DF-A1DC-8B38652A8262}"/>
-              </a:ext>
-              <a:ext uri="{C183D7F6-B498-43B3-948B-1728B52AA6E4}">
-                <adec:decorative xmlns:adec="http://schemas.microsoft.com/office/drawing/2017/decorative" val="1"/>
-              </a:ext>
-            </a:extLst>
-          </p:cNvPr>
-          <p:cNvSpPr>
-            <a:spLocks noGrp="1" noRot="1" noChangeAspect="1" noMove="1" noResize="1" noEditPoints="1" noAdjustHandles="1" noChangeArrowheads="1" noChangeShapeType="1" noTextEdit="1"/>
-          </p:cNvSpPr>
-          <p:nvPr>
-            <p:extLst>
-              <p:ext uri="{386F3935-93C4-4BCD-93E2-E3B085C9AB24}">
-                <p16:designElem xmlns:p16="http://schemas.microsoft.com/office/powerpoint/2015/main" val="1"/>
-              </p:ext>
-            </p:extLst>
-          </p:nvPr>
-        </p:nvSpPr>
-        <p:spPr>
-          <a:xfrm>
-            <a:off x="4413787" y="458856"/>
-            <a:ext cx="7778213" cy="5907457"/>
-          </a:xfrm>
-          <a:custGeom>
-            <a:avLst/>
-            <a:gdLst>
-              <a:gd name="connsiteX0" fmla="*/ 3727582 w 7778213"/>
-              <a:gd name="connsiteY0" fmla="*/ 0 h 5905781"/>
-              <a:gd name="connsiteX1" fmla="*/ 7778213 w 7778213"/>
-              <a:gd name="connsiteY1" fmla="*/ 0 h 5905781"/>
-              <a:gd name="connsiteX2" fmla="*/ 7778213 w 7778213"/>
-              <a:gd name="connsiteY2" fmla="*/ 5905761 h 5905781"/>
-              <a:gd name="connsiteX3" fmla="*/ 7485321 w 7778213"/>
-              <a:gd name="connsiteY3" fmla="*/ 5905761 h 5905781"/>
-              <a:gd name="connsiteX4" fmla="*/ 7485321 w 7778213"/>
-              <a:gd name="connsiteY4" fmla="*/ 5905762 h 5905781"/>
-              <a:gd name="connsiteX5" fmla="*/ 4228895 w 7778213"/>
-              <a:gd name="connsiteY5" fmla="*/ 5905762 h 5905781"/>
-              <a:gd name="connsiteX6" fmla="*/ 4228895 w 7778213"/>
-              <a:gd name="connsiteY6" fmla="*/ 5905780 h 5905781"/>
-              <a:gd name="connsiteX7" fmla="*/ 3936003 w 7778213"/>
-              <a:gd name="connsiteY7" fmla="*/ 5905780 h 5905781"/>
-              <a:gd name="connsiteX8" fmla="*/ 3936003 w 7778213"/>
-              <a:gd name="connsiteY8" fmla="*/ 5905781 h 5905781"/>
-              <a:gd name="connsiteX9" fmla="*/ 0 w 7778213"/>
-              <a:gd name="connsiteY9" fmla="*/ 5905781 h 5905781"/>
-              <a:gd name="connsiteX10" fmla="*/ 2796838 w 7778213"/>
-              <a:gd name="connsiteY10" fmla="*/ 20 h 5905781"/>
-              <a:gd name="connsiteX11" fmla="*/ 3089730 w 7778213"/>
-              <a:gd name="connsiteY11" fmla="*/ 20 h 5905781"/>
-              <a:gd name="connsiteX12" fmla="*/ 3089730 w 7778213"/>
-              <a:gd name="connsiteY12" fmla="*/ 19 h 5905781"/>
-              <a:gd name="connsiteX13" fmla="*/ 3434690 w 7778213"/>
-              <a:gd name="connsiteY13" fmla="*/ 19 h 5905781"/>
-              <a:gd name="connsiteX14" fmla="*/ 3434690 w 7778213"/>
-              <a:gd name="connsiteY14" fmla="*/ 1 h 5905781"/>
-              <a:gd name="connsiteX15" fmla="*/ 3727582 w 7778213"/>
-              <a:gd name="connsiteY15" fmla="*/ 1 h 5905781"/>
-            </a:gdLst>
-            <a:ahLst/>
-            <a:cxnLst>
-              <a:cxn ang="0">
-                <a:pos x="connsiteX0" y="connsiteY0"/>
-              </a:cxn>
-              <a:cxn ang="0">
-                <a:pos x="connsiteX1" y="connsiteY1"/>
-              </a:cxn>
-              <a:cxn ang="0">
-                <a:pos x="connsiteX2" y="connsiteY2"/>
-              </a:cxn>
-              <a:cxn ang="0">
-                <a:pos x="connsiteX3" y="connsiteY3"/>
-              </a:cxn>
-              <a:cxn ang="0">
-                <a:pos x="connsiteX4" y="connsiteY4"/>
-              </a:cxn>
-              <a:cxn ang="0">
-                <a:pos x="connsiteX5" y="connsiteY5"/>
-              </a:cxn>
-              <a:cxn ang="0">
-                <a:pos x="connsiteX6" y="connsiteY6"/>
-              </a:cxn>
-              <a:cxn ang="0">
-                <a:pos x="connsiteX7" y="connsiteY7"/>
-              </a:cxn>
-              <a:cxn ang="0">
-                <a:pos x="connsiteX8" y="connsiteY8"/>
-              </a:cxn>
-              <a:cxn ang="0">
-                <a:pos x="connsiteX9" y="connsiteY9"/>
-              </a:cxn>
-              <a:cxn ang="0">
-                <a:pos x="connsiteX10" y="connsiteY10"/>
-              </a:cxn>
-              <a:cxn ang="0">
-                <a:pos x="connsiteX11" y="connsiteY11"/>
-              </a:cxn>
-              <a:cxn ang="0">
-                <a:pos x="connsiteX12" y="connsiteY12"/>
-              </a:cxn>
-              <a:cxn ang="0">
-                <a:pos x="connsiteX13" y="connsiteY13"/>
-              </a:cxn>
-              <a:cxn ang="0">
-                <a:pos x="connsiteX14" y="connsiteY14"/>
-              </a:cxn>
-              <a:cxn ang="0">
-                <a:pos x="connsiteX15" y="connsiteY15"/>
-              </a:cxn>
-            </a:cxnLst>
-            <a:rect l="l" t="t" r="r" b="b"/>
-            <a:pathLst>
-              <a:path w="7778213" h="5905781">
-                <a:moveTo>
-                  <a:pt x="3727582" y="0"/>
-                </a:moveTo>
-                <a:lnTo>
-                  <a:pt x="7778213" y="0"/>
-                </a:lnTo>
-                <a:lnTo>
-                  <a:pt x="7778213" y="5905761"/>
-                </a:lnTo>
-                <a:lnTo>
-                  <a:pt x="7485321" y="5905761"/>
-                </a:lnTo>
-                <a:lnTo>
-                  <a:pt x="7485321" y="5905762"/>
-                </a:lnTo>
-                <a:lnTo>
-                  <a:pt x="4228895" y="5905762"/>
-                </a:lnTo>
-                <a:lnTo>
-                  <a:pt x="4228895" y="5905780"/>
-                </a:lnTo>
-                <a:lnTo>
-                  <a:pt x="3936003" y="5905780"/>
-                </a:lnTo>
-                <a:lnTo>
-                  <a:pt x="3936003" y="5905781"/>
-                </a:lnTo>
-                <a:lnTo>
-                  <a:pt x="0" y="5905781"/>
-                </a:lnTo>
-                <a:lnTo>
-                  <a:pt x="2796838" y="20"/>
-                </a:lnTo>
-                <a:lnTo>
-                  <a:pt x="3089730" y="20"/>
-                </a:lnTo>
-                <a:lnTo>
-                  <a:pt x="3089730" y="19"/>
-                </a:lnTo>
-                <a:lnTo>
-                  <a:pt x="3434690" y="19"/>
-                </a:lnTo>
-                <a:lnTo>
-                  <a:pt x="3434690" y="1"/>
-                </a:lnTo>
-                <a:lnTo>
-                  <a:pt x="3727582" y="1"/>
-                </a:lnTo>
-                <a:close/>
-              </a:path>
-            </a:pathLst>
-          </a:custGeom>
-          <a:solidFill>
-            <a:srgbClr val="B4B4B4">
-              <a:alpha val="50000"/>
-            </a:srgbClr>
-          </a:solidFill>
-          <a:ln>
-            <a:noFill/>
-          </a:ln>
-        </p:spPr>
-        <p:style>
-          <a:lnRef idx="2">
-            <a:schemeClr val="accent1">
-              <a:shade val="50000"/>
-            </a:schemeClr>
-          </a:lnRef>
-          <a:fillRef idx="1">
-            <a:schemeClr val="accent1"/>
-          </a:fillRef>
-          <a:effectRef idx="0">
-            <a:schemeClr val="accent1"/>
-          </a:effectRef>
-          <a:fontRef idx="minor">
-            <a:schemeClr val="lt1"/>
-          </a:fontRef>
-        </p:style>
-        <p:txBody>
-          <a:bodyPr wrap="square" rtlCol="0" anchor="ctr">
-            <a:noAutofit/>
-          </a:bodyPr>
-          <a:lstStyle/>
-          <a:p>
-            <a:pPr algn="ctr"/>
-            <a:endParaRPr lang="en-US"/>
-          </a:p>
-        </p:txBody>
-      </p:sp>
-      <p:sp>
-        <p:nvSpPr>
-          <p:cNvPr id="75" name="Freeform: Shape 74">
-            <a:extLst>
-              <a:ext uri="{FF2B5EF4-FFF2-40B4-BE49-F238E27FC236}">
-                <a16:creationId xmlns:a16="http://schemas.microsoft.com/office/drawing/2014/main" id="{DF0924E5-8F0D-47CB-B59E-155AFCF8C3CB}"/>
-              </a:ext>
-              <a:ext uri="{C183D7F6-B498-43B3-948B-1728B52AA6E4}">
-                <adec:decorative xmlns:adec="http://schemas.microsoft.com/office/drawing/2017/decorative" val="1"/>
-              </a:ext>
-            </a:extLst>
-          </p:cNvPr>
-          <p:cNvSpPr>
-            <a:spLocks noGrp="1" noRot="1" noChangeAspect="1" noMove="1" noResize="1" noEditPoints="1" noAdjustHandles="1" noChangeArrowheads="1" noChangeShapeType="1" noTextEdit="1"/>
-          </p:cNvSpPr>
-          <p:nvPr>
-            <p:extLst>
-              <p:ext uri="{386F3935-93C4-4BCD-93E2-E3B085C9AB24}">
-                <p16:designElem xmlns:p16="http://schemas.microsoft.com/office/powerpoint/2015/main" val="1"/>
-              </p:ext>
-            </p:extLst>
-          </p:nvPr>
-        </p:nvSpPr>
-        <p:spPr>
-          <a:xfrm>
-            <a:off x="0" y="458858"/>
-            <a:ext cx="6769978" cy="5907437"/>
-          </a:xfrm>
-          <a:custGeom>
-            <a:avLst/>
-            <a:gdLst>
-              <a:gd name="connsiteX0" fmla="*/ 0 w 6769978"/>
-              <a:gd name="connsiteY0" fmla="*/ 0 h 5905761"/>
-              <a:gd name="connsiteX1" fmla="*/ 6769978 w 6769978"/>
-              <a:gd name="connsiteY1" fmla="*/ 0 h 5905761"/>
-              <a:gd name="connsiteX2" fmla="*/ 3973138 w 6769978"/>
-              <a:gd name="connsiteY2" fmla="*/ 5905761 h 5905761"/>
-              <a:gd name="connsiteX3" fmla="*/ 0 w 6769978"/>
-              <a:gd name="connsiteY3" fmla="*/ 5905761 h 5905761"/>
-            </a:gdLst>
-            <a:ahLst/>
-            <a:cxnLst>
-              <a:cxn ang="0">
-                <a:pos x="connsiteX0" y="connsiteY0"/>
-              </a:cxn>
-              <a:cxn ang="0">
-                <a:pos x="connsiteX1" y="connsiteY1"/>
-              </a:cxn>
-              <a:cxn ang="0">
-                <a:pos x="connsiteX2" y="connsiteY2"/>
-              </a:cxn>
-              <a:cxn ang="0">
-                <a:pos x="connsiteX3" y="connsiteY3"/>
-              </a:cxn>
-            </a:cxnLst>
-            <a:rect l="l" t="t" r="r" b="b"/>
-            <a:pathLst>
-              <a:path w="6769978" h="5905761">
-                <a:moveTo>
-                  <a:pt x="0" y="0"/>
-                </a:moveTo>
-                <a:lnTo>
-                  <a:pt x="6769978" y="0"/>
-                </a:lnTo>
-                <a:lnTo>
-                  <a:pt x="3973138" y="5905761"/>
-                </a:lnTo>
-                <a:lnTo>
-                  <a:pt x="0" y="5905761"/>
-                </a:lnTo>
-                <a:close/>
-              </a:path>
-            </a:pathLst>
-          </a:custGeom>
-          <a:solidFill>
-            <a:srgbClr val="303030"/>
-          </a:solidFill>
-          <a:ln>
-            <a:noFill/>
-          </a:ln>
-        </p:spPr>
-        <p:style>
-          <a:lnRef idx="2">
-            <a:schemeClr val="accent1">
-              <a:shade val="50000"/>
-            </a:schemeClr>
-          </a:lnRef>
-          <a:fillRef idx="1">
-            <a:schemeClr val="accent1"/>
-          </a:fillRef>
-          <a:effectRef idx="0">
-            <a:schemeClr val="accent1"/>
-          </a:effectRef>
-          <a:fontRef idx="minor">
-            <a:schemeClr val="lt1"/>
-          </a:fontRef>
-        </p:style>
-        <p:txBody>
-          <a:bodyPr wrap="square" rtlCol="0" anchor="ctr">
-            <a:noAutofit/>
-          </a:bodyPr>
-          <a:lstStyle/>
-          <a:p>
-            <a:pPr algn="ctr"/>
-            <a:endParaRPr lang="en-US">
-              <a:solidFill>
-                <a:schemeClr val="bg1">
-                  <a:lumMod val="95000"/>
-                </a:schemeClr>
-              </a:solidFill>
-            </a:endParaRPr>
-          </a:p>
-        </p:txBody>
-      </p:sp>
-      <p:sp>
-        <p:nvSpPr>
-          <p:cNvPr id="2" name="Title 1">
-            <a:extLst>
-              <a:ext uri="{FF2B5EF4-FFF2-40B4-BE49-F238E27FC236}">
-                <a16:creationId xmlns:a16="http://schemas.microsoft.com/office/drawing/2014/main" id="{FF12E6A3-DF72-42A1-AF7F-6BC2B1170222}"/>
-              </a:ext>
-            </a:extLst>
-          </p:cNvPr>
-          <p:cNvSpPr>
-            <a:spLocks noGrp="1"/>
-          </p:cNvSpPr>
-          <p:nvPr>
-            <p:ph type="title"/>
-          </p:nvPr>
-        </p:nvSpPr>
-        <p:spPr>
-          <a:xfrm>
-            <a:off x="838200" y="914400"/>
-            <a:ext cx="4277264" cy="1097280"/>
-          </a:xfrm>
-        </p:spPr>
-        <p:txBody>
-          <a:bodyPr>
-            <a:normAutofit/>
-          </a:bodyPr>
-          <a:lstStyle/>
-          <a:p>
-            <a:r>
-              <a:rPr lang="en-US">
-                <a:solidFill>
-                  <a:srgbClr val="FFFFFF"/>
-                </a:solidFill>
-              </a:rPr>
-              <a:t>Data Analysis:</a:t>
-            </a:r>
-          </a:p>
-        </p:txBody>
-      </p:sp>
-      <p:sp>
-        <p:nvSpPr>
-          <p:cNvPr id="3" name="Content Placeholder 2">
-            <a:extLst>
-              <a:ext uri="{FF2B5EF4-FFF2-40B4-BE49-F238E27FC236}">
-                <a16:creationId xmlns:a16="http://schemas.microsoft.com/office/drawing/2014/main" id="{0065C3B9-5C72-4C1E-833D-5984C6A0CE11}"/>
-              </a:ext>
-            </a:extLst>
-          </p:cNvPr>
-          <p:cNvSpPr>
-            <a:spLocks noGrp="1"/>
-          </p:cNvSpPr>
-          <p:nvPr>
-            <p:ph idx="1"/>
-          </p:nvPr>
-        </p:nvSpPr>
-        <p:spPr>
-          <a:xfrm>
-            <a:off x="838199" y="2331720"/>
-            <a:ext cx="3518141" cy="3344461"/>
-          </a:xfrm>
-        </p:spPr>
-        <p:txBody>
-          <a:bodyPr anchor="t">
-            <a:normAutofit/>
-          </a:bodyPr>
-          <a:lstStyle/>
-          <a:p>
-            <a:pPr marL="514350" indent="-514350">
-              <a:buAutoNum type="arabicPeriod"/>
-            </a:pPr>
-            <a:r>
-              <a:rPr lang="en-US" sz="2000"/>
-              <a:t>Data Exploration:  </a:t>
-            </a:r>
-          </a:p>
-          <a:p>
-            <a:pPr marL="0" indent="0">
-              <a:buNone/>
-            </a:pPr>
-            <a:r>
-              <a:rPr lang="en-US" sz="2000"/>
-              <a:t>We used the imdb database and api page to get the raw data</a:t>
-            </a:r>
-          </a:p>
-          <a:p>
-            <a:pPr marL="0" indent="0">
-              <a:buNone/>
-            </a:pPr>
-            <a:br>
-              <a:rPr lang="en-US" sz="2000"/>
-            </a:br>
-            <a:endParaRPr lang="en-US" sz="2000"/>
-          </a:p>
-          <a:p>
-            <a:pPr marL="0" indent="0">
-              <a:buNone/>
-            </a:pPr>
-            <a:r>
-              <a:rPr lang="en-US" sz="2000"/>
-              <a:t>Data Cleanup:</a:t>
-            </a:r>
-          </a:p>
-        </p:txBody>
-      </p:sp>
-      <p:pic>
-        <p:nvPicPr>
-          <p:cNvPr id="2050" name="Picture 2">
-            <a:extLst>
-              <a:ext uri="{FF2B5EF4-FFF2-40B4-BE49-F238E27FC236}">
-                <a16:creationId xmlns:a16="http://schemas.microsoft.com/office/drawing/2014/main" id="{5629AC57-167A-4688-9868-F82AFEC1634E}"/>
-              </a:ext>
-            </a:extLst>
-          </p:cNvPr>
-          <p:cNvPicPr>
-            <a:picLocks noChangeAspect="1" noChangeArrowheads="1"/>
-          </p:cNvPicPr>
-          <p:nvPr/>
         </p:nvPicPr>
         <p:blipFill>
           <a:blip r:embed="rId2">
@@ -8197,300 +10683,19 @@
             <a:fillRect/>
           </a:stretch>
         </p:blipFill>
-        <p:spPr bwMode="auto">
+        <p:spPr>
           <a:xfrm>
-            <a:off x="7047781" y="1738224"/>
-            <a:ext cx="4554746" cy="3795621"/>
+            <a:off x="3267679" y="0"/>
+            <a:ext cx="4711571" cy="4037572"/>
           </a:xfrm>
-          <a:prstGeom prst="rect">
-            <a:avLst/>
-          </a:prstGeom>
-          <a:noFill/>
-          <a:extLst>
-            <a:ext uri="{909E8E84-426E-40DD-AFC4-6F175D3DCCD1}">
-              <a14:hiddenFill xmlns:a14="http://schemas.microsoft.com/office/drawing/2010/main">
-                <a:solidFill>
-                  <a:srgbClr val="FFFFFF"/>
-                </a:solidFill>
-              </a14:hiddenFill>
-            </a:ext>
-          </a:extLst>
         </p:spPr>
       </p:pic>
-    </p:spTree>
-    <p:extLst>
-      <p:ext uri="{BB962C8B-B14F-4D97-AF65-F5344CB8AC3E}">
-        <p14:creationId xmlns:p14="http://schemas.microsoft.com/office/powerpoint/2010/main" val="3766813187"/>
-      </p:ext>
-    </p:extLst>
-  </p:cSld>
-  <p:clrMapOvr>
-    <a:overrideClrMapping bg1="dk1" tx1="lt1" bg2="dk2" tx2="lt2" accent1="accent1" accent2="accent2" accent3="accent3" accent4="accent4" accent5="accent5" accent6="accent6" hlink="hlink" folHlink="folHlink"/>
-  </p:clrMapOvr>
-</p:sld>
-</file>
-
-<file path=ppt/slides/slide5.xml><?xml version="1.0" encoding="utf-8"?>
-<p:sld xmlns:a="http://schemas.openxmlformats.org/drawingml/2006/main" xmlns:r="http://schemas.openxmlformats.org/officeDocument/2006/relationships" xmlns:p="http://schemas.openxmlformats.org/presentationml/2006/main">
-  <p:cSld>
-    <p:bg>
-      <p:bgPr>
-        <a:solidFill>
-          <a:schemeClr val="bg1"/>
-        </a:solidFill>
-        <a:effectLst/>
-      </p:bgPr>
-    </p:bg>
-    <p:spTree>
-      <p:nvGrpSpPr>
-        <p:cNvPr id="1" name=""/>
-        <p:cNvGrpSpPr/>
-        <p:nvPr/>
-      </p:nvGrpSpPr>
-      <p:grpSpPr>
-        <a:xfrm>
-          <a:off x="0" y="0"/>
-          <a:ext cx="0" cy="0"/>
-          <a:chOff x="0" y="0"/>
-          <a:chExt cx="0" cy="0"/>
-        </a:xfrm>
-      </p:grpSpPr>
-      <p:sp>
-        <p:nvSpPr>
-          <p:cNvPr id="28" name="Rectangle 27">
+      <p:pic>
+        <p:nvPicPr>
+          <p:cNvPr id="11" name="Picture 10" descr="A close up of text on a white background&#10;&#10;Description automatically generated">
             <a:extLst>
               <a:ext uri="{FF2B5EF4-FFF2-40B4-BE49-F238E27FC236}">
-                <a16:creationId xmlns:a16="http://schemas.microsoft.com/office/drawing/2014/main" id="{2B566528-1B12-4246-9431-5C2D7D081168}"/>
-              </a:ext>
-              <a:ext uri="{C183D7F6-B498-43B3-948B-1728B52AA6E4}">
-                <adec:decorative xmlns:adec="http://schemas.microsoft.com/office/drawing/2017/decorative" val="1"/>
-              </a:ext>
-            </a:extLst>
-          </p:cNvPr>
-          <p:cNvSpPr>
-            <a:spLocks noGrp="1" noRot="1" noChangeAspect="1" noMove="1" noResize="1" noEditPoints="1" noAdjustHandles="1" noChangeArrowheads="1" noChangeShapeType="1" noTextEdit="1"/>
-          </p:cNvSpPr>
-          <p:nvPr>
-            <p:extLst>
-              <p:ext uri="{386F3935-93C4-4BCD-93E2-E3B085C9AB24}">
-                <p16:designElem xmlns:p16="http://schemas.microsoft.com/office/powerpoint/2015/main" val="1"/>
-              </p:ext>
-            </p:extLst>
-          </p:nvPr>
-        </p:nvSpPr>
-        <p:spPr>
-          <a:xfrm>
-            <a:off x="0" y="0"/>
-            <a:ext cx="12192000" cy="6858000"/>
-          </a:xfrm>
-          <a:prstGeom prst="rect">
-            <a:avLst/>
-          </a:prstGeom>
-          <a:solidFill>
-            <a:schemeClr val="bg1"/>
-          </a:solidFill>
-          <a:ln>
-            <a:noFill/>
-          </a:ln>
-        </p:spPr>
-        <p:style>
-          <a:lnRef idx="2">
-            <a:schemeClr val="accent1">
-              <a:shade val="50000"/>
-            </a:schemeClr>
-          </a:lnRef>
-          <a:fillRef idx="1">
-            <a:schemeClr val="accent1"/>
-          </a:fillRef>
-          <a:effectRef idx="0">
-            <a:schemeClr val="accent1"/>
-          </a:effectRef>
-          <a:fontRef idx="minor">
-            <a:schemeClr val="lt1"/>
-          </a:fontRef>
-        </p:style>
-        <p:txBody>
-          <a:bodyPr rtlCol="0" anchor="ctr"/>
-          <a:lstStyle/>
-          <a:p>
-            <a:pPr algn="ctr"/>
-            <a:endParaRPr lang="en-US" dirty="0"/>
-          </a:p>
-        </p:txBody>
-      </p:sp>
-      <p:sp>
-        <p:nvSpPr>
-          <p:cNvPr id="2" name="Title 1">
-            <a:extLst>
-              <a:ext uri="{FF2B5EF4-FFF2-40B4-BE49-F238E27FC236}">
-                <a16:creationId xmlns:a16="http://schemas.microsoft.com/office/drawing/2014/main" id="{252198A7-1F20-43A6-AFE7-F38257D907C4}"/>
-              </a:ext>
-            </a:extLst>
-          </p:cNvPr>
-          <p:cNvSpPr>
-            <a:spLocks noGrp="1"/>
-          </p:cNvSpPr>
-          <p:nvPr>
-            <p:ph type="title"/>
-          </p:nvPr>
-        </p:nvSpPr>
-        <p:spPr>
-          <a:xfrm>
-            <a:off x="643466" y="321734"/>
-            <a:ext cx="6891187" cy="1135737"/>
-          </a:xfrm>
-        </p:spPr>
-        <p:txBody>
-          <a:bodyPr>
-            <a:normAutofit/>
-          </a:bodyPr>
-          <a:lstStyle/>
-          <a:p>
-            <a:r>
-              <a:rPr lang="en-US" sz="3600"/>
-              <a:t>Analysis process:</a:t>
-            </a:r>
-          </a:p>
-        </p:txBody>
-      </p:sp>
-      <p:sp>
-        <p:nvSpPr>
-          <p:cNvPr id="37" name="Isosceles Triangle 29">
-            <a:extLst>
-              <a:ext uri="{FF2B5EF4-FFF2-40B4-BE49-F238E27FC236}">
-                <a16:creationId xmlns:a16="http://schemas.microsoft.com/office/drawing/2014/main" id="{D3F51FEB-38FB-4F6C-9F7B-2F2AFAB65463}"/>
-              </a:ext>
-              <a:ext uri="{C183D7F6-B498-43B3-948B-1728B52AA6E4}">
-                <adec:decorative xmlns:adec="http://schemas.microsoft.com/office/drawing/2017/decorative" val="1"/>
-              </a:ext>
-            </a:extLst>
-          </p:cNvPr>
-          <p:cNvSpPr>
-            <a:spLocks noGrp="1" noRot="1" noChangeAspect="1" noMove="1" noResize="1" noEditPoints="1" noAdjustHandles="1" noChangeArrowheads="1" noChangeShapeType="1" noTextEdit="1"/>
-          </p:cNvSpPr>
-          <p:nvPr>
-            <p:extLst>
-              <p:ext uri="{386F3935-93C4-4BCD-93E2-E3B085C9AB24}">
-                <p16:designElem xmlns:p16="http://schemas.microsoft.com/office/powerpoint/2015/main" val="1"/>
-              </p:ext>
-            </p:extLst>
-          </p:nvPr>
-        </p:nvSpPr>
-        <p:spPr>
-          <a:xfrm rot="5400000">
-            <a:off x="-501760" y="5103257"/>
-            <a:ext cx="2017580" cy="1014060"/>
-          </a:xfrm>
-          <a:prstGeom prst="triangle">
-            <a:avLst>
-              <a:gd name="adj" fmla="val 50000"/>
-            </a:avLst>
-          </a:prstGeom>
-          <a:solidFill>
-            <a:schemeClr val="accent1">
-              <a:alpha val="30000"/>
-            </a:schemeClr>
-          </a:solidFill>
-          <a:ln>
-            <a:noFill/>
-          </a:ln>
-        </p:spPr>
-        <p:style>
-          <a:lnRef idx="2">
-            <a:schemeClr val="accent1">
-              <a:shade val="50000"/>
-            </a:schemeClr>
-          </a:lnRef>
-          <a:fillRef idx="1">
-            <a:schemeClr val="accent1"/>
-          </a:fillRef>
-          <a:effectRef idx="0">
-            <a:schemeClr val="accent1"/>
-          </a:effectRef>
-          <a:fontRef idx="minor">
-            <a:schemeClr val="lt1"/>
-          </a:fontRef>
-        </p:style>
-        <p:txBody>
-          <a:bodyPr rtlCol="0" anchor="ctr"/>
-          <a:lstStyle/>
-          <a:p>
-            <a:pPr algn="ctr"/>
-            <a:endParaRPr lang="en-US"/>
-          </a:p>
-        </p:txBody>
-      </p:sp>
-      <p:sp>
-        <p:nvSpPr>
-          <p:cNvPr id="38" name="Rectangle 31">
-            <a:extLst>
-              <a:ext uri="{FF2B5EF4-FFF2-40B4-BE49-F238E27FC236}">
-                <a16:creationId xmlns:a16="http://schemas.microsoft.com/office/drawing/2014/main" id="{1E547BA6-BAE0-43BB-A7CA-60F69CE252F0}"/>
-              </a:ext>
-              <a:ext uri="{C183D7F6-B498-43B3-948B-1728B52AA6E4}">
-                <adec:decorative xmlns:adec="http://schemas.microsoft.com/office/drawing/2017/decorative" val="1"/>
-              </a:ext>
-            </a:extLst>
-          </p:cNvPr>
-          <p:cNvSpPr>
-            <a:spLocks noGrp="1" noRot="1" noChangeAspect="1" noMove="1" noResize="1" noEditPoints="1" noAdjustHandles="1" noChangeArrowheads="1" noChangeShapeType="1" noTextEdit="1"/>
-          </p:cNvSpPr>
-          <p:nvPr>
-            <p:extLst>
-              <p:ext uri="{386F3935-93C4-4BCD-93E2-E3B085C9AB24}">
-                <p16:designElem xmlns:p16="http://schemas.microsoft.com/office/powerpoint/2015/main" val="1"/>
-              </p:ext>
-            </p:extLst>
-          </p:nvPr>
-        </p:nvSpPr>
-        <p:spPr>
-          <a:xfrm rot="2700000">
-            <a:off x="427916" y="5728708"/>
-            <a:ext cx="485578" cy="485578"/>
-          </a:xfrm>
-          <a:prstGeom prst="rect">
-            <a:avLst/>
-          </a:prstGeom>
-          <a:solidFill>
-            <a:schemeClr val="accent1">
-              <a:alpha val="30000"/>
-            </a:schemeClr>
-          </a:solidFill>
-          <a:ln>
-            <a:noFill/>
-          </a:ln>
-        </p:spPr>
-        <p:style>
-          <a:lnRef idx="2">
-            <a:schemeClr val="accent1">
-              <a:shade val="50000"/>
-            </a:schemeClr>
-          </a:lnRef>
-          <a:fillRef idx="1">
-            <a:schemeClr val="accent1"/>
-          </a:fillRef>
-          <a:effectRef idx="0">
-            <a:schemeClr val="accent1"/>
-          </a:effectRef>
-          <a:fontRef idx="minor">
-            <a:schemeClr val="lt1"/>
-          </a:fontRef>
-        </p:style>
-        <p:txBody>
-          <a:bodyPr rtlCol="0" anchor="ctr"/>
-          <a:lstStyle/>
-          <a:p>
-            <a:pPr algn="ctr"/>
-            <a:endParaRPr lang="en-US"/>
-          </a:p>
-        </p:txBody>
-      </p:sp>
-      <p:pic>
-        <p:nvPicPr>
-          <p:cNvPr id="24" name="Picture 23" descr="A close up of a logo&#10;&#10;Description automatically generated">
-            <a:extLst>
-              <a:ext uri="{FF2B5EF4-FFF2-40B4-BE49-F238E27FC236}">
-                <a16:creationId xmlns:a16="http://schemas.microsoft.com/office/drawing/2014/main" id="{9FF8932A-58B9-417E-AC6F-D143CB99DCAB}"/>
+                <a16:creationId xmlns:a16="http://schemas.microsoft.com/office/drawing/2014/main" id="{E9748917-0E88-41D3-9804-9E698B2A9763}"/>
               </a:ext>
             </a:extLst>
           </p:cNvPr>
@@ -8499,378 +10704,28 @@
           </p:cNvPicPr>
           <p:nvPr/>
         </p:nvPicPr>
-        <p:blipFill rotWithShape="1">
-          <a:blip r:embed="rId2"/>
-          <a:srcRect l="16021" r="44590"/>
-          <a:stretch/>
+        <p:blipFill>
+          <a:blip r:embed="rId3">
+            <a:extLst>
+              <a:ext uri="{28A0092B-C50C-407E-A947-70E740481C1C}">
+                <a14:useLocalDpi xmlns:a14="http://schemas.microsoft.com/office/drawing/2010/main" val="0"/>
+              </a:ext>
+            </a:extLst>
+          </a:blip>
+          <a:stretch>
+            <a:fillRect/>
+          </a:stretch>
         </p:blipFill>
         <p:spPr>
           <a:xfrm>
-            <a:off x="8129873" y="10"/>
-            <a:ext cx="4062128" cy="6857990"/>
+            <a:off x="7381780" y="2515483"/>
+            <a:ext cx="4714814" cy="4163209"/>
           </a:xfrm>
           <a:prstGeom prst="rect">
             <a:avLst/>
           </a:prstGeom>
         </p:spPr>
       </p:pic>
-      <p:grpSp>
-        <p:nvGrpSpPr>
-          <p:cNvPr id="34" name="Group 33">
-            <a:extLst>
-              <a:ext uri="{FF2B5EF4-FFF2-40B4-BE49-F238E27FC236}">
-                <a16:creationId xmlns:a16="http://schemas.microsoft.com/office/drawing/2014/main" id="{07EAA094-9CF6-4695-958A-33D9BCAA9474}"/>
-              </a:ext>
-              <a:ext uri="{C183D7F6-B498-43B3-948B-1728B52AA6E4}">
-                <adec:decorative xmlns:adec="http://schemas.microsoft.com/office/drawing/2017/decorative" val="1"/>
-              </a:ext>
-            </a:extLst>
-          </p:cNvPr>
-          <p:cNvGrpSpPr>
-            <a:grpSpLocks noGrp="1" noUngrp="1" noRot="1" noChangeAspect="1" noMove="1" noResize="1"/>
-          </p:cNvGrpSpPr>
-          <p:nvPr>
-            <p:extLst>
-              <p:ext uri="{386F3935-93C4-4BCD-93E2-E3B085C9AB24}">
-                <p16:designElem xmlns:p16="http://schemas.microsoft.com/office/powerpoint/2015/main" val="1"/>
-              </p:ext>
-            </p:extLst>
-          </p:nvPr>
-        </p:nvGrpSpPr>
-        <p:grpSpPr>
-          <a:xfrm>
-            <a:off x="11123132" y="713128"/>
-            <a:ext cx="1068867" cy="2126625"/>
-            <a:chOff x="10918968" y="713127"/>
-            <a:chExt cx="1273032" cy="2532832"/>
-          </a:xfrm>
-        </p:grpSpPr>
-        <p:sp>
-          <p:nvSpPr>
-            <p:cNvPr id="35" name="Rectangle 34">
-              <a:extLst>
-                <a:ext uri="{FF2B5EF4-FFF2-40B4-BE49-F238E27FC236}">
-                  <a16:creationId xmlns:a16="http://schemas.microsoft.com/office/drawing/2014/main" id="{2E80C965-DB6D-4F81-9E9E-B027384D0BD6}"/>
-                </a:ext>
-                <a:ext uri="{C183D7F6-B498-43B3-948B-1728B52AA6E4}">
-                  <adec:decorative xmlns:adec="http://schemas.microsoft.com/office/drawing/2017/decorative" val="1"/>
-                </a:ext>
-              </a:extLst>
-            </p:cNvPr>
-            <p:cNvSpPr/>
-            <p:nvPr>
-              <p:extLst>
-                <p:ext uri="{386F3935-93C4-4BCD-93E2-E3B085C9AB24}">
-                  <p16:designElem xmlns:p16="http://schemas.microsoft.com/office/powerpoint/2015/main" val="1"/>
-                </p:ext>
-              </p:extLst>
-            </p:nvPr>
-          </p:nvSpPr>
-          <p:spPr>
-            <a:xfrm rot="2700000">
-              <a:off x="11052629" y="2120024"/>
-              <a:ext cx="645368" cy="645368"/>
-            </a:xfrm>
-            <a:prstGeom prst="rect">
-              <a:avLst/>
-            </a:prstGeom>
-            <a:solidFill>
-              <a:schemeClr val="accent4">
-                <a:alpha val="30000"/>
-              </a:schemeClr>
-            </a:solidFill>
-            <a:ln>
-              <a:noFill/>
-            </a:ln>
-          </p:spPr>
-          <p:style>
-            <a:lnRef idx="2">
-              <a:schemeClr val="accent1">
-                <a:shade val="50000"/>
-              </a:schemeClr>
-            </a:lnRef>
-            <a:fillRef idx="1">
-              <a:schemeClr val="accent1"/>
-            </a:fillRef>
-            <a:effectRef idx="0">
-              <a:schemeClr val="accent1"/>
-            </a:effectRef>
-            <a:fontRef idx="minor">
-              <a:schemeClr val="lt1"/>
-            </a:fontRef>
-          </p:style>
-          <p:txBody>
-            <a:bodyPr rtlCol="0" anchor="ctr"/>
-            <a:lstStyle/>
-            <a:p>
-              <a:pPr algn="ctr"/>
-              <a:endParaRPr lang="en-US"/>
-            </a:p>
-          </p:txBody>
-        </p:sp>
-        <p:sp>
-          <p:nvSpPr>
-            <p:cNvPr id="36" name="Isosceles Triangle 35">
-              <a:extLst>
-                <a:ext uri="{FF2B5EF4-FFF2-40B4-BE49-F238E27FC236}">
-                  <a16:creationId xmlns:a16="http://schemas.microsoft.com/office/drawing/2014/main" id="{A580F890-B085-4E95-96AA-55AEBEC5CE6E}"/>
-                </a:ext>
-                <a:ext uri="{C183D7F6-B498-43B3-948B-1728B52AA6E4}">
-                  <adec:decorative xmlns:adec="http://schemas.microsoft.com/office/drawing/2017/decorative" val="1"/>
-                </a:ext>
-              </a:extLst>
-            </p:cNvPr>
-            <p:cNvSpPr/>
-            <p:nvPr>
-              <p:extLst>
-                <p:ext uri="{386F3935-93C4-4BCD-93E2-E3B085C9AB24}">
-                  <p16:designElem xmlns:p16="http://schemas.microsoft.com/office/powerpoint/2015/main" val="1"/>
-                </p:ext>
-              </p:extLst>
-            </p:nvPr>
-          </p:nvSpPr>
-          <p:spPr>
-            <a:xfrm rot="16200000">
-              <a:off x="10289068" y="1343027"/>
-              <a:ext cx="2532832" cy="1273032"/>
-            </a:xfrm>
-            <a:prstGeom prst="triangle">
-              <a:avLst>
-                <a:gd name="adj" fmla="val 50000"/>
-              </a:avLst>
-            </a:prstGeom>
-            <a:solidFill>
-              <a:schemeClr val="accent4">
-                <a:alpha val="30000"/>
-              </a:schemeClr>
-            </a:solidFill>
-            <a:ln>
-              <a:noFill/>
-            </a:ln>
-          </p:spPr>
-          <p:style>
-            <a:lnRef idx="2">
-              <a:schemeClr val="accent1">
-                <a:shade val="50000"/>
-              </a:schemeClr>
-            </a:lnRef>
-            <a:fillRef idx="1">
-              <a:schemeClr val="accent1"/>
-            </a:fillRef>
-            <a:effectRef idx="0">
-              <a:schemeClr val="accent1"/>
-            </a:effectRef>
-            <a:fontRef idx="minor">
-              <a:schemeClr val="lt1"/>
-            </a:fontRef>
-          </p:style>
-          <p:txBody>
-            <a:bodyPr rtlCol="0" anchor="ctr"/>
-            <a:lstStyle/>
-            <a:p>
-              <a:pPr algn="ctr"/>
-              <a:endParaRPr lang="en-US" dirty="0"/>
-            </a:p>
-          </p:txBody>
-        </p:sp>
-      </p:grpSp>
-      <p:graphicFrame>
-        <p:nvGraphicFramePr>
-          <p:cNvPr id="22" name="Content Placeholder 2">
-            <a:extLst>
-              <a:ext uri="{FF2B5EF4-FFF2-40B4-BE49-F238E27FC236}">
-                <a16:creationId xmlns:a16="http://schemas.microsoft.com/office/drawing/2014/main" id="{814D1418-6560-4540-81A0-C299FD375CBB}"/>
-              </a:ext>
-            </a:extLst>
-          </p:cNvPr>
-          <p:cNvGraphicFramePr>
-            <a:graphicFrameLocks noGrp="1"/>
-          </p:cNvGraphicFramePr>
-          <p:nvPr>
-            <p:ph idx="1"/>
-            <p:extLst>
-              <p:ext uri="{D42A27DB-BD31-4B8C-83A1-F6EECF244321}">
-                <p14:modId xmlns:p14="http://schemas.microsoft.com/office/powerpoint/2010/main" val="3463940730"/>
-              </p:ext>
-            </p:extLst>
-          </p:nvPr>
-        </p:nvGraphicFramePr>
-        <p:xfrm>
-          <a:off x="643467" y="1782981"/>
-          <a:ext cx="6891187" cy="4393982"/>
-        </p:xfrm>
-        <a:graphic>
-          <a:graphicData uri="http://schemas.openxmlformats.org/drawingml/2006/diagram">
-            <dgm:relIds xmlns:dgm="http://schemas.openxmlformats.org/drawingml/2006/diagram" xmlns:r="http://schemas.openxmlformats.org/officeDocument/2006/relationships" r:dm="rId3" r:lo="rId4" r:qs="rId5" r:cs="rId6"/>
-          </a:graphicData>
-        </a:graphic>
-      </p:graphicFrame>
-    </p:spTree>
-    <p:extLst>
-      <p:ext uri="{BB962C8B-B14F-4D97-AF65-F5344CB8AC3E}">
-        <p14:creationId xmlns:p14="http://schemas.microsoft.com/office/powerpoint/2010/main" val="1679035602"/>
-      </p:ext>
-    </p:extLst>
-  </p:cSld>
-  <p:clrMapOvr>
-    <a:masterClrMapping/>
-  </p:clrMapOvr>
-</p:sld>
-</file>
-
-<file path=ppt/slides/slide6.xml><?xml version="1.0" encoding="utf-8"?>
-<p:sld xmlns:a="http://schemas.openxmlformats.org/drawingml/2006/main" xmlns:r="http://schemas.openxmlformats.org/officeDocument/2006/relationships" xmlns:p="http://schemas.openxmlformats.org/presentationml/2006/main">
-  <p:cSld>
-    <p:spTree>
-      <p:nvGrpSpPr>
-        <p:cNvPr id="1" name=""/>
-        <p:cNvGrpSpPr/>
-        <p:nvPr/>
-      </p:nvGrpSpPr>
-      <p:grpSpPr>
-        <a:xfrm>
-          <a:off x="0" y="0"/>
-          <a:ext cx="0" cy="0"/>
-          <a:chOff x="0" y="0"/>
-          <a:chExt cx="0" cy="0"/>
-        </a:xfrm>
-      </p:grpSpPr>
-      <p:sp>
-        <p:nvSpPr>
-          <p:cNvPr id="2" name="Title 1">
-            <a:extLst>
-              <a:ext uri="{FF2B5EF4-FFF2-40B4-BE49-F238E27FC236}">
-                <a16:creationId xmlns:a16="http://schemas.microsoft.com/office/drawing/2014/main" id="{7A9F0198-A6A4-4766-AE68-72A4835D27B3}"/>
-              </a:ext>
-            </a:extLst>
-          </p:cNvPr>
-          <p:cNvSpPr>
-            <a:spLocks noGrp="1"/>
-          </p:cNvSpPr>
-          <p:nvPr>
-            <p:ph type="title"/>
-          </p:nvPr>
-        </p:nvSpPr>
-        <p:spPr/>
-        <p:txBody>
-          <a:bodyPr/>
-          <a:lstStyle/>
-          <a:p>
-            <a:r>
-              <a:rPr lang="en-US" dirty="0"/>
-              <a:t>Conclusion:</a:t>
-            </a:r>
-          </a:p>
-        </p:txBody>
-      </p:sp>
-      <p:sp>
-        <p:nvSpPr>
-          <p:cNvPr id="3" name="Content Placeholder 2">
-            <a:extLst>
-              <a:ext uri="{FF2B5EF4-FFF2-40B4-BE49-F238E27FC236}">
-                <a16:creationId xmlns:a16="http://schemas.microsoft.com/office/drawing/2014/main" id="{3EB84B9F-A0C8-40FC-9E5D-0B1BBFF061CC}"/>
-              </a:ext>
-            </a:extLst>
-          </p:cNvPr>
-          <p:cNvSpPr>
-            <a:spLocks noGrp="1"/>
-          </p:cNvSpPr>
-          <p:nvPr>
-            <p:ph idx="1"/>
-          </p:nvPr>
-        </p:nvSpPr>
-        <p:spPr/>
-        <p:txBody>
-          <a:bodyPr/>
-          <a:lstStyle/>
-          <a:p>
-            <a:endParaRPr lang="en-US" dirty="0"/>
-          </a:p>
-        </p:txBody>
-      </p:sp>
-    </p:spTree>
-    <p:extLst>
-      <p:ext uri="{BB962C8B-B14F-4D97-AF65-F5344CB8AC3E}">
-        <p14:creationId xmlns:p14="http://schemas.microsoft.com/office/powerpoint/2010/main" val="1785030121"/>
-      </p:ext>
-    </p:extLst>
-  </p:cSld>
-  <p:clrMapOvr>
-    <a:masterClrMapping/>
-  </p:clrMapOvr>
-</p:sld>
-</file>
-
-<file path=ppt/slides/slide7.xml><?xml version="1.0" encoding="utf-8"?>
-<p:sld xmlns:a="http://schemas.openxmlformats.org/drawingml/2006/main" xmlns:r="http://schemas.openxmlformats.org/officeDocument/2006/relationships" xmlns:p="http://schemas.openxmlformats.org/presentationml/2006/main">
-  <p:cSld>
-    <p:spTree>
-      <p:nvGrpSpPr>
-        <p:cNvPr id="1" name=""/>
-        <p:cNvGrpSpPr/>
-        <p:nvPr/>
-      </p:nvGrpSpPr>
-      <p:grpSpPr>
-        <a:xfrm>
-          <a:off x="0" y="0"/>
-          <a:ext cx="0" cy="0"/>
-          <a:chOff x="0" y="0"/>
-          <a:chExt cx="0" cy="0"/>
-        </a:xfrm>
-      </p:grpSpPr>
-      <p:sp>
-        <p:nvSpPr>
-          <p:cNvPr id="2" name="Title 1">
-            <a:extLst>
-              <a:ext uri="{FF2B5EF4-FFF2-40B4-BE49-F238E27FC236}">
-                <a16:creationId xmlns:a16="http://schemas.microsoft.com/office/drawing/2014/main" id="{65B7D323-5D5F-46EE-92B8-9861A6326F16}"/>
-              </a:ext>
-            </a:extLst>
-          </p:cNvPr>
-          <p:cNvSpPr>
-            <a:spLocks noGrp="1"/>
-          </p:cNvSpPr>
-          <p:nvPr>
-            <p:ph type="title"/>
-          </p:nvPr>
-        </p:nvSpPr>
-        <p:spPr/>
-        <p:txBody>
-          <a:bodyPr/>
-          <a:lstStyle/>
-          <a:p>
-            <a:r>
-              <a:rPr lang="en-US" dirty="0"/>
-              <a:t>What do we mean?</a:t>
-            </a:r>
-          </a:p>
-        </p:txBody>
-      </p:sp>
-      <p:sp>
-        <p:nvSpPr>
-          <p:cNvPr id="3" name="Content Placeholder 2">
-            <a:extLst>
-              <a:ext uri="{FF2B5EF4-FFF2-40B4-BE49-F238E27FC236}">
-                <a16:creationId xmlns:a16="http://schemas.microsoft.com/office/drawing/2014/main" id="{ADE61FEC-EB4B-4CDC-8A91-42CB42C80F12}"/>
-              </a:ext>
-            </a:extLst>
-          </p:cNvPr>
-          <p:cNvSpPr>
-            <a:spLocks noGrp="1"/>
-          </p:cNvSpPr>
-          <p:nvPr>
-            <p:ph idx="1"/>
-          </p:nvPr>
-        </p:nvSpPr>
-        <p:spPr/>
-        <p:txBody>
-          <a:bodyPr/>
-          <a:lstStyle/>
-          <a:p>
-            <a:endParaRPr lang="en-US" dirty="0"/>
-          </a:p>
-        </p:txBody>
-      </p:sp>
     </p:spTree>
     <p:extLst>
       <p:ext uri="{BB962C8B-B14F-4D97-AF65-F5344CB8AC3E}">
@@ -8887,7 +10742,7 @@
 <file path=ppt/theme/theme1.xml><?xml version="1.0" encoding="utf-8"?>
 <a:theme xmlns:a="http://schemas.openxmlformats.org/drawingml/2006/main" name="Office Theme">
   <a:themeElements>
-    <a:clrScheme name="Office">
+    <a:clrScheme name="Office Theme">
       <a:dk1>
         <a:sysClr val="windowText" lastClr="000000"/>
       </a:dk1>
@@ -8901,22 +10756,22 @@
         <a:srgbClr val="E7E6E6"/>
       </a:lt2>
       <a:accent1>
-        <a:srgbClr val="4472C4"/>
+        <a:srgbClr val="1D9A78"/>
       </a:accent1>
       <a:accent2>
-        <a:srgbClr val="ED7D31"/>
+        <a:srgbClr val="8BC145"/>
       </a:accent2>
       <a:accent3>
-        <a:srgbClr val="A5A5A5"/>
+        <a:srgbClr val="36AFCE"/>
       </a:accent3>
       <a:accent4>
-        <a:srgbClr val="FFC000"/>
+        <a:srgbClr val="1D6FA9"/>
       </a:accent4>
       <a:accent5>
-        <a:srgbClr val="5B9BD5"/>
+        <a:srgbClr val="B74919"/>
       </a:accent5>
       <a:accent6>
-        <a:srgbClr val="70AD47"/>
+        <a:srgbClr val="F19D19"/>
       </a:accent6>
       <a:hlink>
         <a:srgbClr val="0563C1"/>
@@ -8925,7 +10780,7 @@
         <a:srgbClr val="954F72"/>
       </a:folHlink>
     </a:clrScheme>
-    <a:fontScheme name="Office">
+    <a:fontScheme name="Office Theme">
       <a:majorFont>
         <a:latin typeface="Calibri Light" panose="020F0302020204030204"/>
         <a:ea typeface=""/>
@@ -8960,23 +10815,6 @@
         <a:font script="Viet" typeface="Times New Roman"/>
         <a:font script="Uigh" typeface="Microsoft Uighur"/>
         <a:font script="Geor" typeface="Sylfaen"/>
-        <a:font script="Armn" typeface="Arial"/>
-        <a:font script="Bugi" typeface="Leelawadee UI"/>
-        <a:font script="Bopo" typeface="Microsoft JhengHei"/>
-        <a:font script="Java" typeface="Javanese Text"/>
-        <a:font script="Lisu" typeface="Segoe UI"/>
-        <a:font script="Mymr" typeface="Myanmar Text"/>
-        <a:font script="Nkoo" typeface="Ebrima"/>
-        <a:font script="Olck" typeface="Nirmala UI"/>
-        <a:font script="Osma" typeface="Ebrima"/>
-        <a:font script="Phag" typeface="Phagspa"/>
-        <a:font script="Syrn" typeface="Estrangelo Edessa"/>
-        <a:font script="Syrj" typeface="Estrangelo Edessa"/>
-        <a:font script="Syre" typeface="Estrangelo Edessa"/>
-        <a:font script="Sora" typeface="Nirmala UI"/>
-        <a:font script="Tale" typeface="Microsoft Tai Le"/>
-        <a:font script="Talu" typeface="Microsoft New Tai Lue"/>
-        <a:font script="Tfng" typeface="Ebrima"/>
       </a:majorFont>
       <a:minorFont>
         <a:latin typeface="Calibri" panose="020F0502020204030204"/>
@@ -9012,26 +10850,9 @@
         <a:font script="Viet" typeface="Arial"/>
         <a:font script="Uigh" typeface="Microsoft Uighur"/>
         <a:font script="Geor" typeface="Sylfaen"/>
-        <a:font script="Armn" typeface="Arial"/>
-        <a:font script="Bugi" typeface="Leelawadee UI"/>
-        <a:font script="Bopo" typeface="Microsoft JhengHei"/>
-        <a:font script="Java" typeface="Javanese Text"/>
-        <a:font script="Lisu" typeface="Segoe UI"/>
-        <a:font script="Mymr" typeface="Myanmar Text"/>
-        <a:font script="Nkoo" typeface="Ebrima"/>
-        <a:font script="Olck" typeface="Nirmala UI"/>
-        <a:font script="Osma" typeface="Ebrima"/>
-        <a:font script="Phag" typeface="Phagspa"/>
-        <a:font script="Syrn" typeface="Estrangelo Edessa"/>
-        <a:font script="Syrj" typeface="Estrangelo Edessa"/>
-        <a:font script="Syre" typeface="Estrangelo Edessa"/>
-        <a:font script="Sora" typeface="Nirmala UI"/>
-        <a:font script="Tale" typeface="Microsoft Tai Le"/>
-        <a:font script="Talu" typeface="Microsoft New Tai Lue"/>
-        <a:font script="Tfng" typeface="Ebrima"/>
       </a:minorFont>
     </a:fontScheme>
-    <a:fmtScheme name="Office">
+    <a:fmtScheme name="Office Theme">
       <a:fillStyleLst>
         <a:solidFill>
           <a:schemeClr val="phClr"/>
@@ -9173,7 +10994,7 @@
   <a:extraClrSchemeLst/>
   <a:extLst>
     <a:ext uri="{05A4C25C-085E-4340-85A3-A5531E510DB2}">
-      <thm15:themeFamily xmlns:thm15="http://schemas.microsoft.com/office/thememl/2012/main" name="Office Theme" id="{62F939B6-93AF-4DB8-9C6B-D6C7DFDC589F}" vid="{4A3C46E8-61CC-4603-A589-7422A47A8E4A}"/>
+      <thm15:themeFamily xmlns:thm15="http://schemas.microsoft.com/office/thememl/2012/main" name="Office Theme" id="{62F939B6-93AF-4DB8-9C6B-D6C7DFDC589F}" vid="{AE6F2518-B084-4896-AF52-66CC2144AA26}"/>
     </a:ext>
   </a:extLst>
 </a:theme>
